--- a/15_자바스크립트의이해_function.pptx
+++ b/15_자바스크립트의이해_function.pptx
@@ -9,7 +9,10 @@
     <p:sldId id="303" r:id="rId3"/>
     <p:sldId id="304" r:id="rId4"/>
     <p:sldId id="305" r:id="rId5"/>
-    <p:sldId id="306" r:id="rId6"/>
+    <p:sldId id="309" r:id="rId6"/>
+    <p:sldId id="306" r:id="rId7"/>
+    <p:sldId id="307" r:id="rId8"/>
+    <p:sldId id="308" r:id="rId9"/>
   </p:sldIdLst>
   <p:sldSz cx="12192000" cy="6858000"/>
   <p:notesSz cx="6858000" cy="9144000"/>
@@ -258,7 +261,7 @@
           <a:p>
             <a:fld id="{3A8340CC-C4C2-4B4E-BDDE-CC2A02CB427F}" type="datetimeFigureOut">
               <a:rPr lang="ko-KR" altLang="en-US" smtClean="0"/>
-              <a:t>2016. 12. 7.</a:t>
+              <a:t>2016. 12. 8.</a:t>
             </a:fld>
             <a:endParaRPr lang="ko-KR" altLang="en-US"/>
           </a:p>
@@ -428,7 +431,7 @@
           <a:p>
             <a:fld id="{3A8340CC-C4C2-4B4E-BDDE-CC2A02CB427F}" type="datetimeFigureOut">
               <a:rPr lang="ko-KR" altLang="en-US" smtClean="0"/>
-              <a:t>2016. 12. 7.</a:t>
+              <a:t>2016. 12. 8.</a:t>
             </a:fld>
             <a:endParaRPr lang="ko-KR" altLang="en-US"/>
           </a:p>
@@ -608,7 +611,7 @@
           <a:p>
             <a:fld id="{3A8340CC-C4C2-4B4E-BDDE-CC2A02CB427F}" type="datetimeFigureOut">
               <a:rPr lang="ko-KR" altLang="en-US" smtClean="0"/>
-              <a:t>2016. 12. 7.</a:t>
+              <a:t>2016. 12. 8.</a:t>
             </a:fld>
             <a:endParaRPr lang="ko-KR" altLang="en-US"/>
           </a:p>
@@ -778,7 +781,7 @@
           <a:p>
             <a:fld id="{3A8340CC-C4C2-4B4E-BDDE-CC2A02CB427F}" type="datetimeFigureOut">
               <a:rPr lang="ko-KR" altLang="en-US" smtClean="0"/>
-              <a:t>2016. 12. 7.</a:t>
+              <a:t>2016. 12. 8.</a:t>
             </a:fld>
             <a:endParaRPr lang="ko-KR" altLang="en-US"/>
           </a:p>
@@ -1024,7 +1027,7 @@
           <a:p>
             <a:fld id="{3A8340CC-C4C2-4B4E-BDDE-CC2A02CB427F}" type="datetimeFigureOut">
               <a:rPr lang="ko-KR" altLang="en-US" smtClean="0"/>
-              <a:t>2016. 12. 7.</a:t>
+              <a:t>2016. 12. 8.</a:t>
             </a:fld>
             <a:endParaRPr lang="ko-KR" altLang="en-US"/>
           </a:p>
@@ -1256,7 +1259,7 @@
           <a:p>
             <a:fld id="{3A8340CC-C4C2-4B4E-BDDE-CC2A02CB427F}" type="datetimeFigureOut">
               <a:rPr lang="ko-KR" altLang="en-US" smtClean="0"/>
-              <a:t>2016. 12. 7.</a:t>
+              <a:t>2016. 12. 8.</a:t>
             </a:fld>
             <a:endParaRPr lang="ko-KR" altLang="en-US"/>
           </a:p>
@@ -1623,7 +1626,7 @@
           <a:p>
             <a:fld id="{3A8340CC-C4C2-4B4E-BDDE-CC2A02CB427F}" type="datetimeFigureOut">
               <a:rPr lang="ko-KR" altLang="en-US" smtClean="0"/>
-              <a:t>2016. 12. 7.</a:t>
+              <a:t>2016. 12. 8.</a:t>
             </a:fld>
             <a:endParaRPr lang="ko-KR" altLang="en-US"/>
           </a:p>
@@ -1741,7 +1744,7 @@
           <a:p>
             <a:fld id="{3A8340CC-C4C2-4B4E-BDDE-CC2A02CB427F}" type="datetimeFigureOut">
               <a:rPr lang="ko-KR" altLang="en-US" smtClean="0"/>
-              <a:t>2016. 12. 7.</a:t>
+              <a:t>2016. 12. 8.</a:t>
             </a:fld>
             <a:endParaRPr lang="ko-KR" altLang="en-US"/>
           </a:p>
@@ -1836,7 +1839,7 @@
           <a:p>
             <a:fld id="{3A8340CC-C4C2-4B4E-BDDE-CC2A02CB427F}" type="datetimeFigureOut">
               <a:rPr lang="ko-KR" altLang="en-US" smtClean="0"/>
-              <a:t>2016. 12. 7.</a:t>
+              <a:t>2016. 12. 8.</a:t>
             </a:fld>
             <a:endParaRPr lang="ko-KR" altLang="en-US"/>
           </a:p>
@@ -2113,7 +2116,7 @@
           <a:p>
             <a:fld id="{3A8340CC-C4C2-4B4E-BDDE-CC2A02CB427F}" type="datetimeFigureOut">
               <a:rPr lang="ko-KR" altLang="en-US" smtClean="0"/>
-              <a:t>2016. 12. 7.</a:t>
+              <a:t>2016. 12. 8.</a:t>
             </a:fld>
             <a:endParaRPr lang="ko-KR" altLang="en-US"/>
           </a:p>
@@ -2366,7 +2369,7 @@
           <a:p>
             <a:fld id="{3A8340CC-C4C2-4B4E-BDDE-CC2A02CB427F}" type="datetimeFigureOut">
               <a:rPr lang="ko-KR" altLang="en-US" smtClean="0"/>
-              <a:t>2016. 12. 7.</a:t>
+              <a:t>2016. 12. 8.</a:t>
             </a:fld>
             <a:endParaRPr lang="ko-KR" altLang="en-US"/>
           </a:p>
@@ -2579,7 +2582,7 @@
           <a:p>
             <a:fld id="{3A8340CC-C4C2-4B4E-BDDE-CC2A02CB427F}" type="datetimeFigureOut">
               <a:rPr lang="ko-KR" altLang="en-US" smtClean="0"/>
-              <a:t>2016. 12. 7.</a:t>
+              <a:t>2016. 12. 8.</a:t>
             </a:fld>
             <a:endParaRPr lang="ko-KR" altLang="en-US"/>
           </a:p>
@@ -5069,7 +5072,7 @@
                 <a:ea typeface="+mn-ea"/>
                 <a:cs typeface="Consolas" charset="0"/>
               </a:rPr>
-              <a:t>apply</a:t>
+              <a:t>apply / call</a:t>
             </a:r>
             <a:endParaRPr lang="ko-KR" altLang="en-US" sz="3000">
               <a:latin typeface="Consolas" pitchFamily="49" charset="0"/>
@@ -5090,7 +5093,7 @@
         <p:spPr bwMode="auto">
           <a:xfrm>
             <a:off x="838199" y="1265779"/>
-            <a:ext cx="10386849" cy="5436013"/>
+            <a:ext cx="10386849" cy="4112573"/>
           </a:xfrm>
           <a:prstGeom prst="rect">
             <a:avLst/>
@@ -5282,11 +5285,21 @@
               <a:spcBef>
                 <a:spcPts val="0"/>
               </a:spcBef>
-              <a:buFont typeface="Arial" panose="020B0604020202020204" pitchFamily="34" charset="0"/>
-              <a:buNone/>
-            </a:pPr>
-            <a:r>
-              <a:rPr lang="ko-KR" altLang="en-US" sz="1800">
+              <a:buNone/>
+            </a:pPr>
+            <a:r>
+              <a:rPr lang="en-US" altLang="ko-KR" sz="2000">
+                <a:solidFill>
+                  <a:srgbClr val="0086B3"/>
+                </a:solidFill>
+                <a:latin typeface="Consolas" charset="0"/>
+                <a:ea typeface="Consolas" charset="0"/>
+                <a:cs typeface="Consolas" charset="0"/>
+              </a:rPr>
+              <a:t>apply</a:t>
+            </a:r>
+            <a:r>
+              <a:rPr lang="en-US" altLang="ko-KR" sz="2000">
                 <a:solidFill>
                   <a:prstClr val="black"/>
                 </a:solidFill>
@@ -5294,10 +5307,21 @@
                 <a:ea typeface="Consolas" charset="0"/>
                 <a:cs typeface="Consolas" charset="0"/>
               </a:rPr>
-              <a:t>소유자인 함수를 호출하면서</a:t>
-            </a:r>
-            <a:r>
-              <a:rPr lang="en-US" altLang="ko-KR" sz="1800">
+              <a:t>(</a:t>
+            </a:r>
+            <a:r>
+              <a:rPr lang="en-US" altLang="ko-KR" sz="2000">
+                <a:solidFill>
+                  <a:srgbClr val="ED6A43"/>
+                </a:solidFill>
+                <a:latin typeface="Consolas" charset="0"/>
+                <a:ea typeface="Consolas" charset="0"/>
+                <a:cs typeface="Consolas" charset="0"/>
+              </a:rPr>
+              <a:t>this</a:t>
+            </a:r>
+            <a:r>
+              <a:rPr lang="en-US" altLang="ko-KR" sz="2000">
                 <a:solidFill>
                   <a:prstClr val="black"/>
                 </a:solidFill>
@@ -5305,51 +5329,7 @@
                 <a:ea typeface="Consolas" charset="0"/>
                 <a:cs typeface="Consolas" charset="0"/>
               </a:rPr>
-              <a:t>,</a:t>
-            </a:r>
-            <a:r>
-              <a:rPr lang="ko-KR" altLang="en-US" sz="1800">
-                <a:solidFill>
-                  <a:prstClr val="black"/>
-                </a:solidFill>
-                <a:latin typeface="Consolas" charset="0"/>
-                <a:ea typeface="Consolas" charset="0"/>
-                <a:cs typeface="Consolas" charset="0"/>
-              </a:rPr>
-              <a:t> </a:t>
-            </a:r>
-            <a:r>
-              <a:rPr lang="en-US" altLang="ko-KR" sz="1800">
-                <a:solidFill>
-                  <a:prstClr val="black"/>
-                </a:solidFill>
-                <a:latin typeface="Consolas" charset="0"/>
-                <a:ea typeface="Consolas" charset="0"/>
-                <a:cs typeface="Consolas" charset="0"/>
-              </a:rPr>
-              <a:t>this </a:t>
-            </a:r>
-            <a:r>
-              <a:rPr lang="ko-KR" altLang="en-US" sz="1800">
-                <a:solidFill>
-                  <a:prstClr val="black"/>
-                </a:solidFill>
-                <a:latin typeface="Consolas" charset="0"/>
-                <a:ea typeface="Consolas" charset="0"/>
-                <a:cs typeface="Consolas" charset="0"/>
-              </a:rPr>
-              <a:t>와 인자를 넘긴다</a:t>
-            </a:r>
-            <a:r>
-              <a:rPr lang="en-US" altLang="ko-KR" sz="1800">
-                <a:solidFill>
-                  <a:prstClr val="black"/>
-                </a:solidFill>
-                <a:latin typeface="Consolas" charset="0"/>
-                <a:ea typeface="Consolas" charset="0"/>
-                <a:cs typeface="Consolas" charset="0"/>
-              </a:rPr>
-              <a:t>.</a:t>
+              <a:t>, [ arguments || [arg1, arg2, .. ] ])</a:t>
             </a:r>
           </a:p>
           <a:p>
@@ -5360,63 +5340,6 @@
               <a:spcBef>
                 <a:spcPts val="0"/>
               </a:spcBef>
-              <a:buFont typeface="Arial" panose="020B0604020202020204" pitchFamily="34" charset="0"/>
-              <a:buNone/>
-            </a:pPr>
-            <a:r>
-              <a:rPr lang="ko-KR" altLang="en-US" sz="1800">
-                <a:solidFill>
-                  <a:prstClr val="black"/>
-                </a:solidFill>
-                <a:latin typeface="Consolas" charset="0"/>
-                <a:ea typeface="Consolas" charset="0"/>
-                <a:cs typeface="Consolas" charset="0"/>
-              </a:rPr>
-              <a:t>두번째 매개변수로 </a:t>
-            </a:r>
-            <a:r>
-              <a:rPr lang="en-US" altLang="ko-KR" sz="1800">
-                <a:solidFill>
-                  <a:prstClr val="black"/>
-                </a:solidFill>
-                <a:latin typeface="Consolas" charset="0"/>
-                <a:ea typeface="Consolas" charset="0"/>
-                <a:cs typeface="Consolas" charset="0"/>
-              </a:rPr>
-              <a:t>arguments</a:t>
-            </a:r>
-            <a:r>
-              <a:rPr lang="ko-KR" altLang="en-US" sz="1800">
-                <a:solidFill>
-                  <a:prstClr val="black"/>
-                </a:solidFill>
-                <a:latin typeface="Consolas" charset="0"/>
-                <a:ea typeface="Consolas" charset="0"/>
-                <a:cs typeface="Consolas" charset="0"/>
-              </a:rPr>
-              <a:t>객체 또는 배열 형태로 인자를 넘긴다</a:t>
-            </a:r>
-            <a:r>
-              <a:rPr lang="en-US" altLang="ko-KR" sz="1800">
-                <a:solidFill>
-                  <a:prstClr val="black"/>
-                </a:solidFill>
-                <a:latin typeface="Consolas" charset="0"/>
-                <a:ea typeface="Consolas" charset="0"/>
-                <a:cs typeface="Consolas" charset="0"/>
-              </a:rPr>
-              <a:t>.</a:t>
-            </a:r>
-          </a:p>
-          <a:p>
-            <a:pPr marL="0" indent="0" latinLnBrk="0">
-              <a:lnSpc>
-                <a:spcPct val="100000"/>
-              </a:lnSpc>
-              <a:spcBef>
-                <a:spcPts val="0"/>
-              </a:spcBef>
-              <a:buFont typeface="Arial" panose="020B0604020202020204" pitchFamily="34" charset="0"/>
               <a:buNone/>
             </a:pPr>
             <a:endParaRPr lang="en-US" altLang="ko-KR" sz="1800">
@@ -5439,19 +5362,32 @@
               <a:buNone/>
             </a:pPr>
             <a:r>
-              <a:rPr lang="en-US" altLang="ko-KR" sz="1800">
-                <a:solidFill>
-                  <a:srgbClr val="A71D5D"/>
-                </a:solidFill>
-                <a:effectLst/>
-                <a:latin typeface="Consolas" charset="0"/>
-                <a:ea typeface="Consolas" charset="0"/>
-                <a:cs typeface="Consolas" charset="0"/>
-              </a:rPr>
-              <a:t>function</a:t>
-            </a:r>
-            <a:r>
-              <a:rPr lang="en-US" altLang="ko-KR" sz="1800">
+              <a:rPr lang="ko-KR" altLang="en-US" sz="1800">
+                <a:solidFill>
+                  <a:prstClr val="black"/>
+                </a:solidFill>
+                <a:latin typeface="Consolas" charset="0"/>
+                <a:ea typeface="Consolas" charset="0"/>
+                <a:cs typeface="Consolas" charset="0"/>
+              </a:rPr>
+              <a:t>소유자인 함수를 호출하면서</a:t>
+            </a:r>
+            <a:r>
+              <a:rPr lang="en-US" altLang="ko-KR" sz="1800">
+                <a:solidFill>
+                  <a:prstClr val="black"/>
+                </a:solidFill>
+                <a:latin typeface="Consolas" charset="0"/>
+                <a:ea typeface="Consolas" charset="0"/>
+                <a:cs typeface="Consolas" charset="0"/>
+              </a:rPr>
+              <a:t>,</a:t>
+            </a:r>
+            <a:r>
+              <a:rPr lang="ko-KR" altLang="en-US" sz="1800">
+                <a:solidFill>
+                  <a:prstClr val="black"/>
+                </a:solidFill>
                 <a:latin typeface="Consolas" charset="0"/>
                 <a:ea typeface="Consolas" charset="0"/>
                 <a:cs typeface="Consolas" charset="0"/>
@@ -5461,62 +5397,35 @@
             <a:r>
               <a:rPr lang="en-US" altLang="ko-KR" sz="1800">
                 <a:solidFill>
-                  <a:srgbClr val="795DA3"/>
-                </a:solidFill>
-                <a:effectLst/>
-                <a:latin typeface="Consolas" charset="0"/>
-                <a:ea typeface="Consolas" charset="0"/>
-                <a:cs typeface="Consolas" charset="0"/>
-              </a:rPr>
-              <a:t>sum</a:t>
-            </a:r>
-            <a:r>
-              <a:rPr lang="en-US" altLang="ko-KR" sz="1800">
-                <a:latin typeface="Consolas" charset="0"/>
-                <a:ea typeface="Consolas" charset="0"/>
-                <a:cs typeface="Consolas" charset="0"/>
-              </a:rPr>
-              <a:t>(</a:t>
-            </a:r>
-            <a:r>
-              <a:rPr lang="en-US" altLang="ko-KR" sz="1800">
-                <a:solidFill>
-                  <a:srgbClr val="333333"/>
-                </a:solidFill>
-                <a:effectLst/>
-                <a:latin typeface="Consolas" charset="0"/>
-                <a:ea typeface="Consolas" charset="0"/>
-                <a:cs typeface="Consolas" charset="0"/>
-              </a:rPr>
-              <a:t>num1</a:t>
-            </a:r>
-            <a:r>
-              <a:rPr lang="en-US" altLang="ko-KR" sz="1800">
-                <a:latin typeface="Consolas" charset="0"/>
-                <a:ea typeface="Consolas" charset="0"/>
-                <a:cs typeface="Consolas" charset="0"/>
-              </a:rPr>
-              <a:t>, </a:t>
-            </a:r>
-            <a:r>
-              <a:rPr lang="en-US" altLang="ko-KR" sz="1800">
-                <a:solidFill>
-                  <a:srgbClr val="333333"/>
-                </a:solidFill>
-                <a:effectLst/>
-                <a:latin typeface="Consolas" charset="0"/>
-                <a:ea typeface="Consolas" charset="0"/>
-                <a:cs typeface="Consolas" charset="0"/>
-              </a:rPr>
-              <a:t>num2</a:t>
-            </a:r>
-            <a:r>
-              <a:rPr lang="en-US" altLang="ko-KR" sz="1800">
-                <a:latin typeface="Consolas" charset="0"/>
-                <a:ea typeface="Consolas" charset="0"/>
-                <a:cs typeface="Consolas" charset="0"/>
-              </a:rPr>
-              <a:t>){</a:t>
+                  <a:prstClr val="black"/>
+                </a:solidFill>
+                <a:latin typeface="Consolas" charset="0"/>
+                <a:ea typeface="Consolas" charset="0"/>
+                <a:cs typeface="Consolas" charset="0"/>
+              </a:rPr>
+              <a:t>this </a:t>
+            </a:r>
+            <a:r>
+              <a:rPr lang="ko-KR" altLang="en-US" sz="1800">
+                <a:solidFill>
+                  <a:prstClr val="black"/>
+                </a:solidFill>
+                <a:latin typeface="Consolas" charset="0"/>
+                <a:ea typeface="Consolas" charset="0"/>
+                <a:cs typeface="Consolas" charset="0"/>
+              </a:rPr>
+              <a:t>와 인자를 넘긴다</a:t>
+            </a:r>
+            <a:r>
+              <a:rPr lang="en-US" altLang="ko-KR" sz="1800">
+                <a:solidFill>
+                  <a:prstClr val="black"/>
+                </a:solidFill>
+                <a:latin typeface="Consolas" charset="0"/>
+                <a:ea typeface="Consolas" charset="0"/>
+                <a:cs typeface="Consolas" charset="0"/>
+              </a:rPr>
+              <a:t>.</a:t>
             </a:r>
           </a:p>
           <a:p>
@@ -5530,542 +5439,105 @@
               <a:buNone/>
             </a:pPr>
             <a:r>
-              <a:rPr lang="en-US" altLang="ko-KR" sz="1800">
-                <a:solidFill>
-                  <a:srgbClr val="A71D5D"/>
-                </a:solidFill>
-                <a:effectLst/>
-                <a:latin typeface="Consolas" charset="0"/>
-                <a:ea typeface="Consolas" charset="0"/>
-                <a:cs typeface="Consolas" charset="0"/>
-              </a:rPr>
-              <a:t>	return</a:t>
-            </a:r>
-            <a:r>
-              <a:rPr lang="en-US" altLang="ko-KR" sz="1800">
-                <a:latin typeface="Consolas" charset="0"/>
-                <a:ea typeface="Consolas" charset="0"/>
-                <a:cs typeface="Consolas" charset="0"/>
-              </a:rPr>
-              <a:t> num1 </a:t>
-            </a:r>
-            <a:r>
-              <a:rPr lang="en-US" altLang="ko-KR" sz="1800">
-                <a:solidFill>
-                  <a:srgbClr val="A71D5D"/>
-                </a:solidFill>
-                <a:effectLst/>
-                <a:latin typeface="Consolas" charset="0"/>
-                <a:ea typeface="Consolas" charset="0"/>
-                <a:cs typeface="Consolas" charset="0"/>
-              </a:rPr>
-              <a:t>+</a:t>
-            </a:r>
-            <a:r>
-              <a:rPr lang="en-US" altLang="ko-KR" sz="1800">
-                <a:latin typeface="Consolas" charset="0"/>
-                <a:ea typeface="Consolas" charset="0"/>
-                <a:cs typeface="Consolas" charset="0"/>
-              </a:rPr>
-              <a:t> num2;</a:t>
-            </a:r>
-          </a:p>
-          <a:p>
-            <a:pPr marL="0" indent="0" latinLnBrk="0">
+              <a:rPr lang="ko-KR" altLang="en-US" sz="1800">
+                <a:solidFill>
+                  <a:prstClr val="black"/>
+                </a:solidFill>
+                <a:latin typeface="Consolas" charset="0"/>
+                <a:ea typeface="Consolas" charset="0"/>
+                <a:cs typeface="Consolas" charset="0"/>
+              </a:rPr>
+              <a:t>두번째 매개변수로 </a:t>
+            </a:r>
+            <a:r>
+              <a:rPr lang="en-US" altLang="ko-KR" sz="1800">
+                <a:solidFill>
+                  <a:prstClr val="black"/>
+                </a:solidFill>
+                <a:latin typeface="Consolas" charset="0"/>
+                <a:ea typeface="Consolas" charset="0"/>
+                <a:cs typeface="Consolas" charset="0"/>
+              </a:rPr>
+              <a:t>arguments</a:t>
+            </a:r>
+            <a:r>
+              <a:rPr lang="ko-KR" altLang="en-US" sz="1800">
+                <a:solidFill>
+                  <a:prstClr val="black"/>
+                </a:solidFill>
+                <a:latin typeface="Consolas" charset="0"/>
+                <a:ea typeface="Consolas" charset="0"/>
+                <a:cs typeface="Consolas" charset="0"/>
+              </a:rPr>
+              <a:t>객체 또는 배열 형태로 인자를 넘긴다</a:t>
+            </a:r>
+            <a:r>
+              <a:rPr lang="en-US" altLang="ko-KR" sz="1800">
+                <a:solidFill>
+                  <a:prstClr val="black"/>
+                </a:solidFill>
+                <a:latin typeface="Consolas" charset="0"/>
+                <a:ea typeface="Consolas" charset="0"/>
+                <a:cs typeface="Consolas" charset="0"/>
+              </a:rPr>
+              <a:t>.</a:t>
+            </a:r>
+          </a:p>
+          <a:p>
+            <a:pPr latinLnBrk="0">
               <a:lnSpc>
                 <a:spcPct val="100000"/>
               </a:lnSpc>
               <a:spcBef>
                 <a:spcPts val="0"/>
               </a:spcBef>
-              <a:buNone/>
-            </a:pPr>
-            <a:r>
-              <a:rPr lang="en-US" altLang="ko-KR" sz="1800">
-                <a:latin typeface="Consolas" charset="0"/>
-                <a:ea typeface="Consolas" charset="0"/>
-                <a:cs typeface="Consolas" charset="0"/>
-              </a:rPr>
-              <a:t>}</a:t>
-            </a:r>
-          </a:p>
-          <a:p>
-            <a:pPr marL="0" indent="0" latinLnBrk="0">
-              <a:lnSpc>
-                <a:spcPct val="100000"/>
-              </a:lnSpc>
-              <a:spcBef>
-                <a:spcPts val="0"/>
-              </a:spcBef>
-              <a:buNone/>
+              <a:buFontTx/>
+              <a:buChar char="-"/>
             </a:pPr>
             <a:endParaRPr lang="en-US" altLang="ko-KR" sz="1800">
               <a:solidFill>
-                <a:srgbClr val="A71D5D"/>
+                <a:prstClr val="black"/>
               </a:solidFill>
-              <a:effectLst/>
               <a:latin typeface="Consolas" charset="0"/>
               <a:ea typeface="Consolas" charset="0"/>
               <a:cs typeface="Consolas" charset="0"/>
             </a:endParaRPr>
           </a:p>
           <a:p>
-            <a:pPr marL="0" indent="0" latinLnBrk="0">
+            <a:pPr latinLnBrk="0">
               <a:lnSpc>
                 <a:spcPct val="100000"/>
               </a:lnSpc>
               <a:spcBef>
                 <a:spcPts val="0"/>
               </a:spcBef>
-              <a:buNone/>
-            </a:pPr>
-            <a:r>
-              <a:rPr lang="en-US" altLang="ko-KR" sz="1800">
-                <a:solidFill>
-                  <a:srgbClr val="A71D5D"/>
-                </a:solidFill>
-                <a:effectLst/>
-                <a:latin typeface="Consolas" charset="0"/>
-                <a:ea typeface="Consolas" charset="0"/>
-                <a:cs typeface="Consolas" charset="0"/>
-              </a:rPr>
-              <a:t>function</a:t>
-            </a:r>
-            <a:r>
-              <a:rPr lang="en-US" altLang="ko-KR" sz="1800">
-                <a:latin typeface="Consolas" charset="0"/>
-                <a:ea typeface="Consolas" charset="0"/>
-                <a:cs typeface="Consolas" charset="0"/>
-              </a:rPr>
-              <a:t> </a:t>
-            </a:r>
-            <a:r>
-              <a:rPr lang="en-US" altLang="ko-KR" sz="1800">
-                <a:solidFill>
-                  <a:srgbClr val="795DA3"/>
-                </a:solidFill>
-                <a:effectLst/>
-                <a:latin typeface="Consolas" charset="0"/>
-                <a:ea typeface="Consolas" charset="0"/>
-                <a:cs typeface="Consolas" charset="0"/>
-              </a:rPr>
-              <a:t>callSum1</a:t>
-            </a:r>
-            <a:r>
-              <a:rPr lang="en-US" altLang="ko-KR" sz="1800">
-                <a:latin typeface="Consolas" charset="0"/>
-                <a:ea typeface="Consolas" charset="0"/>
-                <a:cs typeface="Consolas" charset="0"/>
-              </a:rPr>
-              <a:t>(</a:t>
-            </a:r>
-            <a:r>
-              <a:rPr lang="en-US" altLang="ko-KR" sz="1800">
-                <a:solidFill>
-                  <a:srgbClr val="333333"/>
-                </a:solidFill>
-                <a:effectLst/>
-                <a:latin typeface="Consolas" charset="0"/>
-                <a:ea typeface="Consolas" charset="0"/>
-                <a:cs typeface="Consolas" charset="0"/>
-              </a:rPr>
-              <a:t>num1</a:t>
-            </a:r>
-            <a:r>
-              <a:rPr lang="en-US" altLang="ko-KR" sz="1800">
-                <a:latin typeface="Consolas" charset="0"/>
-                <a:ea typeface="Consolas" charset="0"/>
-                <a:cs typeface="Consolas" charset="0"/>
-              </a:rPr>
-              <a:t>, </a:t>
-            </a:r>
-            <a:r>
-              <a:rPr lang="en-US" altLang="ko-KR" sz="1800">
-                <a:solidFill>
-                  <a:srgbClr val="333333"/>
-                </a:solidFill>
-                <a:effectLst/>
-                <a:latin typeface="Consolas" charset="0"/>
-                <a:ea typeface="Consolas" charset="0"/>
-                <a:cs typeface="Consolas" charset="0"/>
-              </a:rPr>
-              <a:t>num2</a:t>
-            </a:r>
-            <a:r>
-              <a:rPr lang="en-US" altLang="ko-KR" sz="1800">
-                <a:latin typeface="Consolas" charset="0"/>
-                <a:ea typeface="Consolas" charset="0"/>
-                <a:cs typeface="Consolas" charset="0"/>
-              </a:rPr>
-              <a:t>){</a:t>
-            </a:r>
-          </a:p>
-          <a:p>
-            <a:pPr marL="0" indent="0" latinLnBrk="0">
-              <a:lnSpc>
-                <a:spcPct val="100000"/>
-              </a:lnSpc>
-              <a:spcBef>
-                <a:spcPts val="0"/>
-              </a:spcBef>
-              <a:buNone/>
-            </a:pPr>
-            <a:r>
-              <a:rPr lang="en-US" altLang="ko-KR" sz="1800">
-                <a:solidFill>
-                  <a:srgbClr val="A71D5D"/>
-                </a:solidFill>
-                <a:effectLst/>
-                <a:latin typeface="Consolas" charset="0"/>
-                <a:ea typeface="Consolas" charset="0"/>
-                <a:cs typeface="Consolas" charset="0"/>
-              </a:rPr>
-              <a:t>	return</a:t>
-            </a:r>
-            <a:r>
-              <a:rPr lang="en-US" altLang="ko-KR" sz="1800">
-                <a:latin typeface="Consolas" charset="0"/>
-                <a:ea typeface="Consolas" charset="0"/>
-                <a:cs typeface="Consolas" charset="0"/>
-              </a:rPr>
-              <a:t> </a:t>
-            </a:r>
-            <a:r>
-              <a:rPr lang="en-US" altLang="ko-KR" sz="1800">
-                <a:solidFill>
-                  <a:srgbClr val="333333"/>
-                </a:solidFill>
-                <a:effectLst/>
-                <a:latin typeface="Consolas" charset="0"/>
-                <a:ea typeface="Consolas" charset="0"/>
-                <a:cs typeface="Consolas" charset="0"/>
-              </a:rPr>
-              <a:t>sum</a:t>
-            </a:r>
-            <a:r>
-              <a:rPr lang="en-US" altLang="ko-KR" sz="1800">
-                <a:latin typeface="Consolas" charset="0"/>
-                <a:ea typeface="Consolas" charset="0"/>
-                <a:cs typeface="Consolas" charset="0"/>
-              </a:rPr>
-              <a:t>.</a:t>
-            </a:r>
-            <a:r>
-              <a:rPr lang="en-US" altLang="ko-KR" sz="1800">
-                <a:solidFill>
-                  <a:srgbClr val="0086B3"/>
-                </a:solidFill>
-                <a:effectLst/>
-                <a:latin typeface="Consolas" charset="0"/>
-                <a:ea typeface="Consolas" charset="0"/>
-                <a:cs typeface="Consolas" charset="0"/>
-              </a:rPr>
-              <a:t>apply</a:t>
-            </a:r>
-            <a:r>
-              <a:rPr lang="en-US" altLang="ko-KR" sz="1800">
-                <a:latin typeface="Consolas" charset="0"/>
-                <a:ea typeface="Consolas" charset="0"/>
-                <a:cs typeface="Consolas" charset="0"/>
-              </a:rPr>
-              <a:t>(</a:t>
-            </a:r>
-            <a:r>
-              <a:rPr lang="en-US" altLang="ko-KR" sz="1800">
-                <a:solidFill>
-                  <a:srgbClr val="ED6A43"/>
-                </a:solidFill>
-                <a:effectLst/>
-                <a:latin typeface="Consolas" charset="0"/>
-                <a:ea typeface="Consolas" charset="0"/>
-                <a:cs typeface="Consolas" charset="0"/>
-              </a:rPr>
-              <a:t>this</a:t>
-            </a:r>
-            <a:r>
-              <a:rPr lang="en-US" altLang="ko-KR" sz="1800">
-                <a:latin typeface="Consolas" charset="0"/>
-                <a:ea typeface="Consolas" charset="0"/>
-                <a:cs typeface="Consolas" charset="0"/>
-              </a:rPr>
-              <a:t>, </a:t>
-            </a:r>
-            <a:r>
-              <a:rPr lang="en-US" altLang="ko-KR" sz="1800">
-                <a:solidFill>
-                  <a:srgbClr val="ED6A43"/>
-                </a:solidFill>
-                <a:effectLst/>
-                <a:latin typeface="Consolas" charset="0"/>
-                <a:ea typeface="Consolas" charset="0"/>
-                <a:cs typeface="Consolas" charset="0"/>
-              </a:rPr>
-              <a:t>arguments</a:t>
-            </a:r>
-            <a:r>
-              <a:rPr lang="en-US" altLang="ko-KR" sz="1800">
-                <a:latin typeface="Consolas" charset="0"/>
-                <a:ea typeface="Consolas" charset="0"/>
-                <a:cs typeface="Consolas" charset="0"/>
-              </a:rPr>
-              <a:t>);</a:t>
-            </a:r>
-          </a:p>
-          <a:p>
-            <a:pPr marL="0" indent="0" latinLnBrk="0">
-              <a:lnSpc>
-                <a:spcPct val="100000"/>
-              </a:lnSpc>
-              <a:spcBef>
-                <a:spcPts val="0"/>
-              </a:spcBef>
-              <a:buNone/>
-            </a:pPr>
-            <a:r>
-              <a:rPr lang="en-US" altLang="ko-KR" sz="1800">
-                <a:latin typeface="Consolas" charset="0"/>
-                <a:ea typeface="Consolas" charset="0"/>
-                <a:cs typeface="Consolas" charset="0"/>
-              </a:rPr>
-              <a:t>}</a:t>
-            </a:r>
-          </a:p>
-          <a:p>
-            <a:pPr marL="0" indent="0" latinLnBrk="0">
-              <a:lnSpc>
-                <a:spcPct val="100000"/>
-              </a:lnSpc>
-              <a:spcBef>
-                <a:spcPts val="0"/>
-              </a:spcBef>
-              <a:buNone/>
+              <a:buFontTx/>
+              <a:buChar char="-"/>
             </a:pPr>
             <a:endParaRPr lang="en-US" altLang="ko-KR" sz="1800">
               <a:solidFill>
-                <a:srgbClr val="A71D5D"/>
+                <a:prstClr val="black"/>
               </a:solidFill>
-              <a:effectLst/>
               <a:latin typeface="Consolas" charset="0"/>
               <a:ea typeface="Consolas" charset="0"/>
               <a:cs typeface="Consolas" charset="0"/>
             </a:endParaRPr>
           </a:p>
           <a:p>
-            <a:pPr marL="0" indent="0" latinLnBrk="0">
+            <a:pPr latinLnBrk="0">
               <a:lnSpc>
                 <a:spcPct val="100000"/>
               </a:lnSpc>
               <a:spcBef>
                 <a:spcPts val="0"/>
               </a:spcBef>
-              <a:buNone/>
-            </a:pPr>
-            <a:r>
-              <a:rPr lang="en-US" altLang="ko-KR" sz="1800">
-                <a:solidFill>
-                  <a:srgbClr val="A71D5D"/>
-                </a:solidFill>
-                <a:effectLst/>
-                <a:latin typeface="Consolas" charset="0"/>
-                <a:ea typeface="Consolas" charset="0"/>
-                <a:cs typeface="Consolas" charset="0"/>
-              </a:rPr>
-              <a:t>function</a:t>
-            </a:r>
-            <a:r>
-              <a:rPr lang="en-US" altLang="ko-KR" sz="1800">
-                <a:latin typeface="Consolas" charset="0"/>
-                <a:ea typeface="Consolas" charset="0"/>
-                <a:cs typeface="Consolas" charset="0"/>
-              </a:rPr>
-              <a:t> </a:t>
-            </a:r>
-            <a:r>
-              <a:rPr lang="en-US" altLang="ko-KR" sz="1800">
-                <a:solidFill>
-                  <a:srgbClr val="795DA3"/>
-                </a:solidFill>
-                <a:effectLst/>
-                <a:latin typeface="Consolas" charset="0"/>
-                <a:ea typeface="Consolas" charset="0"/>
-                <a:cs typeface="Consolas" charset="0"/>
-              </a:rPr>
-              <a:t>callSum2</a:t>
-            </a:r>
-            <a:r>
-              <a:rPr lang="en-US" altLang="ko-KR" sz="1800">
-                <a:latin typeface="Consolas" charset="0"/>
-                <a:ea typeface="Consolas" charset="0"/>
-                <a:cs typeface="Consolas" charset="0"/>
-              </a:rPr>
-              <a:t>(</a:t>
-            </a:r>
-            <a:r>
-              <a:rPr lang="en-US" altLang="ko-KR" sz="1800">
-                <a:solidFill>
-                  <a:srgbClr val="333333"/>
-                </a:solidFill>
-                <a:effectLst/>
-                <a:latin typeface="Consolas" charset="0"/>
-                <a:ea typeface="Consolas" charset="0"/>
-                <a:cs typeface="Consolas" charset="0"/>
-              </a:rPr>
-              <a:t>num1</a:t>
-            </a:r>
-            <a:r>
-              <a:rPr lang="en-US" altLang="ko-KR" sz="1800">
-                <a:latin typeface="Consolas" charset="0"/>
-                <a:ea typeface="Consolas" charset="0"/>
-                <a:cs typeface="Consolas" charset="0"/>
-              </a:rPr>
-              <a:t>, </a:t>
-            </a:r>
-            <a:r>
-              <a:rPr lang="en-US" altLang="ko-KR" sz="1800">
-                <a:solidFill>
-                  <a:srgbClr val="333333"/>
-                </a:solidFill>
-                <a:effectLst/>
-                <a:latin typeface="Consolas" charset="0"/>
-                <a:ea typeface="Consolas" charset="0"/>
-                <a:cs typeface="Consolas" charset="0"/>
-              </a:rPr>
-              <a:t>num2</a:t>
-            </a:r>
-            <a:r>
-              <a:rPr lang="en-US" altLang="ko-KR" sz="1800">
-                <a:latin typeface="Consolas" charset="0"/>
-                <a:ea typeface="Consolas" charset="0"/>
-                <a:cs typeface="Consolas" charset="0"/>
-              </a:rPr>
-              <a:t>){</a:t>
-            </a:r>
-          </a:p>
-          <a:p>
-            <a:pPr marL="0" indent="0" latinLnBrk="0">
-              <a:lnSpc>
-                <a:spcPct val="100000"/>
-              </a:lnSpc>
-              <a:spcBef>
-                <a:spcPts val="0"/>
-              </a:spcBef>
-              <a:buNone/>
-            </a:pPr>
-            <a:r>
-              <a:rPr lang="en-US" altLang="ko-KR" sz="1800">
-                <a:solidFill>
-                  <a:srgbClr val="A71D5D"/>
-                </a:solidFill>
-                <a:effectLst/>
-                <a:latin typeface="Consolas" charset="0"/>
-                <a:ea typeface="Consolas" charset="0"/>
-                <a:cs typeface="Consolas" charset="0"/>
-              </a:rPr>
-              <a:t>	return</a:t>
-            </a:r>
-            <a:r>
-              <a:rPr lang="en-US" altLang="ko-KR" sz="1800">
-                <a:latin typeface="Consolas" charset="0"/>
-                <a:ea typeface="Consolas" charset="0"/>
-                <a:cs typeface="Consolas" charset="0"/>
-              </a:rPr>
-              <a:t> </a:t>
-            </a:r>
-            <a:r>
-              <a:rPr lang="en-US" altLang="ko-KR" sz="1800">
-                <a:solidFill>
-                  <a:srgbClr val="333333"/>
-                </a:solidFill>
-                <a:effectLst/>
-                <a:latin typeface="Consolas" charset="0"/>
-                <a:ea typeface="Consolas" charset="0"/>
-                <a:cs typeface="Consolas" charset="0"/>
-              </a:rPr>
-              <a:t>sum</a:t>
-            </a:r>
-            <a:r>
-              <a:rPr lang="en-US" altLang="ko-KR" sz="1800">
-                <a:latin typeface="Consolas" charset="0"/>
-                <a:ea typeface="Consolas" charset="0"/>
-                <a:cs typeface="Consolas" charset="0"/>
-              </a:rPr>
-              <a:t>.</a:t>
-            </a:r>
-            <a:r>
-              <a:rPr lang="en-US" altLang="ko-KR" sz="1800">
-                <a:solidFill>
-                  <a:srgbClr val="0086B3"/>
-                </a:solidFill>
-                <a:effectLst/>
-                <a:latin typeface="Consolas" charset="0"/>
-                <a:ea typeface="Consolas" charset="0"/>
-                <a:cs typeface="Consolas" charset="0"/>
-              </a:rPr>
-              <a:t>apply</a:t>
-            </a:r>
-            <a:r>
-              <a:rPr lang="en-US" altLang="ko-KR" sz="1800">
-                <a:latin typeface="Consolas" charset="0"/>
-                <a:ea typeface="Consolas" charset="0"/>
-                <a:cs typeface="Consolas" charset="0"/>
-              </a:rPr>
-              <a:t>(</a:t>
-            </a:r>
-            <a:r>
-              <a:rPr lang="en-US" altLang="ko-KR" sz="1800">
-                <a:solidFill>
-                  <a:srgbClr val="ED6A43"/>
-                </a:solidFill>
-                <a:effectLst/>
-                <a:latin typeface="Consolas" charset="0"/>
-                <a:ea typeface="Consolas" charset="0"/>
-                <a:cs typeface="Consolas" charset="0"/>
-              </a:rPr>
-              <a:t>this</a:t>
-            </a:r>
-            <a:r>
-              <a:rPr lang="en-US" altLang="ko-KR" sz="1800">
-                <a:latin typeface="Consolas" charset="0"/>
-                <a:ea typeface="Consolas" charset="0"/>
-                <a:cs typeface="Consolas" charset="0"/>
-              </a:rPr>
-              <a:t>, [num1, num2]);</a:t>
-            </a:r>
-          </a:p>
-          <a:p>
-            <a:pPr marL="0" indent="0" latinLnBrk="0">
-              <a:lnSpc>
-                <a:spcPct val="100000"/>
-              </a:lnSpc>
-              <a:spcBef>
-                <a:spcPts val="0"/>
-              </a:spcBef>
-              <a:buNone/>
-            </a:pPr>
-            <a:r>
-              <a:rPr lang="en-US" altLang="ko-KR" sz="1800">
-                <a:latin typeface="Consolas" charset="0"/>
-                <a:ea typeface="Consolas" charset="0"/>
-                <a:cs typeface="Consolas" charset="0"/>
-              </a:rPr>
-              <a:t>}</a:t>
-            </a:r>
-          </a:p>
-          <a:p>
-            <a:pPr marL="0" indent="0" latinLnBrk="0">
-              <a:lnSpc>
-                <a:spcPct val="100000"/>
-              </a:lnSpc>
-              <a:spcBef>
-                <a:spcPts val="0"/>
-              </a:spcBef>
-              <a:buNone/>
+              <a:buFontTx/>
+              <a:buChar char="-"/>
             </a:pPr>
             <a:endParaRPr lang="en-US" altLang="ko-KR" sz="1800">
               <a:solidFill>
-                <a:srgbClr val="795DA3"/>
+                <a:prstClr val="black"/>
               </a:solidFill>
-              <a:effectLst/>
               <a:latin typeface="Consolas" charset="0"/>
               <a:ea typeface="Consolas" charset="0"/>
               <a:cs typeface="Consolas" charset="0"/>
@@ -6082,19 +5554,21 @@
               <a:buNone/>
             </a:pPr>
             <a:r>
-              <a:rPr lang="en-US" altLang="ko-KR" sz="1800">
-                <a:solidFill>
-                  <a:srgbClr val="795DA3"/>
-                </a:solidFill>
-                <a:effectLst/>
-                <a:latin typeface="Consolas" charset="0"/>
-                <a:ea typeface="Consolas" charset="0"/>
-                <a:cs typeface="Consolas" charset="0"/>
-              </a:rPr>
-              <a:t>callSum1</a:t>
-            </a:r>
-            <a:r>
-              <a:rPr lang="en-US" altLang="ko-KR" sz="1800">
+              <a:rPr lang="en-US" altLang="ko-KR" sz="2000">
+                <a:solidFill>
+                  <a:srgbClr val="0086B3"/>
+                </a:solidFill>
+                <a:latin typeface="Consolas" charset="0"/>
+                <a:ea typeface="Consolas" charset="0"/>
+                <a:cs typeface="Consolas" charset="0"/>
+              </a:rPr>
+              <a:t>call</a:t>
+            </a:r>
+            <a:r>
+              <a:rPr lang="en-US" altLang="ko-KR" sz="2000">
+                <a:solidFill>
+                  <a:prstClr val="black"/>
+                </a:solidFill>
                 <a:latin typeface="Consolas" charset="0"/>
                 <a:ea typeface="Consolas" charset="0"/>
                 <a:cs typeface="Consolas" charset="0"/>
@@ -6102,45 +5576,57 @@
               <a:t>(</a:t>
             </a:r>
             <a:r>
-              <a:rPr lang="en-US" altLang="ko-KR" sz="1800">
-                <a:solidFill>
-                  <a:srgbClr val="0086B3"/>
-                </a:solidFill>
-                <a:effectLst/>
-                <a:latin typeface="Consolas" charset="0"/>
-                <a:ea typeface="Consolas" charset="0"/>
-                <a:cs typeface="Consolas" charset="0"/>
-              </a:rPr>
-              <a:t>10</a:t>
-            </a:r>
-            <a:r>
-              <a:rPr lang="en-US" altLang="ko-KR" sz="1800">
-                <a:latin typeface="Consolas" charset="0"/>
-                <a:ea typeface="Consolas" charset="0"/>
-                <a:cs typeface="Consolas" charset="0"/>
-              </a:rPr>
-              <a:t>, </a:t>
-            </a:r>
-            <a:r>
-              <a:rPr lang="en-US" altLang="ko-KR" sz="1800">
-                <a:solidFill>
-                  <a:srgbClr val="0086B3"/>
-                </a:solidFill>
-                <a:effectLst/>
-                <a:latin typeface="Consolas" charset="0"/>
-                <a:ea typeface="Consolas" charset="0"/>
-                <a:cs typeface="Consolas" charset="0"/>
-              </a:rPr>
-              <a:t>10</a:t>
-            </a:r>
-            <a:r>
-              <a:rPr lang="en-US" altLang="ko-KR" sz="1800">
-                <a:latin typeface="Consolas" charset="0"/>
-                <a:ea typeface="Consolas" charset="0"/>
-                <a:cs typeface="Consolas" charset="0"/>
-              </a:rPr>
-              <a:t>);</a:t>
-            </a:r>
+              <a:rPr lang="en-US" altLang="ko-KR" sz="2000">
+                <a:solidFill>
+                  <a:srgbClr val="ED6A43"/>
+                </a:solidFill>
+                <a:latin typeface="Consolas" charset="0"/>
+                <a:ea typeface="Consolas" charset="0"/>
+                <a:cs typeface="Consolas" charset="0"/>
+              </a:rPr>
+              <a:t>this</a:t>
+            </a:r>
+            <a:r>
+              <a:rPr lang="en-US" altLang="ko-KR" sz="2000">
+                <a:solidFill>
+                  <a:prstClr val="black"/>
+                </a:solidFill>
+                <a:latin typeface="Consolas" charset="0"/>
+                <a:ea typeface="Consolas" charset="0"/>
+                <a:cs typeface="Consolas" charset="0"/>
+              </a:rPr>
+              <a:t>, arg1, arg2, </a:t>
+            </a:r>
+            <a:r>
+              <a:rPr lang="mr-IN" altLang="ko-KR" sz="2000">
+                <a:solidFill>
+                  <a:prstClr val="black"/>
+                </a:solidFill>
+                <a:latin typeface="Consolas" charset="0"/>
+                <a:ea typeface="Consolas" charset="0"/>
+                <a:cs typeface="Consolas" charset="0"/>
+              </a:rPr>
+              <a:t>…</a:t>
+            </a:r>
+            <a:r>
+              <a:rPr lang="en-US" altLang="ko-KR" sz="2000">
+                <a:solidFill>
+                  <a:prstClr val="black"/>
+                </a:solidFill>
+                <a:latin typeface="Consolas" charset="0"/>
+                <a:ea typeface="Consolas" charset="0"/>
+                <a:cs typeface="Consolas" charset="0"/>
+              </a:rPr>
+              <a:t> argN)</a:t>
+            </a:r>
+            <a:endParaRPr lang="en-US" altLang="ko-KR" sz="2000">
+              <a:solidFill>
+                <a:prstClr val="black"/>
+              </a:solidFill>
+              <a:latin typeface="Consolas" charset="0"/>
+              <a:ea typeface="Consolas" charset="0"/>
+              <a:cs typeface="Consolas" charset="0"/>
+            </a:endParaRPr>
           </a:p>
           <a:p>
             <a:pPr marL="0" indent="0" latinLnBrk="0">
@@ -6152,66 +5638,147 @@
               </a:spcBef>
               <a:buNone/>
             </a:pPr>
-            <a:r>
-              <a:rPr lang="en-US" altLang="ko-KR" sz="1800">
-                <a:solidFill>
-                  <a:srgbClr val="795DA3"/>
-                </a:solidFill>
-                <a:effectLst/>
-                <a:latin typeface="Consolas" charset="0"/>
-                <a:ea typeface="Consolas" charset="0"/>
-                <a:cs typeface="Consolas" charset="0"/>
-              </a:rPr>
-              <a:t>callSum2</a:t>
-            </a:r>
-            <a:r>
-              <a:rPr lang="en-US" altLang="ko-KR" sz="1800">
-                <a:latin typeface="Consolas" charset="0"/>
-                <a:ea typeface="Consolas" charset="0"/>
-                <a:cs typeface="Consolas" charset="0"/>
-              </a:rPr>
-              <a:t>(</a:t>
-            </a:r>
-            <a:r>
-              <a:rPr lang="en-US" altLang="ko-KR" sz="1800">
-                <a:solidFill>
-                  <a:srgbClr val="0086B3"/>
-                </a:solidFill>
-                <a:effectLst/>
-                <a:latin typeface="Consolas" charset="0"/>
-                <a:ea typeface="Consolas" charset="0"/>
-                <a:cs typeface="Consolas" charset="0"/>
-              </a:rPr>
-              <a:t>10</a:t>
-            </a:r>
-            <a:r>
-              <a:rPr lang="en-US" altLang="ko-KR" sz="1800">
-                <a:latin typeface="Consolas" charset="0"/>
-                <a:ea typeface="Consolas" charset="0"/>
-                <a:cs typeface="Consolas" charset="0"/>
-              </a:rPr>
-              <a:t>, </a:t>
-            </a:r>
-            <a:r>
-              <a:rPr lang="en-US" altLang="ko-KR" sz="1800">
-                <a:solidFill>
-                  <a:srgbClr val="0086B3"/>
-                </a:solidFill>
-                <a:effectLst/>
-                <a:latin typeface="Consolas" charset="0"/>
-                <a:ea typeface="Consolas" charset="0"/>
-                <a:cs typeface="Consolas" charset="0"/>
-              </a:rPr>
-              <a:t>10</a:t>
-            </a:r>
-            <a:r>
-              <a:rPr lang="en-US" altLang="ko-KR" sz="1800">
-                <a:latin typeface="Consolas" charset="0"/>
-                <a:ea typeface="Consolas" charset="0"/>
-                <a:cs typeface="Consolas" charset="0"/>
-              </a:rPr>
-              <a:t>);</a:t>
-            </a:r>
+            <a:endParaRPr lang="en-US" altLang="ko-KR" sz="1800">
+              <a:solidFill>
+                <a:prstClr val="black"/>
+              </a:solidFill>
+              <a:latin typeface="Consolas" charset="0"/>
+              <a:ea typeface="Consolas" charset="0"/>
+              <a:cs typeface="Consolas" charset="0"/>
+            </a:endParaRPr>
+          </a:p>
+          <a:p>
+            <a:pPr marL="0" indent="0" latinLnBrk="0">
+              <a:lnSpc>
+                <a:spcPct val="100000"/>
+              </a:lnSpc>
+              <a:spcBef>
+                <a:spcPts val="0"/>
+              </a:spcBef>
+              <a:buNone/>
+            </a:pPr>
+            <a:r>
+              <a:rPr lang="ko-KR" altLang="en-US" sz="1800">
+                <a:solidFill>
+                  <a:prstClr val="black"/>
+                </a:solidFill>
+                <a:latin typeface="Consolas" charset="0"/>
+                <a:ea typeface="Consolas" charset="0"/>
+                <a:cs typeface="Consolas" charset="0"/>
+              </a:rPr>
+              <a:t>소유자인 함수를 호출하면서</a:t>
+            </a:r>
+            <a:r>
+              <a:rPr lang="en-US" altLang="ko-KR" sz="1800">
+                <a:solidFill>
+                  <a:prstClr val="black"/>
+                </a:solidFill>
+                <a:latin typeface="Consolas" charset="0"/>
+                <a:ea typeface="Consolas" charset="0"/>
+                <a:cs typeface="Consolas" charset="0"/>
+              </a:rPr>
+              <a:t>,</a:t>
+            </a:r>
+            <a:r>
+              <a:rPr lang="ko-KR" altLang="en-US" sz="1800">
+                <a:solidFill>
+                  <a:prstClr val="black"/>
+                </a:solidFill>
+                <a:latin typeface="Consolas" charset="0"/>
+                <a:ea typeface="Consolas" charset="0"/>
+                <a:cs typeface="Consolas" charset="0"/>
+              </a:rPr>
+              <a:t> </a:t>
+            </a:r>
+            <a:r>
+              <a:rPr lang="en-US" altLang="ko-KR" sz="1800">
+                <a:solidFill>
+                  <a:prstClr val="black"/>
+                </a:solidFill>
+                <a:latin typeface="Consolas" charset="0"/>
+                <a:ea typeface="Consolas" charset="0"/>
+                <a:cs typeface="Consolas" charset="0"/>
+              </a:rPr>
+              <a:t>this </a:t>
+            </a:r>
+            <a:r>
+              <a:rPr lang="ko-KR" altLang="en-US" sz="1800">
+                <a:solidFill>
+                  <a:prstClr val="black"/>
+                </a:solidFill>
+                <a:latin typeface="Consolas" charset="0"/>
+                <a:ea typeface="Consolas" charset="0"/>
+                <a:cs typeface="Consolas" charset="0"/>
+              </a:rPr>
+              <a:t>와 인자를 넘긴다</a:t>
+            </a:r>
+            <a:r>
+              <a:rPr lang="en-US" altLang="ko-KR" sz="1800">
+                <a:solidFill>
+                  <a:prstClr val="black"/>
+                </a:solidFill>
+                <a:latin typeface="Consolas" charset="0"/>
+                <a:ea typeface="Consolas" charset="0"/>
+                <a:cs typeface="Consolas" charset="0"/>
+              </a:rPr>
+              <a:t>.</a:t>
+            </a:r>
+          </a:p>
+          <a:p>
+            <a:pPr marL="0" indent="0" latinLnBrk="0">
+              <a:lnSpc>
+                <a:spcPct val="100000"/>
+              </a:lnSpc>
+              <a:spcBef>
+                <a:spcPts val="0"/>
+              </a:spcBef>
+              <a:buNone/>
+            </a:pPr>
+            <a:r>
+              <a:rPr lang="en-US" altLang="ko-KR" sz="1800">
+                <a:solidFill>
+                  <a:prstClr val="black"/>
+                </a:solidFill>
+                <a:latin typeface="Consolas" charset="0"/>
+                <a:ea typeface="Consolas" charset="0"/>
+                <a:cs typeface="Consolas" charset="0"/>
+              </a:rPr>
+              <a:t>apply</a:t>
+            </a:r>
+            <a:r>
+              <a:rPr lang="ko-KR" altLang="en-US" sz="1800">
+                <a:solidFill>
+                  <a:prstClr val="black"/>
+                </a:solidFill>
+                <a:latin typeface="Consolas" charset="0"/>
+                <a:ea typeface="Consolas" charset="0"/>
+                <a:cs typeface="Consolas" charset="0"/>
+              </a:rPr>
+              <a:t>와 다르게 두번째 매개변수로 인자를 하나씩 나열해야 한다</a:t>
+            </a:r>
+            <a:r>
+              <a:rPr lang="en-US" altLang="ko-KR" sz="1800">
+                <a:solidFill>
+                  <a:prstClr val="black"/>
+                </a:solidFill>
+                <a:latin typeface="Consolas" charset="0"/>
+                <a:ea typeface="Consolas" charset="0"/>
+                <a:cs typeface="Consolas" charset="0"/>
+              </a:rPr>
+              <a:t>.</a:t>
+            </a:r>
+          </a:p>
+          <a:p>
+            <a:pPr marL="0" indent="0" latinLnBrk="0">
+              <a:lnSpc>
+                <a:spcPct val="100000"/>
+              </a:lnSpc>
+              <a:spcBef>
+                <a:spcPts val="0"/>
+              </a:spcBef>
+              <a:buFont typeface="Arial" panose="020B0604020202020204" pitchFamily="34" charset="0"/>
+              <a:buNone/>
+            </a:pPr>
             <a:endParaRPr lang="en-US" altLang="ko-KR" sz="1800">
               <a:solidFill>
                 <a:prstClr val="black"/>
@@ -6331,7 +5898,7 @@
                 <a:ea typeface="+mn-ea"/>
                 <a:cs typeface="Consolas" charset="0"/>
               </a:rPr>
-              <a:t>call</a:t>
+              <a:t>apply</a:t>
             </a:r>
             <a:endParaRPr lang="ko-KR" altLang="en-US" sz="3000">
               <a:latin typeface="Consolas" pitchFamily="49" charset="0"/>
@@ -6352,7 +5919,7 @@
         <p:spPr bwMode="auto">
           <a:xfrm>
             <a:off x="838199" y="1265779"/>
-            <a:ext cx="10386849" cy="4051018"/>
+            <a:ext cx="10386849" cy="4605016"/>
           </a:xfrm>
           <a:prstGeom prst="rect">
             <a:avLst/>
@@ -6548,7 +6115,18 @@
               <a:buNone/>
             </a:pPr>
             <a:r>
-              <a:rPr lang="ko-KR" altLang="en-US" sz="1800">
+              <a:rPr lang="en-US" altLang="ko-KR" sz="1800">
+                <a:solidFill>
+                  <a:srgbClr val="A71D5D"/>
+                </a:solidFill>
+                <a:latin typeface="Consolas" charset="0"/>
+                <a:ea typeface="Consolas" charset="0"/>
+                <a:cs typeface="Consolas" charset="0"/>
+              </a:rPr>
+              <a:t>function</a:t>
+            </a:r>
+            <a:r>
+              <a:rPr lang="en-US" altLang="ko-KR" sz="1800">
                 <a:solidFill>
                   <a:prstClr val="black"/>
                 </a:solidFill>
@@ -6556,7 +6134,18 @@
                 <a:ea typeface="Consolas" charset="0"/>
                 <a:cs typeface="Consolas" charset="0"/>
               </a:rPr>
-              <a:t>소유자인 함수를 호출하면서</a:t>
+              <a:t> </a:t>
+            </a:r>
+            <a:r>
+              <a:rPr lang="en-US" altLang="ko-KR" sz="1800">
+                <a:solidFill>
+                  <a:srgbClr val="795DA3"/>
+                </a:solidFill>
+                <a:latin typeface="Consolas" charset="0"/>
+                <a:ea typeface="Consolas" charset="0"/>
+                <a:cs typeface="Consolas" charset="0"/>
+              </a:rPr>
+              <a:t>sum</a:t>
             </a:r>
             <a:r>
               <a:rPr lang="en-US" altLang="ko-KR" sz="1800">
@@ -6567,10 +6156,21 @@
                 <a:ea typeface="Consolas" charset="0"/>
                 <a:cs typeface="Consolas" charset="0"/>
               </a:rPr>
-              <a:t>,</a:t>
-            </a:r>
-            <a:r>
-              <a:rPr lang="ko-KR" altLang="en-US" sz="1800">
+              <a:t>(</a:t>
+            </a:r>
+            <a:r>
+              <a:rPr lang="en-US" altLang="ko-KR" sz="1800">
+                <a:solidFill>
+                  <a:srgbClr val="333333"/>
+                </a:solidFill>
+                <a:latin typeface="Consolas" charset="0"/>
+                <a:ea typeface="Consolas" charset="0"/>
+                <a:cs typeface="Consolas" charset="0"/>
+              </a:rPr>
+              <a:t>num1</a:t>
+            </a:r>
+            <a:r>
+              <a:rPr lang="en-US" altLang="ko-KR" sz="1800">
                 <a:solidFill>
                   <a:prstClr val="black"/>
                 </a:solidFill>
@@ -6578,7 +6178,18 @@
                 <a:ea typeface="Consolas" charset="0"/>
                 <a:cs typeface="Consolas" charset="0"/>
               </a:rPr>
-              <a:t> </a:t>
+              <a:t>, </a:t>
+            </a:r>
+            <a:r>
+              <a:rPr lang="en-US" altLang="ko-KR" sz="1800">
+                <a:solidFill>
+                  <a:srgbClr val="333333"/>
+                </a:solidFill>
+                <a:latin typeface="Consolas" charset="0"/>
+                <a:ea typeface="Consolas" charset="0"/>
+                <a:cs typeface="Consolas" charset="0"/>
+              </a:rPr>
+              <a:t>num2</a:t>
             </a:r>
             <a:r>
               <a:rPr lang="en-US" altLang="ko-KR" sz="1800">
@@ -6589,10 +6200,33 @@
                 <a:ea typeface="Consolas" charset="0"/>
                 <a:cs typeface="Consolas" charset="0"/>
               </a:rPr>
-              <a:t>this </a:t>
-            </a:r>
-            <a:r>
-              <a:rPr lang="ko-KR" altLang="en-US" sz="1800">
+              <a:t>){</a:t>
+            </a:r>
+          </a:p>
+          <a:p>
+            <a:pPr marL="0" indent="0" latinLnBrk="0">
+              <a:lnSpc>
+                <a:spcPct val="100000"/>
+              </a:lnSpc>
+              <a:spcBef>
+                <a:spcPts val="0"/>
+              </a:spcBef>
+              <a:buFont typeface="Arial" panose="020B0604020202020204" pitchFamily="34" charset="0"/>
+              <a:buNone/>
+            </a:pPr>
+            <a:r>
+              <a:rPr lang="en-US" altLang="ko-KR" sz="1800">
+                <a:solidFill>
+                  <a:srgbClr val="A71D5D"/>
+                </a:solidFill>
+                <a:latin typeface="Consolas" charset="0"/>
+                <a:ea typeface="Consolas" charset="0"/>
+                <a:cs typeface="Consolas" charset="0"/>
+              </a:rPr>
+              <a:t>	return</a:t>
+            </a:r>
+            <a:r>
+              <a:rPr lang="en-US" altLang="ko-KR" sz="1800">
                 <a:solidFill>
                   <a:prstClr val="black"/>
                 </a:solidFill>
@@ -6600,7 +6234,18 @@
                 <a:ea typeface="Consolas" charset="0"/>
                 <a:cs typeface="Consolas" charset="0"/>
               </a:rPr>
-              <a:t>와 인자를 넘긴다</a:t>
+              <a:t> num1 </a:t>
+            </a:r>
+            <a:r>
+              <a:rPr lang="en-US" altLang="ko-KR" sz="1800">
+                <a:solidFill>
+                  <a:srgbClr val="A71D5D"/>
+                </a:solidFill>
+                <a:latin typeface="Consolas" charset="0"/>
+                <a:ea typeface="Consolas" charset="0"/>
+                <a:cs typeface="Consolas" charset="0"/>
+              </a:rPr>
+              <a:t>+</a:t>
             </a:r>
             <a:r>
               <a:rPr lang="en-US" altLang="ko-KR" sz="1800">
@@ -6611,7 +6256,7 @@
                 <a:ea typeface="Consolas" charset="0"/>
                 <a:cs typeface="Consolas" charset="0"/>
               </a:rPr>
-              <a:t>.</a:t>
+              <a:t> num2;</a:t>
             </a:r>
           </a:p>
           <a:p>
@@ -6634,29 +6279,7 @@
                 <a:ea typeface="Consolas" charset="0"/>
                 <a:cs typeface="Consolas" charset="0"/>
               </a:rPr>
-              <a:t>apply</a:t>
-            </a:r>
-            <a:r>
-              <a:rPr lang="ko-KR" altLang="en-US" sz="1800">
-                <a:solidFill>
-                  <a:prstClr val="black"/>
-                </a:solidFill>
-                <a:latin typeface="Consolas" charset="0"/>
-                <a:ea typeface="Consolas" charset="0"/>
-                <a:cs typeface="Consolas" charset="0"/>
-              </a:rPr>
-              <a:t>와 다르게 두번째 매개변수로 인자를 하나씩 나열해야 한다</a:t>
-            </a:r>
-            <a:r>
-              <a:rPr lang="en-US" altLang="ko-KR" sz="1800">
-                <a:solidFill>
-                  <a:prstClr val="black"/>
-                </a:solidFill>
-                <a:latin typeface="Consolas" charset="0"/>
-                <a:ea typeface="Consolas" charset="0"/>
-                <a:cs typeface="Consolas" charset="0"/>
-              </a:rPr>
-              <a:t>.</a:t>
+              <a:t>}</a:t>
             </a:r>
           </a:p>
           <a:p>
@@ -6672,7 +6295,7 @@
             </a:pPr>
             <a:endParaRPr lang="en-US" altLang="ko-KR" sz="1800">
               <a:solidFill>
-                <a:prstClr val="black"/>
+                <a:srgbClr val="A71D5D"/>
               </a:solidFill>
               <a:latin typeface="Consolas" charset="0"/>
               <a:ea typeface="Consolas" charset="0"/>
@@ -6687,6 +6310,7 @@
               <a:spcBef>
                 <a:spcPts val="0"/>
               </a:spcBef>
+              <a:buFont typeface="Arial" panose="020B0604020202020204" pitchFamily="34" charset="0"/>
               <a:buNone/>
             </a:pPr>
             <a:r>
@@ -6694,7 +6318,6 @@
                 <a:solidFill>
                   <a:srgbClr val="A71D5D"/>
                 </a:solidFill>
-                <a:effectLst/>
                 <a:latin typeface="Consolas" charset="0"/>
                 <a:ea typeface="Consolas" charset="0"/>
                 <a:cs typeface="Consolas" charset="0"/>
@@ -6703,6 +6326,9 @@
             </a:r>
             <a:r>
               <a:rPr lang="en-US" altLang="ko-KR" sz="1800">
+                <a:solidFill>
+                  <a:prstClr val="black"/>
+                </a:solidFill>
                 <a:latin typeface="Consolas" charset="0"/>
                 <a:ea typeface="Consolas" charset="0"/>
                 <a:cs typeface="Consolas" charset="0"/>
@@ -6714,7 +6340,106 @@
                 <a:solidFill>
                   <a:srgbClr val="795DA3"/>
                 </a:solidFill>
-                <a:effectLst/>
+                <a:latin typeface="Consolas" charset="0"/>
+                <a:ea typeface="Consolas" charset="0"/>
+                <a:cs typeface="Consolas" charset="0"/>
+              </a:rPr>
+              <a:t>callSum1</a:t>
+            </a:r>
+            <a:r>
+              <a:rPr lang="en-US" altLang="ko-KR" sz="1800">
+                <a:solidFill>
+                  <a:prstClr val="black"/>
+                </a:solidFill>
+                <a:latin typeface="Consolas" charset="0"/>
+                <a:ea typeface="Consolas" charset="0"/>
+                <a:cs typeface="Consolas" charset="0"/>
+              </a:rPr>
+              <a:t>(</a:t>
+            </a:r>
+            <a:r>
+              <a:rPr lang="en-US" altLang="ko-KR" sz="1800">
+                <a:solidFill>
+                  <a:srgbClr val="333333"/>
+                </a:solidFill>
+                <a:latin typeface="Consolas" charset="0"/>
+                <a:ea typeface="Consolas" charset="0"/>
+                <a:cs typeface="Consolas" charset="0"/>
+              </a:rPr>
+              <a:t>num1</a:t>
+            </a:r>
+            <a:r>
+              <a:rPr lang="en-US" altLang="ko-KR" sz="1800">
+                <a:solidFill>
+                  <a:prstClr val="black"/>
+                </a:solidFill>
+                <a:latin typeface="Consolas" charset="0"/>
+                <a:ea typeface="Consolas" charset="0"/>
+                <a:cs typeface="Consolas" charset="0"/>
+              </a:rPr>
+              <a:t>, </a:t>
+            </a:r>
+            <a:r>
+              <a:rPr lang="en-US" altLang="ko-KR" sz="1800">
+                <a:solidFill>
+                  <a:srgbClr val="333333"/>
+                </a:solidFill>
+                <a:latin typeface="Consolas" charset="0"/>
+                <a:ea typeface="Consolas" charset="0"/>
+                <a:cs typeface="Consolas" charset="0"/>
+              </a:rPr>
+              <a:t>num2</a:t>
+            </a:r>
+            <a:r>
+              <a:rPr lang="en-US" altLang="ko-KR" sz="1800">
+                <a:solidFill>
+                  <a:prstClr val="black"/>
+                </a:solidFill>
+                <a:latin typeface="Consolas" charset="0"/>
+                <a:ea typeface="Consolas" charset="0"/>
+                <a:cs typeface="Consolas" charset="0"/>
+              </a:rPr>
+              <a:t>){</a:t>
+            </a:r>
+          </a:p>
+          <a:p>
+            <a:pPr marL="0" indent="0" latinLnBrk="0">
+              <a:lnSpc>
+                <a:spcPct val="100000"/>
+              </a:lnSpc>
+              <a:spcBef>
+                <a:spcPts val="0"/>
+              </a:spcBef>
+              <a:buFont typeface="Arial" panose="020B0604020202020204" pitchFamily="34" charset="0"/>
+              <a:buNone/>
+            </a:pPr>
+            <a:r>
+              <a:rPr lang="en-US" altLang="ko-KR" sz="1800">
+                <a:solidFill>
+                  <a:srgbClr val="A71D5D"/>
+                </a:solidFill>
+                <a:latin typeface="Consolas" charset="0"/>
+                <a:ea typeface="Consolas" charset="0"/>
+                <a:cs typeface="Consolas" charset="0"/>
+              </a:rPr>
+              <a:t>	return</a:t>
+            </a:r>
+            <a:r>
+              <a:rPr lang="en-US" altLang="ko-KR" sz="1800">
+                <a:solidFill>
+                  <a:prstClr val="black"/>
+                </a:solidFill>
+                <a:latin typeface="Consolas" charset="0"/>
+                <a:ea typeface="Consolas" charset="0"/>
+                <a:cs typeface="Consolas" charset="0"/>
+              </a:rPr>
+              <a:t> </a:t>
+            </a:r>
+            <a:r>
+              <a:rPr lang="en-US" altLang="ko-KR" sz="1800">
+                <a:solidFill>
+                  <a:srgbClr val="333333"/>
+                </a:solidFill>
                 <a:latin typeface="Consolas" charset="0"/>
                 <a:ea typeface="Consolas" charset="0"/>
                 <a:cs typeface="Consolas" charset="0"/>
@@ -6723,6 +6448,31 @@
             </a:r>
             <a:r>
               <a:rPr lang="en-US" altLang="ko-KR" sz="1800">
+                <a:solidFill>
+                  <a:prstClr val="black"/>
+                </a:solidFill>
+                <a:latin typeface="Consolas" charset="0"/>
+                <a:ea typeface="Consolas" charset="0"/>
+                <a:cs typeface="Consolas" charset="0"/>
+              </a:rPr>
+              <a:t>.</a:t>
+            </a:r>
+            <a:r>
+              <a:rPr lang="en-US" altLang="ko-KR" sz="1800">
+                <a:solidFill>
+                  <a:srgbClr val="0086B3"/>
+                </a:solidFill>
+                <a:latin typeface="Consolas" charset="0"/>
+                <a:ea typeface="Consolas" charset="0"/>
+                <a:cs typeface="Consolas" charset="0"/>
+              </a:rPr>
+              <a:t>apply</a:t>
+            </a:r>
+            <a:r>
+              <a:rPr lang="en-US" altLang="ko-KR" sz="1800">
+                <a:solidFill>
+                  <a:prstClr val="black"/>
+                </a:solidFill>
                 <a:latin typeface="Consolas" charset="0"/>
                 <a:ea typeface="Consolas" charset="0"/>
                 <a:cs typeface="Consolas" charset="0"/>
@@ -6732,17 +6482,19 @@
             <a:r>
               <a:rPr lang="en-US" altLang="ko-KR" sz="1800">
                 <a:solidFill>
-                  <a:srgbClr val="333333"/>
-                </a:solidFill>
-                <a:effectLst/>
-                <a:latin typeface="Consolas" charset="0"/>
-                <a:ea typeface="Consolas" charset="0"/>
-                <a:cs typeface="Consolas" charset="0"/>
-              </a:rPr>
-              <a:t>num1</a:t>
-            </a:r>
-            <a:r>
-              <a:rPr lang="en-US" altLang="ko-KR" sz="1800">
+                  <a:srgbClr val="ED6A43"/>
+                </a:solidFill>
+                <a:latin typeface="Consolas" charset="0"/>
+                <a:ea typeface="Consolas" charset="0"/>
+                <a:cs typeface="Consolas" charset="0"/>
+              </a:rPr>
+              <a:t>this</a:t>
+            </a:r>
+            <a:r>
+              <a:rPr lang="en-US" altLang="ko-KR" sz="1800">
+                <a:solidFill>
+                  <a:prstClr val="black"/>
+                </a:solidFill>
                 <a:latin typeface="Consolas" charset="0"/>
                 <a:ea typeface="Consolas" charset="0"/>
                 <a:cs typeface="Consolas" charset="0"/>
@@ -6752,22 +6504,24 @@
             <a:r>
               <a:rPr lang="en-US" altLang="ko-KR" sz="1800">
                 <a:solidFill>
-                  <a:srgbClr val="333333"/>
-                </a:solidFill>
-                <a:effectLst/>
-                <a:latin typeface="Consolas" charset="0"/>
-                <a:ea typeface="Consolas" charset="0"/>
-                <a:cs typeface="Consolas" charset="0"/>
-              </a:rPr>
-              <a:t>num2</a:t>
-            </a:r>
-            <a:r>
-              <a:rPr lang="en-US" altLang="ko-KR" sz="1800">
-                <a:latin typeface="Consolas" charset="0"/>
-                <a:ea typeface="Consolas" charset="0"/>
-                <a:cs typeface="Consolas" charset="0"/>
-              </a:rPr>
-              <a:t>){</a:t>
+                  <a:srgbClr val="ED6A43"/>
+                </a:solidFill>
+                <a:latin typeface="Consolas" charset="0"/>
+                <a:ea typeface="Consolas" charset="0"/>
+                <a:cs typeface="Consolas" charset="0"/>
+              </a:rPr>
+              <a:t>arguments</a:t>
+            </a:r>
+            <a:r>
+              <a:rPr lang="en-US" altLang="ko-KR" sz="1800">
+                <a:solidFill>
+                  <a:prstClr val="black"/>
+                </a:solidFill>
+                <a:latin typeface="Consolas" charset="0"/>
+                <a:ea typeface="Consolas" charset="0"/>
+                <a:cs typeface="Consolas" charset="0"/>
+              </a:rPr>
+              <a:t>);</a:t>
             </a:r>
           </a:p>
           <a:p>
@@ -6778,47 +6532,19 @@
               <a:spcBef>
                 <a:spcPts val="0"/>
               </a:spcBef>
-              <a:buNone/>
-            </a:pPr>
-            <a:r>
-              <a:rPr lang="en-US" altLang="ko-KR" sz="1800">
-                <a:solidFill>
-                  <a:srgbClr val="A71D5D"/>
-                </a:solidFill>
-                <a:effectLst/>
-                <a:latin typeface="Consolas" charset="0"/>
-                <a:ea typeface="Consolas" charset="0"/>
-                <a:cs typeface="Consolas" charset="0"/>
-              </a:rPr>
-              <a:t>	return</a:t>
-            </a:r>
-            <a:r>
-              <a:rPr lang="en-US" altLang="ko-KR" sz="1800">
-                <a:latin typeface="Consolas" charset="0"/>
-                <a:ea typeface="Consolas" charset="0"/>
-                <a:cs typeface="Consolas" charset="0"/>
-              </a:rPr>
-              <a:t> num1 </a:t>
-            </a:r>
-            <a:r>
-              <a:rPr lang="en-US" altLang="ko-KR" sz="1800">
-                <a:solidFill>
-                  <a:srgbClr val="A71D5D"/>
-                </a:solidFill>
-                <a:effectLst/>
-                <a:latin typeface="Consolas" charset="0"/>
-                <a:ea typeface="Consolas" charset="0"/>
-                <a:cs typeface="Consolas" charset="0"/>
-              </a:rPr>
-              <a:t>+</a:t>
-            </a:r>
-            <a:r>
-              <a:rPr lang="en-US" altLang="ko-KR" sz="1800">
-                <a:latin typeface="Consolas" charset="0"/>
-                <a:ea typeface="Consolas" charset="0"/>
-                <a:cs typeface="Consolas" charset="0"/>
-              </a:rPr>
-              <a:t> num2;</a:t>
+              <a:buFont typeface="Arial" panose="020B0604020202020204" pitchFamily="34" charset="0"/>
+              <a:buNone/>
+            </a:pPr>
+            <a:r>
+              <a:rPr lang="en-US" altLang="ko-KR" sz="1800">
+                <a:solidFill>
+                  <a:prstClr val="black"/>
+                </a:solidFill>
+                <a:latin typeface="Consolas" charset="0"/>
+                <a:ea typeface="Consolas" charset="0"/>
+                <a:cs typeface="Consolas" charset="0"/>
+              </a:rPr>
+              <a:t>}</a:t>
             </a:r>
           </a:p>
           <a:p>
@@ -6829,336 +6555,416 @@
               <a:spcBef>
                 <a:spcPts val="0"/>
               </a:spcBef>
-              <a:buNone/>
-            </a:pPr>
-            <a:r>
-              <a:rPr lang="en-US" altLang="ko-KR" sz="1800">
-                <a:latin typeface="Consolas" charset="0"/>
-                <a:ea typeface="Consolas" charset="0"/>
-                <a:cs typeface="Consolas" charset="0"/>
-              </a:rPr>
-              <a:t>}</a:t>
-            </a:r>
-          </a:p>
-          <a:p>
-            <a:pPr marL="0" indent="0" latinLnBrk="0">
-              <a:lnSpc>
-                <a:spcPct val="100000"/>
-              </a:lnSpc>
-              <a:spcBef>
-                <a:spcPts val="0"/>
-              </a:spcBef>
+              <a:buFont typeface="Arial" panose="020B0604020202020204" pitchFamily="34" charset="0"/>
               <a:buNone/>
             </a:pPr>
             <a:endParaRPr lang="en-US" altLang="ko-KR" sz="1800">
               <a:solidFill>
                 <a:srgbClr val="A71D5D"/>
-              </a:solidFill>
-              <a:effectLst/>
-              <a:latin typeface="Consolas" charset="0"/>
-              <a:ea typeface="Consolas" charset="0"/>
-              <a:cs typeface="Consolas" charset="0"/>
-            </a:endParaRPr>
-          </a:p>
-          <a:p>
-            <a:pPr marL="0" indent="0" latinLnBrk="0">
-              <a:lnSpc>
-                <a:spcPct val="100000"/>
-              </a:lnSpc>
-              <a:spcBef>
-                <a:spcPts val="0"/>
-              </a:spcBef>
-              <a:buNone/>
-            </a:pPr>
-            <a:r>
-              <a:rPr lang="en-US" altLang="ko-KR" sz="1800">
-                <a:solidFill>
-                  <a:srgbClr val="A71D5D"/>
-                </a:solidFill>
-                <a:effectLst/>
-                <a:latin typeface="Consolas" charset="0"/>
-                <a:ea typeface="Consolas" charset="0"/>
-                <a:cs typeface="Consolas" charset="0"/>
-              </a:rPr>
-              <a:t>function</a:t>
-            </a:r>
-            <a:r>
-              <a:rPr lang="en-US" altLang="ko-KR" sz="1800">
-                <a:latin typeface="Consolas" charset="0"/>
-                <a:ea typeface="Consolas" charset="0"/>
-                <a:cs typeface="Consolas" charset="0"/>
-              </a:rPr>
-              <a:t> </a:t>
-            </a:r>
-            <a:r>
-              <a:rPr lang="en-US" altLang="ko-KR" sz="1800">
-                <a:solidFill>
-                  <a:srgbClr val="795DA3"/>
-                </a:solidFill>
-                <a:effectLst/>
-                <a:latin typeface="Consolas" charset="0"/>
-                <a:ea typeface="Consolas" charset="0"/>
-                <a:cs typeface="Consolas" charset="0"/>
-              </a:rPr>
-              <a:t>callSum</a:t>
-            </a:r>
-            <a:r>
-              <a:rPr lang="en-US" altLang="ko-KR" sz="1800">
-                <a:latin typeface="Consolas" charset="0"/>
-                <a:ea typeface="Consolas" charset="0"/>
-                <a:cs typeface="Consolas" charset="0"/>
-              </a:rPr>
-              <a:t>(</a:t>
-            </a:r>
-            <a:r>
-              <a:rPr lang="en-US" altLang="ko-KR" sz="1800">
-                <a:solidFill>
-                  <a:srgbClr val="333333"/>
-                </a:solidFill>
-                <a:effectLst/>
-                <a:latin typeface="Consolas" charset="0"/>
-                <a:ea typeface="Consolas" charset="0"/>
-                <a:cs typeface="Consolas" charset="0"/>
-              </a:rPr>
-              <a:t>num1</a:t>
-            </a:r>
-            <a:r>
-              <a:rPr lang="en-US" altLang="ko-KR" sz="1800">
-                <a:latin typeface="Consolas" charset="0"/>
-                <a:ea typeface="Consolas" charset="0"/>
-                <a:cs typeface="Consolas" charset="0"/>
-              </a:rPr>
-              <a:t>, </a:t>
-            </a:r>
-            <a:r>
-              <a:rPr lang="en-US" altLang="ko-KR" sz="1800">
-                <a:solidFill>
-                  <a:srgbClr val="333333"/>
-                </a:solidFill>
-                <a:effectLst/>
-                <a:latin typeface="Consolas" charset="0"/>
-                <a:ea typeface="Consolas" charset="0"/>
-                <a:cs typeface="Consolas" charset="0"/>
-              </a:rPr>
-              <a:t>num2</a:t>
-            </a:r>
-            <a:r>
-              <a:rPr lang="en-US" altLang="ko-KR" sz="1800">
-                <a:latin typeface="Consolas" charset="0"/>
-                <a:ea typeface="Consolas" charset="0"/>
-                <a:cs typeface="Consolas" charset="0"/>
-              </a:rPr>
-              <a:t>){</a:t>
-            </a:r>
-          </a:p>
-          <a:p>
-            <a:pPr marL="0" indent="0" latinLnBrk="0">
-              <a:lnSpc>
-                <a:spcPct val="100000"/>
-              </a:lnSpc>
-              <a:spcBef>
-                <a:spcPts val="0"/>
-              </a:spcBef>
-              <a:buNone/>
-            </a:pPr>
-            <a:r>
-              <a:rPr lang="en-US" altLang="ko-KR" sz="1800">
-                <a:solidFill>
-                  <a:srgbClr val="A71D5D"/>
-                </a:solidFill>
-                <a:effectLst/>
-                <a:latin typeface="Consolas" charset="0"/>
-                <a:ea typeface="Consolas" charset="0"/>
-                <a:cs typeface="Consolas" charset="0"/>
-              </a:rPr>
-              <a:t>	return</a:t>
-            </a:r>
-            <a:r>
-              <a:rPr lang="en-US" altLang="ko-KR" sz="1800">
-                <a:latin typeface="Consolas" charset="0"/>
-                <a:ea typeface="Consolas" charset="0"/>
-                <a:cs typeface="Consolas" charset="0"/>
-              </a:rPr>
-              <a:t> </a:t>
-            </a:r>
-            <a:r>
-              <a:rPr lang="en-US" altLang="ko-KR" sz="1800">
-                <a:solidFill>
-                  <a:srgbClr val="333333"/>
-                </a:solidFill>
-                <a:effectLst/>
-                <a:latin typeface="Consolas" charset="0"/>
-                <a:ea typeface="Consolas" charset="0"/>
-                <a:cs typeface="Consolas" charset="0"/>
-              </a:rPr>
-              <a:t>sum</a:t>
-            </a:r>
-            <a:r>
-              <a:rPr lang="en-US" altLang="ko-KR" sz="1800">
-                <a:latin typeface="Consolas" charset="0"/>
-                <a:ea typeface="Consolas" charset="0"/>
-                <a:cs typeface="Consolas" charset="0"/>
-              </a:rPr>
-              <a:t>.</a:t>
-            </a:r>
-            <a:r>
-              <a:rPr lang="en-US" altLang="ko-KR" sz="1800">
-                <a:solidFill>
-                  <a:srgbClr val="0086B3"/>
-                </a:solidFill>
-                <a:effectLst/>
-                <a:latin typeface="Consolas" charset="0"/>
-                <a:ea typeface="Consolas" charset="0"/>
-                <a:cs typeface="Consolas" charset="0"/>
-              </a:rPr>
-              <a:t>call</a:t>
-            </a:r>
-            <a:r>
-              <a:rPr lang="en-US" altLang="ko-KR" sz="1800">
-                <a:latin typeface="Consolas" charset="0"/>
-                <a:ea typeface="Consolas" charset="0"/>
-                <a:cs typeface="Consolas" charset="0"/>
-              </a:rPr>
-              <a:t>(</a:t>
-            </a:r>
-            <a:r>
-              <a:rPr lang="en-US" altLang="ko-KR" sz="1800">
-                <a:solidFill>
-                  <a:srgbClr val="ED6A43"/>
-                </a:solidFill>
-                <a:effectLst/>
-                <a:latin typeface="Consolas" charset="0"/>
-                <a:ea typeface="Consolas" charset="0"/>
-                <a:cs typeface="Consolas" charset="0"/>
-              </a:rPr>
-              <a:t>this</a:t>
-            </a:r>
-            <a:r>
-              <a:rPr lang="en-US" altLang="ko-KR" sz="1800">
-                <a:latin typeface="Consolas" charset="0"/>
-                <a:ea typeface="Consolas" charset="0"/>
-                <a:cs typeface="Consolas" charset="0"/>
-              </a:rPr>
-              <a:t>, num1, num2);</a:t>
-            </a:r>
-          </a:p>
-          <a:p>
-            <a:pPr marL="0" indent="0" latinLnBrk="0">
-              <a:lnSpc>
-                <a:spcPct val="100000"/>
-              </a:lnSpc>
-              <a:spcBef>
-                <a:spcPts val="0"/>
-              </a:spcBef>
-              <a:buNone/>
-            </a:pPr>
-            <a:r>
-              <a:rPr lang="en-US" altLang="ko-KR" sz="1800">
-                <a:latin typeface="Consolas" charset="0"/>
-                <a:ea typeface="Consolas" charset="0"/>
-                <a:cs typeface="Consolas" charset="0"/>
-              </a:rPr>
-              <a:t>}</a:t>
-            </a:r>
-          </a:p>
-          <a:p>
-            <a:pPr marL="0" indent="0" latinLnBrk="0">
-              <a:lnSpc>
-                <a:spcPct val="100000"/>
-              </a:lnSpc>
-              <a:spcBef>
-                <a:spcPts val="0"/>
-              </a:spcBef>
-              <a:buNone/>
-            </a:pPr>
-            <a:endParaRPr lang="en-US" altLang="ko-KR" sz="1800">
-              <a:solidFill>
-                <a:srgbClr val="795DA3"/>
-              </a:solidFill>
-              <a:effectLst/>
-              <a:latin typeface="Consolas" charset="0"/>
-              <a:ea typeface="Consolas" charset="0"/>
-              <a:cs typeface="Consolas" charset="0"/>
-            </a:endParaRPr>
-          </a:p>
-          <a:p>
-            <a:pPr marL="0" indent="0" latinLnBrk="0">
-              <a:lnSpc>
-                <a:spcPct val="100000"/>
-              </a:lnSpc>
-              <a:spcBef>
-                <a:spcPts val="0"/>
-              </a:spcBef>
-              <a:buNone/>
-            </a:pPr>
-            <a:r>
-              <a:rPr lang="en-US" altLang="ko-KR" sz="1800">
-                <a:solidFill>
-                  <a:srgbClr val="795DA3"/>
-                </a:solidFill>
-                <a:effectLst/>
-                <a:latin typeface="Consolas" charset="0"/>
-                <a:ea typeface="Consolas" charset="0"/>
-                <a:cs typeface="Consolas" charset="0"/>
-              </a:rPr>
-              <a:t>callSum</a:t>
-            </a:r>
-            <a:r>
-              <a:rPr lang="en-US" altLang="ko-KR" sz="1800">
-                <a:latin typeface="Consolas" charset="0"/>
-                <a:ea typeface="Consolas" charset="0"/>
-                <a:cs typeface="Consolas" charset="0"/>
-              </a:rPr>
-              <a:t>(</a:t>
-            </a:r>
-            <a:r>
-              <a:rPr lang="en-US" altLang="ko-KR" sz="1800">
-                <a:solidFill>
-                  <a:srgbClr val="0086B3"/>
-                </a:solidFill>
-                <a:effectLst/>
-                <a:latin typeface="Consolas" charset="0"/>
-                <a:ea typeface="Consolas" charset="0"/>
-                <a:cs typeface="Consolas" charset="0"/>
-              </a:rPr>
-              <a:t>10</a:t>
-            </a:r>
-            <a:r>
-              <a:rPr lang="en-US" altLang="ko-KR" sz="1800">
-                <a:latin typeface="Consolas" charset="0"/>
-                <a:ea typeface="Consolas" charset="0"/>
-                <a:cs typeface="Consolas" charset="0"/>
-              </a:rPr>
-              <a:t>, </a:t>
-            </a:r>
-            <a:r>
-              <a:rPr lang="en-US" altLang="ko-KR" sz="1800">
-                <a:solidFill>
-                  <a:srgbClr val="0086B3"/>
-                </a:solidFill>
-                <a:effectLst/>
-                <a:latin typeface="Consolas" charset="0"/>
-                <a:ea typeface="Consolas" charset="0"/>
-                <a:cs typeface="Consolas" charset="0"/>
-              </a:rPr>
-              <a:t>10</a:t>
-            </a:r>
-            <a:r>
-              <a:rPr lang="en-US" altLang="ko-KR" sz="1800">
-                <a:latin typeface="Consolas" charset="0"/>
-                <a:ea typeface="Consolas" charset="0"/>
-                <a:cs typeface="Consolas" charset="0"/>
-              </a:rPr>
-              <a:t>);</a:t>
-            </a:r>
-            <a:endParaRPr lang="en-US" altLang="ko-KR" sz="1800">
-              <a:solidFill>
-                <a:prstClr val="black"/>
               </a:solidFill>
               <a:latin typeface="Consolas" charset="0"/>
               <a:ea typeface="Consolas" charset="0"/>
               <a:cs typeface="Consolas" charset="0"/>
             </a:endParaRPr>
+          </a:p>
+          <a:p>
+            <a:pPr marL="0" indent="0" latinLnBrk="0">
+              <a:lnSpc>
+                <a:spcPct val="100000"/>
+              </a:lnSpc>
+              <a:spcBef>
+                <a:spcPts val="0"/>
+              </a:spcBef>
+              <a:buFont typeface="Arial" panose="020B0604020202020204" pitchFamily="34" charset="0"/>
+              <a:buNone/>
+            </a:pPr>
+            <a:r>
+              <a:rPr lang="en-US" altLang="ko-KR" sz="1800">
+                <a:solidFill>
+                  <a:srgbClr val="A71D5D"/>
+                </a:solidFill>
+                <a:latin typeface="Consolas" charset="0"/>
+                <a:ea typeface="Consolas" charset="0"/>
+                <a:cs typeface="Consolas" charset="0"/>
+              </a:rPr>
+              <a:t>function</a:t>
+            </a:r>
+            <a:r>
+              <a:rPr lang="en-US" altLang="ko-KR" sz="1800">
+                <a:solidFill>
+                  <a:prstClr val="black"/>
+                </a:solidFill>
+                <a:latin typeface="Consolas" charset="0"/>
+                <a:ea typeface="Consolas" charset="0"/>
+                <a:cs typeface="Consolas" charset="0"/>
+              </a:rPr>
+              <a:t> </a:t>
+            </a:r>
+            <a:r>
+              <a:rPr lang="en-US" altLang="ko-KR" sz="1800">
+                <a:solidFill>
+                  <a:srgbClr val="795DA3"/>
+                </a:solidFill>
+                <a:latin typeface="Consolas" charset="0"/>
+                <a:ea typeface="Consolas" charset="0"/>
+                <a:cs typeface="Consolas" charset="0"/>
+              </a:rPr>
+              <a:t>callSum2</a:t>
+            </a:r>
+            <a:r>
+              <a:rPr lang="en-US" altLang="ko-KR" sz="1800">
+                <a:solidFill>
+                  <a:prstClr val="black"/>
+                </a:solidFill>
+                <a:latin typeface="Consolas" charset="0"/>
+                <a:ea typeface="Consolas" charset="0"/>
+                <a:cs typeface="Consolas" charset="0"/>
+              </a:rPr>
+              <a:t>(</a:t>
+            </a:r>
+            <a:r>
+              <a:rPr lang="en-US" altLang="ko-KR" sz="1800">
+                <a:solidFill>
+                  <a:srgbClr val="333333"/>
+                </a:solidFill>
+                <a:latin typeface="Consolas" charset="0"/>
+                <a:ea typeface="Consolas" charset="0"/>
+                <a:cs typeface="Consolas" charset="0"/>
+              </a:rPr>
+              <a:t>num1</a:t>
+            </a:r>
+            <a:r>
+              <a:rPr lang="en-US" altLang="ko-KR" sz="1800">
+                <a:solidFill>
+                  <a:prstClr val="black"/>
+                </a:solidFill>
+                <a:latin typeface="Consolas" charset="0"/>
+                <a:ea typeface="Consolas" charset="0"/>
+                <a:cs typeface="Consolas" charset="0"/>
+              </a:rPr>
+              <a:t>, </a:t>
+            </a:r>
+            <a:r>
+              <a:rPr lang="en-US" altLang="ko-KR" sz="1800">
+                <a:solidFill>
+                  <a:srgbClr val="333333"/>
+                </a:solidFill>
+                <a:latin typeface="Consolas" charset="0"/>
+                <a:ea typeface="Consolas" charset="0"/>
+                <a:cs typeface="Consolas" charset="0"/>
+              </a:rPr>
+              <a:t>num2</a:t>
+            </a:r>
+            <a:r>
+              <a:rPr lang="en-US" altLang="ko-KR" sz="1800">
+                <a:solidFill>
+                  <a:prstClr val="black"/>
+                </a:solidFill>
+                <a:latin typeface="Consolas" charset="0"/>
+                <a:ea typeface="Consolas" charset="0"/>
+                <a:cs typeface="Consolas" charset="0"/>
+              </a:rPr>
+              <a:t>){</a:t>
+            </a:r>
+          </a:p>
+          <a:p>
+            <a:pPr marL="0" indent="0" latinLnBrk="0">
+              <a:lnSpc>
+                <a:spcPct val="100000"/>
+              </a:lnSpc>
+              <a:spcBef>
+                <a:spcPts val="0"/>
+              </a:spcBef>
+              <a:buFont typeface="Arial" panose="020B0604020202020204" pitchFamily="34" charset="0"/>
+              <a:buNone/>
+            </a:pPr>
+            <a:r>
+              <a:rPr lang="en-US" altLang="ko-KR" sz="1800">
+                <a:solidFill>
+                  <a:srgbClr val="A71D5D"/>
+                </a:solidFill>
+                <a:latin typeface="Consolas" charset="0"/>
+                <a:ea typeface="Consolas" charset="0"/>
+                <a:cs typeface="Consolas" charset="0"/>
+              </a:rPr>
+              <a:t>	return</a:t>
+            </a:r>
+            <a:r>
+              <a:rPr lang="en-US" altLang="ko-KR" sz="1800">
+                <a:solidFill>
+                  <a:prstClr val="black"/>
+                </a:solidFill>
+                <a:latin typeface="Consolas" charset="0"/>
+                <a:ea typeface="Consolas" charset="0"/>
+                <a:cs typeface="Consolas" charset="0"/>
+              </a:rPr>
+              <a:t> </a:t>
+            </a:r>
+            <a:r>
+              <a:rPr lang="en-US" altLang="ko-KR" sz="1800">
+                <a:solidFill>
+                  <a:srgbClr val="333333"/>
+                </a:solidFill>
+                <a:latin typeface="Consolas" charset="0"/>
+                <a:ea typeface="Consolas" charset="0"/>
+                <a:cs typeface="Consolas" charset="0"/>
+              </a:rPr>
+              <a:t>sum</a:t>
+            </a:r>
+            <a:r>
+              <a:rPr lang="en-US" altLang="ko-KR" sz="1800">
+                <a:solidFill>
+                  <a:prstClr val="black"/>
+                </a:solidFill>
+                <a:latin typeface="Consolas" charset="0"/>
+                <a:ea typeface="Consolas" charset="0"/>
+                <a:cs typeface="Consolas" charset="0"/>
+              </a:rPr>
+              <a:t>.</a:t>
+            </a:r>
+            <a:r>
+              <a:rPr lang="en-US" altLang="ko-KR" sz="1800">
+                <a:solidFill>
+                  <a:srgbClr val="0086B3"/>
+                </a:solidFill>
+                <a:latin typeface="Consolas" charset="0"/>
+                <a:ea typeface="Consolas" charset="0"/>
+                <a:cs typeface="Consolas" charset="0"/>
+              </a:rPr>
+              <a:t>apply</a:t>
+            </a:r>
+            <a:r>
+              <a:rPr lang="en-US" altLang="ko-KR" sz="1800">
+                <a:solidFill>
+                  <a:prstClr val="black"/>
+                </a:solidFill>
+                <a:latin typeface="Consolas" charset="0"/>
+                <a:ea typeface="Consolas" charset="0"/>
+                <a:cs typeface="Consolas" charset="0"/>
+              </a:rPr>
+              <a:t>(</a:t>
+            </a:r>
+            <a:r>
+              <a:rPr lang="en-US" altLang="ko-KR" sz="1800">
+                <a:solidFill>
+                  <a:srgbClr val="ED6A43"/>
+                </a:solidFill>
+                <a:latin typeface="Consolas" charset="0"/>
+                <a:ea typeface="Consolas" charset="0"/>
+                <a:cs typeface="Consolas" charset="0"/>
+              </a:rPr>
+              <a:t>this</a:t>
+            </a:r>
+            <a:r>
+              <a:rPr lang="en-US" altLang="ko-KR" sz="1800">
+                <a:solidFill>
+                  <a:prstClr val="black"/>
+                </a:solidFill>
+                <a:latin typeface="Consolas" charset="0"/>
+                <a:ea typeface="Consolas" charset="0"/>
+                <a:cs typeface="Consolas" charset="0"/>
+              </a:rPr>
+              <a:t>, [num1, num2]);</a:t>
+            </a:r>
+          </a:p>
+          <a:p>
+            <a:pPr marL="0" indent="0" latinLnBrk="0">
+              <a:lnSpc>
+                <a:spcPct val="100000"/>
+              </a:lnSpc>
+              <a:spcBef>
+                <a:spcPts val="0"/>
+              </a:spcBef>
+              <a:buFont typeface="Arial" panose="020B0604020202020204" pitchFamily="34" charset="0"/>
+              <a:buNone/>
+            </a:pPr>
+            <a:r>
+              <a:rPr lang="en-US" altLang="ko-KR" sz="1800">
+                <a:solidFill>
+                  <a:prstClr val="black"/>
+                </a:solidFill>
+                <a:latin typeface="Consolas" charset="0"/>
+                <a:ea typeface="Consolas" charset="0"/>
+                <a:cs typeface="Consolas" charset="0"/>
+              </a:rPr>
+              <a:t>}</a:t>
+            </a:r>
+          </a:p>
+          <a:p>
+            <a:pPr marL="0" indent="0" latinLnBrk="0">
+              <a:lnSpc>
+                <a:spcPct val="100000"/>
+              </a:lnSpc>
+              <a:spcBef>
+                <a:spcPts val="0"/>
+              </a:spcBef>
+              <a:buFont typeface="Arial" panose="020B0604020202020204" pitchFamily="34" charset="0"/>
+              <a:buNone/>
+            </a:pPr>
+            <a:endParaRPr lang="en-US" altLang="ko-KR" sz="1800">
+              <a:solidFill>
+                <a:srgbClr val="795DA3"/>
+              </a:solidFill>
+              <a:latin typeface="Consolas" charset="0"/>
+              <a:ea typeface="Consolas" charset="0"/>
+              <a:cs typeface="Consolas" charset="0"/>
+            </a:endParaRPr>
+          </a:p>
+          <a:p>
+            <a:pPr marL="0" indent="0" latinLnBrk="0">
+              <a:lnSpc>
+                <a:spcPct val="100000"/>
+              </a:lnSpc>
+              <a:spcBef>
+                <a:spcPts val="0"/>
+              </a:spcBef>
+              <a:buFont typeface="Arial" panose="020B0604020202020204" pitchFamily="34" charset="0"/>
+              <a:buNone/>
+            </a:pPr>
+            <a:r>
+              <a:rPr lang="en-US" altLang="ko-KR" sz="1800">
+                <a:solidFill>
+                  <a:srgbClr val="795DA3"/>
+                </a:solidFill>
+                <a:latin typeface="Consolas" charset="0"/>
+                <a:ea typeface="Consolas" charset="0"/>
+                <a:cs typeface="Consolas" charset="0"/>
+              </a:rPr>
+              <a:t>callSum1</a:t>
+            </a:r>
+            <a:r>
+              <a:rPr lang="en-US" altLang="ko-KR" sz="1800">
+                <a:solidFill>
+                  <a:prstClr val="black"/>
+                </a:solidFill>
+                <a:latin typeface="Consolas" charset="0"/>
+                <a:ea typeface="Consolas" charset="0"/>
+                <a:cs typeface="Consolas" charset="0"/>
+              </a:rPr>
+              <a:t>(</a:t>
+            </a:r>
+            <a:r>
+              <a:rPr lang="en-US" altLang="ko-KR" sz="1800">
+                <a:solidFill>
+                  <a:srgbClr val="0086B3"/>
+                </a:solidFill>
+                <a:latin typeface="Consolas" charset="0"/>
+                <a:ea typeface="Consolas" charset="0"/>
+                <a:cs typeface="Consolas" charset="0"/>
+              </a:rPr>
+              <a:t>10</a:t>
+            </a:r>
+            <a:r>
+              <a:rPr lang="en-US" altLang="ko-KR" sz="1800">
+                <a:solidFill>
+                  <a:prstClr val="black"/>
+                </a:solidFill>
+                <a:latin typeface="Consolas" charset="0"/>
+                <a:ea typeface="Consolas" charset="0"/>
+                <a:cs typeface="Consolas" charset="0"/>
+              </a:rPr>
+              <a:t>, </a:t>
+            </a:r>
+            <a:r>
+              <a:rPr lang="en-US" altLang="ko-KR" sz="1800">
+                <a:solidFill>
+                  <a:srgbClr val="0086B3"/>
+                </a:solidFill>
+                <a:latin typeface="Consolas" charset="0"/>
+                <a:ea typeface="Consolas" charset="0"/>
+                <a:cs typeface="Consolas" charset="0"/>
+              </a:rPr>
+              <a:t>10</a:t>
+            </a:r>
+            <a:r>
+              <a:rPr lang="en-US" altLang="ko-KR" sz="1800">
+                <a:solidFill>
+                  <a:prstClr val="black"/>
+                </a:solidFill>
+                <a:latin typeface="Consolas" charset="0"/>
+                <a:ea typeface="Consolas" charset="0"/>
+                <a:cs typeface="Consolas" charset="0"/>
+              </a:rPr>
+              <a:t>);</a:t>
+            </a:r>
+          </a:p>
+          <a:p>
+            <a:pPr marL="0" indent="0" latinLnBrk="0">
+              <a:lnSpc>
+                <a:spcPct val="100000"/>
+              </a:lnSpc>
+              <a:spcBef>
+                <a:spcPts val="0"/>
+              </a:spcBef>
+              <a:buFont typeface="Arial" panose="020B0604020202020204" pitchFamily="34" charset="0"/>
+              <a:buNone/>
+            </a:pPr>
+            <a:r>
+              <a:rPr lang="en-US" altLang="ko-KR" sz="1800">
+                <a:solidFill>
+                  <a:srgbClr val="795DA3"/>
+                </a:solidFill>
+                <a:latin typeface="Consolas" charset="0"/>
+                <a:ea typeface="Consolas" charset="0"/>
+                <a:cs typeface="Consolas" charset="0"/>
+              </a:rPr>
+              <a:t>callSum2</a:t>
+            </a:r>
+            <a:r>
+              <a:rPr lang="en-US" altLang="ko-KR" sz="1800">
+                <a:solidFill>
+                  <a:prstClr val="black"/>
+                </a:solidFill>
+                <a:latin typeface="Consolas" charset="0"/>
+                <a:ea typeface="Consolas" charset="0"/>
+                <a:cs typeface="Consolas" charset="0"/>
+              </a:rPr>
+              <a:t>(</a:t>
+            </a:r>
+            <a:r>
+              <a:rPr lang="en-US" altLang="ko-KR" sz="1800">
+                <a:solidFill>
+                  <a:srgbClr val="0086B3"/>
+                </a:solidFill>
+                <a:latin typeface="Consolas" charset="0"/>
+                <a:ea typeface="Consolas" charset="0"/>
+                <a:cs typeface="Consolas" charset="0"/>
+              </a:rPr>
+              <a:t>10</a:t>
+            </a:r>
+            <a:r>
+              <a:rPr lang="en-US" altLang="ko-KR" sz="1800">
+                <a:solidFill>
+                  <a:prstClr val="black"/>
+                </a:solidFill>
+                <a:latin typeface="Consolas" charset="0"/>
+                <a:ea typeface="Consolas" charset="0"/>
+                <a:cs typeface="Consolas" charset="0"/>
+              </a:rPr>
+              <a:t>, </a:t>
+            </a:r>
+            <a:r>
+              <a:rPr lang="en-US" altLang="ko-KR" sz="1800">
+                <a:solidFill>
+                  <a:srgbClr val="0086B3"/>
+                </a:solidFill>
+                <a:latin typeface="Consolas" charset="0"/>
+                <a:ea typeface="Consolas" charset="0"/>
+                <a:cs typeface="Consolas" charset="0"/>
+              </a:rPr>
+              <a:t>10</a:t>
+            </a:r>
+            <a:r>
+              <a:rPr lang="en-US" altLang="ko-KR" sz="1800">
+                <a:solidFill>
+                  <a:prstClr val="black"/>
+                </a:solidFill>
+                <a:latin typeface="Consolas" charset="0"/>
+                <a:ea typeface="Consolas" charset="0"/>
+                <a:cs typeface="Consolas" charset="0"/>
+              </a:rPr>
+              <a:t>);</a:t>
+            </a:r>
           </a:p>
         </p:txBody>
       </p:sp>
@@ -7194,7 +7000,2777 @@
     </p:spTree>
     <p:extLst>
       <p:ext uri="{BB962C8B-B14F-4D97-AF65-F5344CB8AC3E}">
+        <p14:creationId xmlns:p14="http://schemas.microsoft.com/office/powerpoint/2010/main" val="1323403724"/>
+      </p:ext>
+    </p:extLst>
+  </p:cSld>
+  <p:clrMapOvr>
+    <a:masterClrMapping/>
+  </p:clrMapOvr>
+  <p:timing>
+    <p:tnLst>
+      <p:par>
+        <p:cTn id="1" dur="indefinite" restart="never" nodeType="tmRoot"/>
+      </p:par>
+    </p:tnLst>
+  </p:timing>
+</p:sld>
+</file>
+
+<file path=ppt/slides/slide6.xml><?xml version="1.0" encoding="utf-8"?>
+<p:sld xmlns:a="http://schemas.openxmlformats.org/drawingml/2006/main" xmlns:r="http://schemas.openxmlformats.org/officeDocument/2006/relationships" xmlns:p="http://schemas.openxmlformats.org/presentationml/2006/main">
+  <p:cSld>
+    <p:bg>
+      <p:bgPr>
+        <a:solidFill>
+          <a:schemeClr val="bg1">
+            <a:lumMod val="95000"/>
+          </a:schemeClr>
+        </a:solidFill>
+        <a:effectLst/>
+      </p:bgPr>
+    </p:bg>
+    <p:spTree>
+      <p:nvGrpSpPr>
+        <p:cNvPr id="1" name=""/>
+        <p:cNvGrpSpPr/>
+        <p:nvPr/>
+      </p:nvGrpSpPr>
+      <p:grpSpPr>
+        <a:xfrm>
+          <a:off x="0" y="0"/>
+          <a:ext cx="0" cy="0"/>
+          <a:chOff x="0" y="0"/>
+          <a:chExt cx="0" cy="0"/>
+        </a:xfrm>
+      </p:grpSpPr>
+      <p:sp>
+        <p:nvSpPr>
+          <p:cNvPr id="12" name="제목 11"/>
+          <p:cNvSpPr>
+            <a:spLocks noGrp="1"/>
+          </p:cNvSpPr>
+          <p:nvPr>
+            <p:ph type="title"/>
+          </p:nvPr>
+        </p:nvSpPr>
+        <p:spPr>
+          <a:xfrm>
+            <a:off x="838200" y="387116"/>
+            <a:ext cx="10515600" cy="969148"/>
+          </a:xfrm>
+        </p:spPr>
+        <p:txBody>
+          <a:bodyPr>
+            <a:normAutofit/>
+          </a:bodyPr>
+          <a:lstStyle/>
+          <a:p>
+            <a:pPr marL="457200" indent="-457200">
+              <a:buFont typeface="Wingdings" panose="05000000000000000000" pitchFamily="2" charset="2"/>
+              <a:buChar char="ü"/>
+            </a:pPr>
+            <a:r>
+              <a:rPr lang="en-US" altLang="ko-KR" sz="3000">
+                <a:latin typeface="Consolas" pitchFamily="49" charset="0"/>
+                <a:ea typeface="+mn-ea"/>
+                <a:cs typeface="Consolas" charset="0"/>
+              </a:rPr>
+              <a:t>call</a:t>
+            </a:r>
+            <a:endParaRPr lang="ko-KR" altLang="en-US" sz="3000">
+              <a:latin typeface="Consolas" pitchFamily="49" charset="0"/>
+              <a:ea typeface="+mn-ea"/>
+              <a:cs typeface="Consolas" charset="0"/>
+            </a:endParaRPr>
+          </a:p>
+        </p:txBody>
+      </p:sp>
+      <p:sp>
+        <p:nvSpPr>
+          <p:cNvPr id="9" name="Rectangle 3"/>
+          <p:cNvSpPr txBox="1">
+            <a:spLocks noChangeArrowheads="1"/>
+          </p:cNvSpPr>
+          <p:nvPr/>
+        </p:nvSpPr>
+        <p:spPr bwMode="auto">
+          <a:xfrm>
+            <a:off x="838199" y="1265779"/>
+            <a:ext cx="10386849" cy="3220021"/>
+          </a:xfrm>
+          <a:prstGeom prst="rect">
+            <a:avLst/>
+          </a:prstGeom>
+          <a:noFill/>
+          <a:ln>
+            <a:noFill/>
+          </a:ln>
+          <a:effectLst>
+            <a:softEdge rad="0"/>
+          </a:effectLst>
+        </p:spPr>
+        <p:txBody>
+          <a:bodyPr vert="horz" wrap="square" lIns="360000" tIns="360000" rIns="360000" bIns="360000" numCol="1" rtlCol="0" anchor="t" anchorCtr="0" compatLnSpc="1">
+            <a:prstTxWarp prst="textNoShape">
+              <a:avLst/>
+            </a:prstTxWarp>
+            <a:spAutoFit/>
+          </a:bodyPr>
+          <a:lstStyle>
+            <a:lvl1pPr marL="228600" indent="-228600" algn="l" defTabSz="914400" rtl="0" eaLnBrk="1" latinLnBrk="1" hangingPunct="1">
+              <a:lnSpc>
+                <a:spcPct val="90000"/>
+              </a:lnSpc>
+              <a:spcBef>
+                <a:spcPts val="1000"/>
+              </a:spcBef>
+              <a:buFont typeface="Arial" panose="020B0604020202020204" pitchFamily="34" charset="0"/>
+              <a:buChar char="•"/>
+              <a:defRPr sz="2800" kern="1200">
+                <a:solidFill>
+                  <a:schemeClr val="tx1"/>
+                </a:solidFill>
+                <a:latin typeface="+mn-lt"/>
+                <a:ea typeface="+mn-ea"/>
+                <a:cs typeface="+mn-cs"/>
+              </a:defRPr>
+            </a:lvl1pPr>
+            <a:lvl2pPr marL="685800" indent="-228600" algn="l" defTabSz="914400" rtl="0" eaLnBrk="1" latinLnBrk="1" hangingPunct="1">
+              <a:lnSpc>
+                <a:spcPct val="90000"/>
+              </a:lnSpc>
+              <a:spcBef>
+                <a:spcPts val="500"/>
+              </a:spcBef>
+              <a:buFont typeface="Arial" panose="020B0604020202020204" pitchFamily="34" charset="0"/>
+              <a:buChar char="•"/>
+              <a:defRPr sz="2400" kern="1200">
+                <a:solidFill>
+                  <a:schemeClr val="tx1"/>
+                </a:solidFill>
+                <a:latin typeface="+mn-lt"/>
+                <a:ea typeface="+mn-ea"/>
+                <a:cs typeface="+mn-cs"/>
+              </a:defRPr>
+            </a:lvl2pPr>
+            <a:lvl3pPr marL="1143000" indent="-228600" algn="l" defTabSz="914400" rtl="0" eaLnBrk="1" latinLnBrk="1" hangingPunct="1">
+              <a:lnSpc>
+                <a:spcPct val="90000"/>
+              </a:lnSpc>
+              <a:spcBef>
+                <a:spcPts val="500"/>
+              </a:spcBef>
+              <a:buFont typeface="Arial" panose="020B0604020202020204" pitchFamily="34" charset="0"/>
+              <a:buChar char="•"/>
+              <a:defRPr sz="2000" kern="1200">
+                <a:solidFill>
+                  <a:schemeClr val="tx1"/>
+                </a:solidFill>
+                <a:latin typeface="+mn-lt"/>
+                <a:ea typeface="+mn-ea"/>
+                <a:cs typeface="+mn-cs"/>
+              </a:defRPr>
+            </a:lvl3pPr>
+            <a:lvl4pPr marL="1600200" indent="-228600" algn="l" defTabSz="914400" rtl="0" eaLnBrk="1" latinLnBrk="1" hangingPunct="1">
+              <a:lnSpc>
+                <a:spcPct val="90000"/>
+              </a:lnSpc>
+              <a:spcBef>
+                <a:spcPts val="500"/>
+              </a:spcBef>
+              <a:buFont typeface="Arial" panose="020B0604020202020204" pitchFamily="34" charset="0"/>
+              <a:buChar char="•"/>
+              <a:defRPr sz="1800" kern="1200">
+                <a:solidFill>
+                  <a:schemeClr val="tx1"/>
+                </a:solidFill>
+                <a:latin typeface="+mn-lt"/>
+                <a:ea typeface="+mn-ea"/>
+                <a:cs typeface="+mn-cs"/>
+              </a:defRPr>
+            </a:lvl4pPr>
+            <a:lvl5pPr marL="2057400" indent="-228600" algn="l" defTabSz="914400" rtl="0" eaLnBrk="1" latinLnBrk="1" hangingPunct="1">
+              <a:lnSpc>
+                <a:spcPct val="90000"/>
+              </a:lnSpc>
+              <a:spcBef>
+                <a:spcPts val="500"/>
+              </a:spcBef>
+              <a:buFont typeface="Arial" panose="020B0604020202020204" pitchFamily="34" charset="0"/>
+              <a:buChar char="•"/>
+              <a:defRPr sz="1800" kern="1200">
+                <a:solidFill>
+                  <a:schemeClr val="tx1"/>
+                </a:solidFill>
+                <a:latin typeface="+mn-lt"/>
+                <a:ea typeface="+mn-ea"/>
+                <a:cs typeface="+mn-cs"/>
+              </a:defRPr>
+            </a:lvl5pPr>
+            <a:lvl6pPr marL="2514600" indent="-228600" algn="l" defTabSz="914400" rtl="0" eaLnBrk="1" latinLnBrk="1" hangingPunct="1">
+              <a:lnSpc>
+                <a:spcPct val="90000"/>
+              </a:lnSpc>
+              <a:spcBef>
+                <a:spcPts val="500"/>
+              </a:spcBef>
+              <a:buFont typeface="Arial" panose="020B0604020202020204" pitchFamily="34" charset="0"/>
+              <a:buChar char="•"/>
+              <a:defRPr sz="1800" kern="1200">
+                <a:solidFill>
+                  <a:schemeClr val="tx1"/>
+                </a:solidFill>
+                <a:latin typeface="+mn-lt"/>
+                <a:ea typeface="+mn-ea"/>
+                <a:cs typeface="+mn-cs"/>
+              </a:defRPr>
+            </a:lvl6pPr>
+            <a:lvl7pPr marL="2971800" indent="-228600" algn="l" defTabSz="914400" rtl="0" eaLnBrk="1" latinLnBrk="1" hangingPunct="1">
+              <a:lnSpc>
+                <a:spcPct val="90000"/>
+              </a:lnSpc>
+              <a:spcBef>
+                <a:spcPts val="500"/>
+              </a:spcBef>
+              <a:buFont typeface="Arial" panose="020B0604020202020204" pitchFamily="34" charset="0"/>
+              <a:buChar char="•"/>
+              <a:defRPr sz="1800" kern="1200">
+                <a:solidFill>
+                  <a:schemeClr val="tx1"/>
+                </a:solidFill>
+                <a:latin typeface="+mn-lt"/>
+                <a:ea typeface="+mn-ea"/>
+                <a:cs typeface="+mn-cs"/>
+              </a:defRPr>
+            </a:lvl7pPr>
+            <a:lvl8pPr marL="3429000" indent="-228600" algn="l" defTabSz="914400" rtl="0" eaLnBrk="1" latinLnBrk="1" hangingPunct="1">
+              <a:lnSpc>
+                <a:spcPct val="90000"/>
+              </a:lnSpc>
+              <a:spcBef>
+                <a:spcPts val="500"/>
+              </a:spcBef>
+              <a:buFont typeface="Arial" panose="020B0604020202020204" pitchFamily="34" charset="0"/>
+              <a:buChar char="•"/>
+              <a:defRPr sz="1800" kern="1200">
+                <a:solidFill>
+                  <a:schemeClr val="tx1"/>
+                </a:solidFill>
+                <a:latin typeface="+mn-lt"/>
+                <a:ea typeface="+mn-ea"/>
+                <a:cs typeface="+mn-cs"/>
+              </a:defRPr>
+            </a:lvl8pPr>
+            <a:lvl9pPr marL="3886200" indent="-228600" algn="l" defTabSz="914400" rtl="0" eaLnBrk="1" latinLnBrk="1" hangingPunct="1">
+              <a:lnSpc>
+                <a:spcPct val="90000"/>
+              </a:lnSpc>
+              <a:spcBef>
+                <a:spcPts val="500"/>
+              </a:spcBef>
+              <a:buFont typeface="Arial" panose="020B0604020202020204" pitchFamily="34" charset="0"/>
+              <a:buChar char="•"/>
+              <a:defRPr sz="1800" kern="1200">
+                <a:solidFill>
+                  <a:schemeClr val="tx1"/>
+                </a:solidFill>
+                <a:latin typeface="+mn-lt"/>
+                <a:ea typeface="+mn-ea"/>
+                <a:cs typeface="+mn-cs"/>
+              </a:defRPr>
+            </a:lvl9pPr>
+          </a:lstStyle>
+          <a:p>
+            <a:pPr marL="0" indent="0" latinLnBrk="0">
+              <a:lnSpc>
+                <a:spcPct val="100000"/>
+              </a:lnSpc>
+              <a:spcBef>
+                <a:spcPts val="0"/>
+              </a:spcBef>
+              <a:buNone/>
+            </a:pPr>
+            <a:r>
+              <a:rPr lang="en-US" altLang="ko-KR" sz="1800">
+                <a:solidFill>
+                  <a:srgbClr val="A71D5D"/>
+                </a:solidFill>
+                <a:effectLst/>
+                <a:latin typeface="Consolas" charset="0"/>
+                <a:ea typeface="Consolas" charset="0"/>
+                <a:cs typeface="Consolas" charset="0"/>
+              </a:rPr>
+              <a:t>function</a:t>
+            </a:r>
+            <a:r>
+              <a:rPr lang="en-US" altLang="ko-KR" sz="1800">
+                <a:latin typeface="Consolas" charset="0"/>
+                <a:ea typeface="Consolas" charset="0"/>
+                <a:cs typeface="Consolas" charset="0"/>
+              </a:rPr>
+              <a:t> </a:t>
+            </a:r>
+            <a:r>
+              <a:rPr lang="en-US" altLang="ko-KR" sz="1800">
+                <a:solidFill>
+                  <a:srgbClr val="795DA3"/>
+                </a:solidFill>
+                <a:effectLst/>
+                <a:latin typeface="Consolas" charset="0"/>
+                <a:ea typeface="Consolas" charset="0"/>
+                <a:cs typeface="Consolas" charset="0"/>
+              </a:rPr>
+              <a:t>sum</a:t>
+            </a:r>
+            <a:r>
+              <a:rPr lang="en-US" altLang="ko-KR" sz="1800">
+                <a:latin typeface="Consolas" charset="0"/>
+                <a:ea typeface="Consolas" charset="0"/>
+                <a:cs typeface="Consolas" charset="0"/>
+              </a:rPr>
+              <a:t>(</a:t>
+            </a:r>
+            <a:r>
+              <a:rPr lang="en-US" altLang="ko-KR" sz="1800">
+                <a:solidFill>
+                  <a:srgbClr val="333333"/>
+                </a:solidFill>
+                <a:effectLst/>
+                <a:latin typeface="Consolas" charset="0"/>
+                <a:ea typeface="Consolas" charset="0"/>
+                <a:cs typeface="Consolas" charset="0"/>
+              </a:rPr>
+              <a:t>num1</a:t>
+            </a:r>
+            <a:r>
+              <a:rPr lang="en-US" altLang="ko-KR" sz="1800">
+                <a:latin typeface="Consolas" charset="0"/>
+                <a:ea typeface="Consolas" charset="0"/>
+                <a:cs typeface="Consolas" charset="0"/>
+              </a:rPr>
+              <a:t>, </a:t>
+            </a:r>
+            <a:r>
+              <a:rPr lang="en-US" altLang="ko-KR" sz="1800">
+                <a:solidFill>
+                  <a:srgbClr val="333333"/>
+                </a:solidFill>
+                <a:effectLst/>
+                <a:latin typeface="Consolas" charset="0"/>
+                <a:ea typeface="Consolas" charset="0"/>
+                <a:cs typeface="Consolas" charset="0"/>
+              </a:rPr>
+              <a:t>num2</a:t>
+            </a:r>
+            <a:r>
+              <a:rPr lang="en-US" altLang="ko-KR" sz="1800">
+                <a:latin typeface="Consolas" charset="0"/>
+                <a:ea typeface="Consolas" charset="0"/>
+                <a:cs typeface="Consolas" charset="0"/>
+              </a:rPr>
+              <a:t>){</a:t>
+            </a:r>
+          </a:p>
+          <a:p>
+            <a:pPr marL="0" indent="0" latinLnBrk="0">
+              <a:lnSpc>
+                <a:spcPct val="100000"/>
+              </a:lnSpc>
+              <a:spcBef>
+                <a:spcPts val="0"/>
+              </a:spcBef>
+              <a:buNone/>
+            </a:pPr>
+            <a:r>
+              <a:rPr lang="en-US" altLang="ko-KR" sz="1800">
+                <a:solidFill>
+                  <a:srgbClr val="A71D5D"/>
+                </a:solidFill>
+                <a:effectLst/>
+                <a:latin typeface="Consolas" charset="0"/>
+                <a:ea typeface="Consolas" charset="0"/>
+                <a:cs typeface="Consolas" charset="0"/>
+              </a:rPr>
+              <a:t>	return</a:t>
+            </a:r>
+            <a:r>
+              <a:rPr lang="en-US" altLang="ko-KR" sz="1800">
+                <a:latin typeface="Consolas" charset="0"/>
+                <a:ea typeface="Consolas" charset="0"/>
+                <a:cs typeface="Consolas" charset="0"/>
+              </a:rPr>
+              <a:t> num1 </a:t>
+            </a:r>
+            <a:r>
+              <a:rPr lang="en-US" altLang="ko-KR" sz="1800">
+                <a:solidFill>
+                  <a:srgbClr val="A71D5D"/>
+                </a:solidFill>
+                <a:effectLst/>
+                <a:latin typeface="Consolas" charset="0"/>
+                <a:ea typeface="Consolas" charset="0"/>
+                <a:cs typeface="Consolas" charset="0"/>
+              </a:rPr>
+              <a:t>+</a:t>
+            </a:r>
+            <a:r>
+              <a:rPr lang="en-US" altLang="ko-KR" sz="1800">
+                <a:latin typeface="Consolas" charset="0"/>
+                <a:ea typeface="Consolas" charset="0"/>
+                <a:cs typeface="Consolas" charset="0"/>
+              </a:rPr>
+              <a:t> num2;</a:t>
+            </a:r>
+          </a:p>
+          <a:p>
+            <a:pPr marL="0" indent="0" latinLnBrk="0">
+              <a:lnSpc>
+                <a:spcPct val="100000"/>
+              </a:lnSpc>
+              <a:spcBef>
+                <a:spcPts val="0"/>
+              </a:spcBef>
+              <a:buNone/>
+            </a:pPr>
+            <a:r>
+              <a:rPr lang="en-US" altLang="ko-KR" sz="1800">
+                <a:latin typeface="Consolas" charset="0"/>
+                <a:ea typeface="Consolas" charset="0"/>
+                <a:cs typeface="Consolas" charset="0"/>
+              </a:rPr>
+              <a:t>}</a:t>
+            </a:r>
+          </a:p>
+          <a:p>
+            <a:pPr marL="0" indent="0" latinLnBrk="0">
+              <a:lnSpc>
+                <a:spcPct val="100000"/>
+              </a:lnSpc>
+              <a:spcBef>
+                <a:spcPts val="0"/>
+              </a:spcBef>
+              <a:buNone/>
+            </a:pPr>
+            <a:endParaRPr lang="en-US" altLang="ko-KR" sz="1800">
+              <a:solidFill>
+                <a:srgbClr val="A71D5D"/>
+              </a:solidFill>
+              <a:effectLst/>
+              <a:latin typeface="Consolas" charset="0"/>
+              <a:ea typeface="Consolas" charset="0"/>
+              <a:cs typeface="Consolas" charset="0"/>
+            </a:endParaRPr>
+          </a:p>
+          <a:p>
+            <a:pPr marL="0" indent="0" latinLnBrk="0">
+              <a:lnSpc>
+                <a:spcPct val="100000"/>
+              </a:lnSpc>
+              <a:spcBef>
+                <a:spcPts val="0"/>
+              </a:spcBef>
+              <a:buNone/>
+            </a:pPr>
+            <a:r>
+              <a:rPr lang="en-US" altLang="ko-KR" sz="1800">
+                <a:solidFill>
+                  <a:srgbClr val="A71D5D"/>
+                </a:solidFill>
+                <a:effectLst/>
+                <a:latin typeface="Consolas" charset="0"/>
+                <a:ea typeface="Consolas" charset="0"/>
+                <a:cs typeface="Consolas" charset="0"/>
+              </a:rPr>
+              <a:t>function</a:t>
+            </a:r>
+            <a:r>
+              <a:rPr lang="en-US" altLang="ko-KR" sz="1800">
+                <a:latin typeface="Consolas" charset="0"/>
+                <a:ea typeface="Consolas" charset="0"/>
+                <a:cs typeface="Consolas" charset="0"/>
+              </a:rPr>
+              <a:t> </a:t>
+            </a:r>
+            <a:r>
+              <a:rPr lang="en-US" altLang="ko-KR" sz="1800">
+                <a:solidFill>
+                  <a:srgbClr val="795DA3"/>
+                </a:solidFill>
+                <a:effectLst/>
+                <a:latin typeface="Consolas" charset="0"/>
+                <a:ea typeface="Consolas" charset="0"/>
+                <a:cs typeface="Consolas" charset="0"/>
+              </a:rPr>
+              <a:t>callSum</a:t>
+            </a:r>
+            <a:r>
+              <a:rPr lang="en-US" altLang="ko-KR" sz="1800">
+                <a:latin typeface="Consolas" charset="0"/>
+                <a:ea typeface="Consolas" charset="0"/>
+                <a:cs typeface="Consolas" charset="0"/>
+              </a:rPr>
+              <a:t>(</a:t>
+            </a:r>
+            <a:r>
+              <a:rPr lang="en-US" altLang="ko-KR" sz="1800">
+                <a:solidFill>
+                  <a:srgbClr val="333333"/>
+                </a:solidFill>
+                <a:effectLst/>
+                <a:latin typeface="Consolas" charset="0"/>
+                <a:ea typeface="Consolas" charset="0"/>
+                <a:cs typeface="Consolas" charset="0"/>
+              </a:rPr>
+              <a:t>num1</a:t>
+            </a:r>
+            <a:r>
+              <a:rPr lang="en-US" altLang="ko-KR" sz="1800">
+                <a:latin typeface="Consolas" charset="0"/>
+                <a:ea typeface="Consolas" charset="0"/>
+                <a:cs typeface="Consolas" charset="0"/>
+              </a:rPr>
+              <a:t>, </a:t>
+            </a:r>
+            <a:r>
+              <a:rPr lang="en-US" altLang="ko-KR" sz="1800">
+                <a:solidFill>
+                  <a:srgbClr val="333333"/>
+                </a:solidFill>
+                <a:effectLst/>
+                <a:latin typeface="Consolas" charset="0"/>
+                <a:ea typeface="Consolas" charset="0"/>
+                <a:cs typeface="Consolas" charset="0"/>
+              </a:rPr>
+              <a:t>num2</a:t>
+            </a:r>
+            <a:r>
+              <a:rPr lang="en-US" altLang="ko-KR" sz="1800">
+                <a:latin typeface="Consolas" charset="0"/>
+                <a:ea typeface="Consolas" charset="0"/>
+                <a:cs typeface="Consolas" charset="0"/>
+              </a:rPr>
+              <a:t>){</a:t>
+            </a:r>
+          </a:p>
+          <a:p>
+            <a:pPr marL="0" indent="0" latinLnBrk="0">
+              <a:lnSpc>
+                <a:spcPct val="100000"/>
+              </a:lnSpc>
+              <a:spcBef>
+                <a:spcPts val="0"/>
+              </a:spcBef>
+              <a:buNone/>
+            </a:pPr>
+            <a:r>
+              <a:rPr lang="en-US" altLang="ko-KR" sz="1800">
+                <a:solidFill>
+                  <a:srgbClr val="A71D5D"/>
+                </a:solidFill>
+                <a:effectLst/>
+                <a:latin typeface="Consolas" charset="0"/>
+                <a:ea typeface="Consolas" charset="0"/>
+                <a:cs typeface="Consolas" charset="0"/>
+              </a:rPr>
+              <a:t>	return</a:t>
+            </a:r>
+            <a:r>
+              <a:rPr lang="en-US" altLang="ko-KR" sz="1800">
+                <a:latin typeface="Consolas" charset="0"/>
+                <a:ea typeface="Consolas" charset="0"/>
+                <a:cs typeface="Consolas" charset="0"/>
+              </a:rPr>
+              <a:t> </a:t>
+            </a:r>
+            <a:r>
+              <a:rPr lang="en-US" altLang="ko-KR" sz="1800">
+                <a:solidFill>
+                  <a:srgbClr val="333333"/>
+                </a:solidFill>
+                <a:effectLst/>
+                <a:latin typeface="Consolas" charset="0"/>
+                <a:ea typeface="Consolas" charset="0"/>
+                <a:cs typeface="Consolas" charset="0"/>
+              </a:rPr>
+              <a:t>sum</a:t>
+            </a:r>
+            <a:r>
+              <a:rPr lang="en-US" altLang="ko-KR" sz="1800">
+                <a:latin typeface="Consolas" charset="0"/>
+                <a:ea typeface="Consolas" charset="0"/>
+                <a:cs typeface="Consolas" charset="0"/>
+              </a:rPr>
+              <a:t>.</a:t>
+            </a:r>
+            <a:r>
+              <a:rPr lang="en-US" altLang="ko-KR" sz="1800">
+                <a:solidFill>
+                  <a:srgbClr val="0086B3"/>
+                </a:solidFill>
+                <a:effectLst/>
+                <a:latin typeface="Consolas" charset="0"/>
+                <a:ea typeface="Consolas" charset="0"/>
+                <a:cs typeface="Consolas" charset="0"/>
+              </a:rPr>
+              <a:t>call</a:t>
+            </a:r>
+            <a:r>
+              <a:rPr lang="en-US" altLang="ko-KR" sz="1800">
+                <a:latin typeface="Consolas" charset="0"/>
+                <a:ea typeface="Consolas" charset="0"/>
+                <a:cs typeface="Consolas" charset="0"/>
+              </a:rPr>
+              <a:t>(</a:t>
+            </a:r>
+            <a:r>
+              <a:rPr lang="en-US" altLang="ko-KR" sz="1800">
+                <a:solidFill>
+                  <a:srgbClr val="ED6A43"/>
+                </a:solidFill>
+                <a:effectLst/>
+                <a:latin typeface="Consolas" charset="0"/>
+                <a:ea typeface="Consolas" charset="0"/>
+                <a:cs typeface="Consolas" charset="0"/>
+              </a:rPr>
+              <a:t>this</a:t>
+            </a:r>
+            <a:r>
+              <a:rPr lang="en-US" altLang="ko-KR" sz="1800">
+                <a:latin typeface="Consolas" charset="0"/>
+                <a:ea typeface="Consolas" charset="0"/>
+                <a:cs typeface="Consolas" charset="0"/>
+              </a:rPr>
+              <a:t>, num1, num2);</a:t>
+            </a:r>
+          </a:p>
+          <a:p>
+            <a:pPr marL="0" indent="0" latinLnBrk="0">
+              <a:lnSpc>
+                <a:spcPct val="100000"/>
+              </a:lnSpc>
+              <a:spcBef>
+                <a:spcPts val="0"/>
+              </a:spcBef>
+              <a:buNone/>
+            </a:pPr>
+            <a:r>
+              <a:rPr lang="en-US" altLang="ko-KR" sz="1800">
+                <a:latin typeface="Consolas" charset="0"/>
+                <a:ea typeface="Consolas" charset="0"/>
+                <a:cs typeface="Consolas" charset="0"/>
+              </a:rPr>
+              <a:t>}</a:t>
+            </a:r>
+          </a:p>
+          <a:p>
+            <a:pPr marL="0" indent="0" latinLnBrk="0">
+              <a:lnSpc>
+                <a:spcPct val="100000"/>
+              </a:lnSpc>
+              <a:spcBef>
+                <a:spcPts val="0"/>
+              </a:spcBef>
+              <a:buNone/>
+            </a:pPr>
+            <a:endParaRPr lang="en-US" altLang="ko-KR" sz="1800">
+              <a:solidFill>
+                <a:srgbClr val="795DA3"/>
+              </a:solidFill>
+              <a:effectLst/>
+              <a:latin typeface="Consolas" charset="0"/>
+              <a:ea typeface="Consolas" charset="0"/>
+              <a:cs typeface="Consolas" charset="0"/>
+            </a:endParaRPr>
+          </a:p>
+          <a:p>
+            <a:pPr marL="0" indent="0" latinLnBrk="0">
+              <a:lnSpc>
+                <a:spcPct val="100000"/>
+              </a:lnSpc>
+              <a:spcBef>
+                <a:spcPts val="0"/>
+              </a:spcBef>
+              <a:buNone/>
+            </a:pPr>
+            <a:r>
+              <a:rPr lang="en-US" altLang="ko-KR" sz="1800">
+                <a:solidFill>
+                  <a:srgbClr val="795DA3"/>
+                </a:solidFill>
+                <a:effectLst/>
+                <a:latin typeface="Consolas" charset="0"/>
+                <a:ea typeface="Consolas" charset="0"/>
+                <a:cs typeface="Consolas" charset="0"/>
+              </a:rPr>
+              <a:t>callSum</a:t>
+            </a:r>
+            <a:r>
+              <a:rPr lang="en-US" altLang="ko-KR" sz="1800">
+                <a:latin typeface="Consolas" charset="0"/>
+                <a:ea typeface="Consolas" charset="0"/>
+                <a:cs typeface="Consolas" charset="0"/>
+              </a:rPr>
+              <a:t>(</a:t>
+            </a:r>
+            <a:r>
+              <a:rPr lang="en-US" altLang="ko-KR" sz="1800">
+                <a:solidFill>
+                  <a:srgbClr val="0086B3"/>
+                </a:solidFill>
+                <a:effectLst/>
+                <a:latin typeface="Consolas" charset="0"/>
+                <a:ea typeface="Consolas" charset="0"/>
+                <a:cs typeface="Consolas" charset="0"/>
+              </a:rPr>
+              <a:t>10</a:t>
+            </a:r>
+            <a:r>
+              <a:rPr lang="en-US" altLang="ko-KR" sz="1800">
+                <a:latin typeface="Consolas" charset="0"/>
+                <a:ea typeface="Consolas" charset="0"/>
+                <a:cs typeface="Consolas" charset="0"/>
+              </a:rPr>
+              <a:t>, </a:t>
+            </a:r>
+            <a:r>
+              <a:rPr lang="en-US" altLang="ko-KR" sz="1800">
+                <a:solidFill>
+                  <a:srgbClr val="0086B3"/>
+                </a:solidFill>
+                <a:effectLst/>
+                <a:latin typeface="Consolas" charset="0"/>
+                <a:ea typeface="Consolas" charset="0"/>
+                <a:cs typeface="Consolas" charset="0"/>
+              </a:rPr>
+              <a:t>10</a:t>
+            </a:r>
+            <a:r>
+              <a:rPr lang="en-US" altLang="ko-KR" sz="1800">
+                <a:latin typeface="Consolas" charset="0"/>
+                <a:ea typeface="Consolas" charset="0"/>
+                <a:cs typeface="Consolas" charset="0"/>
+              </a:rPr>
+              <a:t>);</a:t>
+            </a:r>
+            <a:endParaRPr lang="en-US" altLang="ko-KR" sz="1800">
+              <a:solidFill>
+                <a:prstClr val="black"/>
+              </a:solidFill>
+              <a:latin typeface="Consolas" charset="0"/>
+              <a:ea typeface="Consolas" charset="0"/>
+              <a:cs typeface="Consolas" charset="0"/>
+            </a:endParaRPr>
+          </a:p>
+        </p:txBody>
+      </p:sp>
+      <p:sp>
+        <p:nvSpPr>
+          <p:cNvPr id="2" name="직사각형 1"/>
+          <p:cNvSpPr/>
+          <p:nvPr/>
+        </p:nvSpPr>
+        <p:spPr>
+          <a:xfrm>
+            <a:off x="3048000" y="2690336"/>
+            <a:ext cx="6096000" cy="369332"/>
+          </a:xfrm>
+          <a:prstGeom prst="rect">
+            <a:avLst/>
+          </a:prstGeom>
+        </p:spPr>
+        <p:txBody>
+          <a:bodyPr>
+            <a:spAutoFit/>
+          </a:bodyPr>
+          <a:lstStyle/>
+          <a:p>
+            <a:endParaRPr lang="ko-KR" altLang="en-US">
+              <a:solidFill>
+                <a:prstClr val="black"/>
+              </a:solidFill>
+            </a:endParaRPr>
+          </a:p>
+        </p:txBody>
+      </p:sp>
+    </p:spTree>
+    <p:extLst>
+      <p:ext uri="{BB962C8B-B14F-4D97-AF65-F5344CB8AC3E}">
         <p14:creationId xmlns:p14="http://schemas.microsoft.com/office/powerpoint/2010/main" val="340093056"/>
+      </p:ext>
+    </p:extLst>
+  </p:cSld>
+  <p:clrMapOvr>
+    <a:masterClrMapping/>
+  </p:clrMapOvr>
+  <p:timing>
+    <p:tnLst>
+      <p:par>
+        <p:cTn id="1" dur="indefinite" restart="never" nodeType="tmRoot"/>
+      </p:par>
+    </p:tnLst>
+  </p:timing>
+</p:sld>
+</file>
+
+<file path=ppt/slides/slide7.xml><?xml version="1.0" encoding="utf-8"?>
+<p:sld xmlns:a="http://schemas.openxmlformats.org/drawingml/2006/main" xmlns:r="http://schemas.openxmlformats.org/officeDocument/2006/relationships" xmlns:p="http://schemas.openxmlformats.org/presentationml/2006/main">
+  <p:cSld>
+    <p:bg>
+      <p:bgPr>
+        <a:solidFill>
+          <a:schemeClr val="bg1">
+            <a:lumMod val="95000"/>
+          </a:schemeClr>
+        </a:solidFill>
+        <a:effectLst/>
+      </p:bgPr>
+    </p:bg>
+    <p:spTree>
+      <p:nvGrpSpPr>
+        <p:cNvPr id="1" name=""/>
+        <p:cNvGrpSpPr/>
+        <p:nvPr/>
+      </p:nvGrpSpPr>
+      <p:grpSpPr>
+        <a:xfrm>
+          <a:off x="0" y="0"/>
+          <a:ext cx="0" cy="0"/>
+          <a:chOff x="0" y="0"/>
+          <a:chExt cx="0" cy="0"/>
+        </a:xfrm>
+      </p:grpSpPr>
+      <p:sp>
+        <p:nvSpPr>
+          <p:cNvPr id="12" name="제목 11"/>
+          <p:cNvSpPr>
+            <a:spLocks noGrp="1"/>
+          </p:cNvSpPr>
+          <p:nvPr>
+            <p:ph type="title"/>
+          </p:nvPr>
+        </p:nvSpPr>
+        <p:spPr>
+          <a:xfrm>
+            <a:off x="838200" y="387116"/>
+            <a:ext cx="10515600" cy="969148"/>
+          </a:xfrm>
+        </p:spPr>
+        <p:txBody>
+          <a:bodyPr>
+            <a:normAutofit/>
+          </a:bodyPr>
+          <a:lstStyle/>
+          <a:p>
+            <a:pPr marL="457200" indent="-457200">
+              <a:buFont typeface="Wingdings" panose="05000000000000000000" pitchFamily="2" charset="2"/>
+              <a:buChar char="ü"/>
+            </a:pPr>
+            <a:r>
+              <a:rPr lang="en-US" altLang="ko-KR" sz="3000">
+                <a:latin typeface="Consolas" pitchFamily="49" charset="0"/>
+                <a:ea typeface="+mn-ea"/>
+                <a:cs typeface="Consolas" charset="0"/>
+              </a:rPr>
+              <a:t>this</a:t>
+            </a:r>
+            <a:endParaRPr lang="ko-KR" altLang="en-US" sz="3000">
+              <a:latin typeface="Consolas" pitchFamily="49" charset="0"/>
+              <a:ea typeface="+mn-ea"/>
+              <a:cs typeface="Consolas" charset="0"/>
+            </a:endParaRPr>
+          </a:p>
+        </p:txBody>
+      </p:sp>
+      <p:sp>
+        <p:nvSpPr>
+          <p:cNvPr id="9" name="Rectangle 3"/>
+          <p:cNvSpPr txBox="1">
+            <a:spLocks noChangeArrowheads="1"/>
+          </p:cNvSpPr>
+          <p:nvPr/>
+        </p:nvSpPr>
+        <p:spPr bwMode="auto">
+          <a:xfrm>
+            <a:off x="838199" y="1265779"/>
+            <a:ext cx="10386849" cy="5159014"/>
+          </a:xfrm>
+          <a:prstGeom prst="rect">
+            <a:avLst/>
+          </a:prstGeom>
+          <a:noFill/>
+          <a:ln>
+            <a:noFill/>
+          </a:ln>
+          <a:effectLst>
+            <a:softEdge rad="0"/>
+          </a:effectLst>
+        </p:spPr>
+        <p:txBody>
+          <a:bodyPr vert="horz" wrap="square" lIns="360000" tIns="360000" rIns="360000" bIns="360000" numCol="1" rtlCol="0" anchor="t" anchorCtr="0" compatLnSpc="1">
+            <a:prstTxWarp prst="textNoShape">
+              <a:avLst/>
+            </a:prstTxWarp>
+            <a:spAutoFit/>
+          </a:bodyPr>
+          <a:lstStyle>
+            <a:lvl1pPr marL="228600" indent="-228600" algn="l" defTabSz="914400" rtl="0" eaLnBrk="1" latinLnBrk="1" hangingPunct="1">
+              <a:lnSpc>
+                <a:spcPct val="90000"/>
+              </a:lnSpc>
+              <a:spcBef>
+                <a:spcPts val="1000"/>
+              </a:spcBef>
+              <a:buFont typeface="Arial" panose="020B0604020202020204" pitchFamily="34" charset="0"/>
+              <a:buChar char="•"/>
+              <a:defRPr sz="2800" kern="1200">
+                <a:solidFill>
+                  <a:schemeClr val="tx1"/>
+                </a:solidFill>
+                <a:latin typeface="+mn-lt"/>
+                <a:ea typeface="+mn-ea"/>
+                <a:cs typeface="+mn-cs"/>
+              </a:defRPr>
+            </a:lvl1pPr>
+            <a:lvl2pPr marL="685800" indent="-228600" algn="l" defTabSz="914400" rtl="0" eaLnBrk="1" latinLnBrk="1" hangingPunct="1">
+              <a:lnSpc>
+                <a:spcPct val="90000"/>
+              </a:lnSpc>
+              <a:spcBef>
+                <a:spcPts val="500"/>
+              </a:spcBef>
+              <a:buFont typeface="Arial" panose="020B0604020202020204" pitchFamily="34" charset="0"/>
+              <a:buChar char="•"/>
+              <a:defRPr sz="2400" kern="1200">
+                <a:solidFill>
+                  <a:schemeClr val="tx1"/>
+                </a:solidFill>
+                <a:latin typeface="+mn-lt"/>
+                <a:ea typeface="+mn-ea"/>
+                <a:cs typeface="+mn-cs"/>
+              </a:defRPr>
+            </a:lvl2pPr>
+            <a:lvl3pPr marL="1143000" indent="-228600" algn="l" defTabSz="914400" rtl="0" eaLnBrk="1" latinLnBrk="1" hangingPunct="1">
+              <a:lnSpc>
+                <a:spcPct val="90000"/>
+              </a:lnSpc>
+              <a:spcBef>
+                <a:spcPts val="500"/>
+              </a:spcBef>
+              <a:buFont typeface="Arial" panose="020B0604020202020204" pitchFamily="34" charset="0"/>
+              <a:buChar char="•"/>
+              <a:defRPr sz="2000" kern="1200">
+                <a:solidFill>
+                  <a:schemeClr val="tx1"/>
+                </a:solidFill>
+                <a:latin typeface="+mn-lt"/>
+                <a:ea typeface="+mn-ea"/>
+                <a:cs typeface="+mn-cs"/>
+              </a:defRPr>
+            </a:lvl3pPr>
+            <a:lvl4pPr marL="1600200" indent="-228600" algn="l" defTabSz="914400" rtl="0" eaLnBrk="1" latinLnBrk="1" hangingPunct="1">
+              <a:lnSpc>
+                <a:spcPct val="90000"/>
+              </a:lnSpc>
+              <a:spcBef>
+                <a:spcPts val="500"/>
+              </a:spcBef>
+              <a:buFont typeface="Arial" panose="020B0604020202020204" pitchFamily="34" charset="0"/>
+              <a:buChar char="•"/>
+              <a:defRPr sz="1800" kern="1200">
+                <a:solidFill>
+                  <a:schemeClr val="tx1"/>
+                </a:solidFill>
+                <a:latin typeface="+mn-lt"/>
+                <a:ea typeface="+mn-ea"/>
+                <a:cs typeface="+mn-cs"/>
+              </a:defRPr>
+            </a:lvl4pPr>
+            <a:lvl5pPr marL="2057400" indent="-228600" algn="l" defTabSz="914400" rtl="0" eaLnBrk="1" latinLnBrk="1" hangingPunct="1">
+              <a:lnSpc>
+                <a:spcPct val="90000"/>
+              </a:lnSpc>
+              <a:spcBef>
+                <a:spcPts val="500"/>
+              </a:spcBef>
+              <a:buFont typeface="Arial" panose="020B0604020202020204" pitchFamily="34" charset="0"/>
+              <a:buChar char="•"/>
+              <a:defRPr sz="1800" kern="1200">
+                <a:solidFill>
+                  <a:schemeClr val="tx1"/>
+                </a:solidFill>
+                <a:latin typeface="+mn-lt"/>
+                <a:ea typeface="+mn-ea"/>
+                <a:cs typeface="+mn-cs"/>
+              </a:defRPr>
+            </a:lvl5pPr>
+            <a:lvl6pPr marL="2514600" indent="-228600" algn="l" defTabSz="914400" rtl="0" eaLnBrk="1" latinLnBrk="1" hangingPunct="1">
+              <a:lnSpc>
+                <a:spcPct val="90000"/>
+              </a:lnSpc>
+              <a:spcBef>
+                <a:spcPts val="500"/>
+              </a:spcBef>
+              <a:buFont typeface="Arial" panose="020B0604020202020204" pitchFamily="34" charset="0"/>
+              <a:buChar char="•"/>
+              <a:defRPr sz="1800" kern="1200">
+                <a:solidFill>
+                  <a:schemeClr val="tx1"/>
+                </a:solidFill>
+                <a:latin typeface="+mn-lt"/>
+                <a:ea typeface="+mn-ea"/>
+                <a:cs typeface="+mn-cs"/>
+              </a:defRPr>
+            </a:lvl6pPr>
+            <a:lvl7pPr marL="2971800" indent="-228600" algn="l" defTabSz="914400" rtl="0" eaLnBrk="1" latinLnBrk="1" hangingPunct="1">
+              <a:lnSpc>
+                <a:spcPct val="90000"/>
+              </a:lnSpc>
+              <a:spcBef>
+                <a:spcPts val="500"/>
+              </a:spcBef>
+              <a:buFont typeface="Arial" panose="020B0604020202020204" pitchFamily="34" charset="0"/>
+              <a:buChar char="•"/>
+              <a:defRPr sz="1800" kern="1200">
+                <a:solidFill>
+                  <a:schemeClr val="tx1"/>
+                </a:solidFill>
+                <a:latin typeface="+mn-lt"/>
+                <a:ea typeface="+mn-ea"/>
+                <a:cs typeface="+mn-cs"/>
+              </a:defRPr>
+            </a:lvl7pPr>
+            <a:lvl8pPr marL="3429000" indent="-228600" algn="l" defTabSz="914400" rtl="0" eaLnBrk="1" latinLnBrk="1" hangingPunct="1">
+              <a:lnSpc>
+                <a:spcPct val="90000"/>
+              </a:lnSpc>
+              <a:spcBef>
+                <a:spcPts val="500"/>
+              </a:spcBef>
+              <a:buFont typeface="Arial" panose="020B0604020202020204" pitchFamily="34" charset="0"/>
+              <a:buChar char="•"/>
+              <a:defRPr sz="1800" kern="1200">
+                <a:solidFill>
+                  <a:schemeClr val="tx1"/>
+                </a:solidFill>
+                <a:latin typeface="+mn-lt"/>
+                <a:ea typeface="+mn-ea"/>
+                <a:cs typeface="+mn-cs"/>
+              </a:defRPr>
+            </a:lvl8pPr>
+            <a:lvl9pPr marL="3886200" indent="-228600" algn="l" defTabSz="914400" rtl="0" eaLnBrk="1" latinLnBrk="1" hangingPunct="1">
+              <a:lnSpc>
+                <a:spcPct val="90000"/>
+              </a:lnSpc>
+              <a:spcBef>
+                <a:spcPts val="500"/>
+              </a:spcBef>
+              <a:buFont typeface="Arial" panose="020B0604020202020204" pitchFamily="34" charset="0"/>
+              <a:buChar char="•"/>
+              <a:defRPr sz="1800" kern="1200">
+                <a:solidFill>
+                  <a:schemeClr val="tx1"/>
+                </a:solidFill>
+                <a:latin typeface="+mn-lt"/>
+                <a:ea typeface="+mn-ea"/>
+                <a:cs typeface="+mn-cs"/>
+              </a:defRPr>
+            </a:lvl9pPr>
+          </a:lstStyle>
+          <a:p>
+            <a:pPr marL="0" indent="0" latinLnBrk="0">
+              <a:lnSpc>
+                <a:spcPct val="100000"/>
+              </a:lnSpc>
+              <a:spcBef>
+                <a:spcPts val="0"/>
+              </a:spcBef>
+              <a:buFont typeface="Arial" panose="020B0604020202020204" pitchFamily="34" charset="0"/>
+              <a:buNone/>
+            </a:pPr>
+            <a:r>
+              <a:rPr lang="ko-KR" altLang="en-US" sz="1800">
+                <a:solidFill>
+                  <a:prstClr val="black"/>
+                </a:solidFill>
+                <a:latin typeface="Consolas" charset="0"/>
+                <a:ea typeface="Consolas" charset="0"/>
+                <a:cs typeface="Consolas" charset="0"/>
+              </a:rPr>
+              <a:t>함수 내부에서 </a:t>
+            </a:r>
+            <a:r>
+              <a:rPr lang="en-US" altLang="ko-KR" sz="1800">
+                <a:solidFill>
+                  <a:prstClr val="black"/>
+                </a:solidFill>
+                <a:latin typeface="Consolas" charset="0"/>
+                <a:ea typeface="Consolas" charset="0"/>
+                <a:cs typeface="Consolas" charset="0"/>
+              </a:rPr>
+              <a:t>this </a:t>
+            </a:r>
+            <a:r>
+              <a:rPr lang="ko-KR" altLang="en-US" sz="1800">
+                <a:solidFill>
+                  <a:prstClr val="black"/>
+                </a:solidFill>
+                <a:latin typeface="Consolas" charset="0"/>
+                <a:ea typeface="Consolas" charset="0"/>
+                <a:cs typeface="Consolas" charset="0"/>
+              </a:rPr>
+              <a:t>를 변경</a:t>
+            </a:r>
+            <a:endParaRPr lang="en-US" altLang="ko-KR" sz="1800">
+              <a:solidFill>
+                <a:prstClr val="black"/>
+              </a:solidFill>
+              <a:latin typeface="Consolas" charset="0"/>
+              <a:ea typeface="Consolas" charset="0"/>
+              <a:cs typeface="Consolas" charset="0"/>
+            </a:endParaRPr>
+          </a:p>
+          <a:p>
+            <a:pPr marL="0" indent="0" latinLnBrk="0">
+              <a:lnSpc>
+                <a:spcPct val="100000"/>
+              </a:lnSpc>
+              <a:spcBef>
+                <a:spcPts val="0"/>
+              </a:spcBef>
+              <a:buFont typeface="Arial" panose="020B0604020202020204" pitchFamily="34" charset="0"/>
+              <a:buNone/>
+            </a:pPr>
+            <a:endParaRPr lang="en-US" altLang="ko-KR" sz="1800">
+              <a:solidFill>
+                <a:prstClr val="black"/>
+              </a:solidFill>
+              <a:latin typeface="Consolas" charset="0"/>
+              <a:ea typeface="Consolas" charset="0"/>
+              <a:cs typeface="Consolas" charset="0"/>
+            </a:endParaRPr>
+          </a:p>
+          <a:p>
+            <a:pPr marL="0" indent="0" latinLnBrk="0">
+              <a:lnSpc>
+                <a:spcPct val="100000"/>
+              </a:lnSpc>
+              <a:spcBef>
+                <a:spcPts val="0"/>
+              </a:spcBef>
+              <a:buNone/>
+            </a:pPr>
+            <a:r>
+              <a:rPr lang="en-US" altLang="ko-KR" sz="1800">
+                <a:solidFill>
+                  <a:srgbClr val="A71D5D"/>
+                </a:solidFill>
+                <a:effectLst/>
+                <a:latin typeface="Consolas" charset="0"/>
+                <a:ea typeface="Consolas" charset="0"/>
+                <a:cs typeface="Consolas" charset="0"/>
+              </a:rPr>
+              <a:t>var</a:t>
+            </a:r>
+            <a:r>
+              <a:rPr lang="en-US" altLang="ko-KR" sz="1800">
+                <a:latin typeface="Consolas" charset="0"/>
+                <a:ea typeface="Consolas" charset="0"/>
+                <a:cs typeface="Consolas" charset="0"/>
+              </a:rPr>
+              <a:t> color </a:t>
+            </a:r>
+            <a:r>
+              <a:rPr lang="en-US" altLang="ko-KR" sz="1800">
+                <a:solidFill>
+                  <a:srgbClr val="A71D5D"/>
+                </a:solidFill>
+                <a:effectLst/>
+                <a:latin typeface="Consolas" charset="0"/>
+                <a:ea typeface="Consolas" charset="0"/>
+                <a:cs typeface="Consolas" charset="0"/>
+              </a:rPr>
+              <a:t>=</a:t>
+            </a:r>
+            <a:r>
+              <a:rPr lang="en-US" altLang="ko-KR" sz="1800">
+                <a:latin typeface="Consolas" charset="0"/>
+                <a:ea typeface="Consolas" charset="0"/>
+                <a:cs typeface="Consolas" charset="0"/>
+              </a:rPr>
+              <a:t> </a:t>
+            </a:r>
+            <a:r>
+              <a:rPr lang="en-US" altLang="ko-KR" sz="1800">
+                <a:solidFill>
+                  <a:srgbClr val="183691"/>
+                </a:solidFill>
+                <a:effectLst/>
+                <a:latin typeface="Consolas" charset="0"/>
+                <a:ea typeface="Consolas" charset="0"/>
+                <a:cs typeface="Consolas" charset="0"/>
+              </a:rPr>
+              <a:t>'red'</a:t>
+            </a:r>
+            <a:r>
+              <a:rPr lang="en-US" altLang="ko-KR" sz="1800">
+                <a:latin typeface="Consolas" charset="0"/>
+                <a:ea typeface="Consolas" charset="0"/>
+                <a:cs typeface="Consolas" charset="0"/>
+              </a:rPr>
+              <a:t>,</a:t>
+            </a:r>
+          </a:p>
+          <a:p>
+            <a:pPr marL="0" indent="0" latinLnBrk="0">
+              <a:lnSpc>
+                <a:spcPct val="100000"/>
+              </a:lnSpc>
+              <a:spcBef>
+                <a:spcPts val="0"/>
+              </a:spcBef>
+              <a:buNone/>
+            </a:pPr>
+            <a:r>
+              <a:rPr lang="en-US" altLang="ko-KR" sz="1800">
+                <a:latin typeface="Consolas" charset="0"/>
+                <a:ea typeface="Consolas" charset="0"/>
+                <a:cs typeface="Consolas" charset="0"/>
+              </a:rPr>
+              <a:t>    o </a:t>
+            </a:r>
+            <a:r>
+              <a:rPr lang="en-US" altLang="ko-KR" sz="1800">
+                <a:solidFill>
+                  <a:srgbClr val="A71D5D"/>
+                </a:solidFill>
+                <a:effectLst/>
+                <a:latin typeface="Consolas" charset="0"/>
+                <a:ea typeface="Consolas" charset="0"/>
+                <a:cs typeface="Consolas" charset="0"/>
+              </a:rPr>
+              <a:t>=</a:t>
+            </a:r>
+            <a:r>
+              <a:rPr lang="en-US" altLang="ko-KR" sz="1800">
+                <a:latin typeface="Consolas" charset="0"/>
+                <a:ea typeface="Consolas" charset="0"/>
+                <a:cs typeface="Consolas" charset="0"/>
+              </a:rPr>
+              <a:t> {</a:t>
+            </a:r>
+          </a:p>
+          <a:p>
+            <a:pPr marL="0" indent="0" latinLnBrk="0">
+              <a:lnSpc>
+                <a:spcPct val="100000"/>
+              </a:lnSpc>
+              <a:spcBef>
+                <a:spcPts val="0"/>
+              </a:spcBef>
+              <a:buNone/>
+            </a:pPr>
+            <a:r>
+              <a:rPr lang="en-US" altLang="ko-KR" sz="1800">
+                <a:latin typeface="Consolas" charset="0"/>
+                <a:ea typeface="Consolas" charset="0"/>
+                <a:cs typeface="Consolas" charset="0"/>
+              </a:rPr>
+              <a:t>	   color</a:t>
+            </a:r>
+            <a:r>
+              <a:rPr lang="en-US" altLang="ko-KR" sz="1800">
+                <a:solidFill>
+                  <a:srgbClr val="A71D5D"/>
+                </a:solidFill>
+                <a:effectLst/>
+                <a:latin typeface="Consolas" charset="0"/>
+                <a:ea typeface="Consolas" charset="0"/>
+                <a:cs typeface="Consolas" charset="0"/>
+              </a:rPr>
+              <a:t>:</a:t>
+            </a:r>
+            <a:r>
+              <a:rPr lang="en-US" altLang="ko-KR" sz="1800">
+                <a:latin typeface="Consolas" charset="0"/>
+                <a:ea typeface="Consolas" charset="0"/>
+                <a:cs typeface="Consolas" charset="0"/>
+              </a:rPr>
+              <a:t> </a:t>
+            </a:r>
+            <a:r>
+              <a:rPr lang="en-US" altLang="ko-KR" sz="1800">
+                <a:solidFill>
+                  <a:srgbClr val="183691"/>
+                </a:solidFill>
+                <a:effectLst/>
+                <a:latin typeface="Consolas" charset="0"/>
+                <a:ea typeface="Consolas" charset="0"/>
+                <a:cs typeface="Consolas" charset="0"/>
+              </a:rPr>
+              <a:t>'blue’</a:t>
+            </a:r>
+            <a:endParaRPr lang="en-US" altLang="ko-KR" sz="1800">
+              <a:latin typeface="Consolas" charset="0"/>
+              <a:ea typeface="Consolas" charset="0"/>
+              <a:cs typeface="Consolas" charset="0"/>
+            </a:endParaRPr>
+          </a:p>
+          <a:p>
+            <a:pPr marL="0" indent="0" latinLnBrk="0">
+              <a:lnSpc>
+                <a:spcPct val="100000"/>
+              </a:lnSpc>
+              <a:spcBef>
+                <a:spcPts val="0"/>
+              </a:spcBef>
+              <a:buNone/>
+            </a:pPr>
+            <a:r>
+              <a:rPr lang="en-US" altLang="ko-KR" sz="1800">
+                <a:latin typeface="Consolas" charset="0"/>
+                <a:ea typeface="Consolas" charset="0"/>
+                <a:cs typeface="Consolas" charset="0"/>
+              </a:rPr>
+              <a:t>	 };</a:t>
+            </a:r>
+          </a:p>
+          <a:p>
+            <a:pPr marL="0" indent="0" latinLnBrk="0">
+              <a:lnSpc>
+                <a:spcPct val="100000"/>
+              </a:lnSpc>
+              <a:spcBef>
+                <a:spcPts val="0"/>
+              </a:spcBef>
+              <a:buNone/>
+            </a:pPr>
+            <a:endParaRPr lang="en-US" altLang="ko-KR" sz="1800">
+              <a:solidFill>
+                <a:srgbClr val="A71D5D"/>
+              </a:solidFill>
+              <a:effectLst/>
+              <a:latin typeface="Consolas" charset="0"/>
+              <a:ea typeface="Consolas" charset="0"/>
+              <a:cs typeface="Consolas" charset="0"/>
+            </a:endParaRPr>
+          </a:p>
+          <a:p>
+            <a:pPr marL="0" indent="0" latinLnBrk="0">
+              <a:lnSpc>
+                <a:spcPct val="100000"/>
+              </a:lnSpc>
+              <a:spcBef>
+                <a:spcPts val="0"/>
+              </a:spcBef>
+              <a:buNone/>
+            </a:pPr>
+            <a:r>
+              <a:rPr lang="en-US" altLang="ko-KR" sz="1800">
+                <a:solidFill>
+                  <a:srgbClr val="A71D5D"/>
+                </a:solidFill>
+                <a:effectLst/>
+                <a:latin typeface="Consolas" charset="0"/>
+                <a:ea typeface="Consolas" charset="0"/>
+                <a:cs typeface="Consolas" charset="0"/>
+              </a:rPr>
+              <a:t>function</a:t>
+            </a:r>
+            <a:r>
+              <a:rPr lang="en-US" altLang="ko-KR" sz="1800">
+                <a:latin typeface="Consolas" charset="0"/>
+                <a:ea typeface="Consolas" charset="0"/>
+                <a:cs typeface="Consolas" charset="0"/>
+              </a:rPr>
+              <a:t> </a:t>
+            </a:r>
+            <a:r>
+              <a:rPr lang="en-US" altLang="ko-KR" sz="1800">
+                <a:solidFill>
+                  <a:srgbClr val="795DA3"/>
+                </a:solidFill>
+                <a:effectLst/>
+                <a:latin typeface="Consolas" charset="0"/>
+                <a:ea typeface="Consolas" charset="0"/>
+                <a:cs typeface="Consolas" charset="0"/>
+              </a:rPr>
+              <a:t>sayColor</a:t>
+            </a:r>
+            <a:r>
+              <a:rPr lang="en-US" altLang="ko-KR" sz="1800">
+                <a:latin typeface="Consolas" charset="0"/>
+                <a:ea typeface="Consolas" charset="0"/>
+                <a:cs typeface="Consolas" charset="0"/>
+              </a:rPr>
+              <a:t>(){</a:t>
+            </a:r>
+          </a:p>
+          <a:p>
+            <a:pPr marL="0" indent="0" latinLnBrk="0">
+              <a:lnSpc>
+                <a:spcPct val="100000"/>
+              </a:lnSpc>
+              <a:spcBef>
+                <a:spcPts val="0"/>
+              </a:spcBef>
+              <a:buNone/>
+            </a:pPr>
+            <a:r>
+              <a:rPr lang="en-US" altLang="ko-KR" sz="1800">
+                <a:solidFill>
+                  <a:srgbClr val="795DA3"/>
+                </a:solidFill>
+                <a:effectLst/>
+                <a:latin typeface="Consolas" charset="0"/>
+                <a:ea typeface="Consolas" charset="0"/>
+                <a:cs typeface="Consolas" charset="0"/>
+              </a:rPr>
+              <a:t>	console</a:t>
+            </a:r>
+            <a:r>
+              <a:rPr lang="en-US" altLang="ko-KR" sz="1800">
+                <a:latin typeface="Consolas" charset="0"/>
+                <a:ea typeface="Consolas" charset="0"/>
+                <a:cs typeface="Consolas" charset="0"/>
+              </a:rPr>
+              <a:t>.</a:t>
+            </a:r>
+            <a:r>
+              <a:rPr lang="en-US" altLang="ko-KR" sz="1800">
+                <a:solidFill>
+                  <a:srgbClr val="0086B3"/>
+                </a:solidFill>
+                <a:effectLst/>
+                <a:latin typeface="Consolas" charset="0"/>
+                <a:ea typeface="Consolas" charset="0"/>
+                <a:cs typeface="Consolas" charset="0"/>
+              </a:rPr>
+              <a:t>log</a:t>
+            </a:r>
+            <a:r>
+              <a:rPr lang="en-US" altLang="ko-KR" sz="1800">
+                <a:latin typeface="Consolas" charset="0"/>
+                <a:ea typeface="Consolas" charset="0"/>
+                <a:cs typeface="Consolas" charset="0"/>
+              </a:rPr>
+              <a:t>(</a:t>
+            </a:r>
+            <a:r>
+              <a:rPr lang="en-US" altLang="ko-KR" sz="1800">
+                <a:solidFill>
+                  <a:srgbClr val="ED6A43"/>
+                </a:solidFill>
+                <a:effectLst/>
+                <a:latin typeface="Consolas" charset="0"/>
+                <a:ea typeface="Consolas" charset="0"/>
+                <a:cs typeface="Consolas" charset="0"/>
+              </a:rPr>
+              <a:t>this</a:t>
+            </a:r>
+            <a:r>
+              <a:rPr lang="en-US" altLang="ko-KR" sz="1800">
+                <a:latin typeface="Consolas" charset="0"/>
+                <a:ea typeface="Consolas" charset="0"/>
+                <a:cs typeface="Consolas" charset="0"/>
+              </a:rPr>
+              <a:t>.</a:t>
+            </a:r>
+            <a:r>
+              <a:rPr lang="en-US" altLang="ko-KR" sz="1800">
+                <a:solidFill>
+                  <a:srgbClr val="0086B3"/>
+                </a:solidFill>
+                <a:effectLst/>
+                <a:latin typeface="Consolas" charset="0"/>
+                <a:ea typeface="Consolas" charset="0"/>
+                <a:cs typeface="Consolas" charset="0"/>
+              </a:rPr>
+              <a:t>color</a:t>
+            </a:r>
+            <a:r>
+              <a:rPr lang="en-US" altLang="ko-KR" sz="1800">
+                <a:latin typeface="Consolas" charset="0"/>
+                <a:ea typeface="Consolas" charset="0"/>
+                <a:cs typeface="Consolas" charset="0"/>
+              </a:rPr>
+              <a:t>);</a:t>
+            </a:r>
+          </a:p>
+          <a:p>
+            <a:pPr marL="0" indent="0" latinLnBrk="0">
+              <a:lnSpc>
+                <a:spcPct val="100000"/>
+              </a:lnSpc>
+              <a:spcBef>
+                <a:spcPts val="0"/>
+              </a:spcBef>
+              <a:buNone/>
+            </a:pPr>
+            <a:r>
+              <a:rPr lang="en-US" altLang="ko-KR" sz="1800">
+                <a:latin typeface="Consolas" charset="0"/>
+                <a:ea typeface="Consolas" charset="0"/>
+                <a:cs typeface="Consolas" charset="0"/>
+              </a:rPr>
+              <a:t>}</a:t>
+            </a:r>
+          </a:p>
+          <a:p>
+            <a:pPr marL="0" indent="0" latinLnBrk="0">
+              <a:lnSpc>
+                <a:spcPct val="100000"/>
+              </a:lnSpc>
+              <a:spcBef>
+                <a:spcPts val="0"/>
+              </a:spcBef>
+              <a:buNone/>
+            </a:pPr>
+            <a:endParaRPr lang="en-US" altLang="ko-KR" sz="1800">
+              <a:solidFill>
+                <a:srgbClr val="795DA3"/>
+              </a:solidFill>
+              <a:effectLst/>
+              <a:latin typeface="Consolas" charset="0"/>
+              <a:ea typeface="Consolas" charset="0"/>
+              <a:cs typeface="Consolas" charset="0"/>
+            </a:endParaRPr>
+          </a:p>
+          <a:p>
+            <a:pPr marL="0" indent="0" latinLnBrk="0">
+              <a:lnSpc>
+                <a:spcPct val="100000"/>
+              </a:lnSpc>
+              <a:spcBef>
+                <a:spcPts val="0"/>
+              </a:spcBef>
+              <a:buNone/>
+            </a:pPr>
+            <a:endParaRPr lang="en-US" altLang="ko-KR" sz="1800">
+              <a:solidFill>
+                <a:srgbClr val="795DA3"/>
+              </a:solidFill>
+              <a:effectLst/>
+              <a:latin typeface="Consolas" charset="0"/>
+              <a:ea typeface="Consolas" charset="0"/>
+              <a:cs typeface="Consolas" charset="0"/>
+            </a:endParaRPr>
+          </a:p>
+          <a:p>
+            <a:pPr marL="0" indent="0" latinLnBrk="0">
+              <a:lnSpc>
+                <a:spcPct val="100000"/>
+              </a:lnSpc>
+              <a:spcBef>
+                <a:spcPts val="0"/>
+              </a:spcBef>
+              <a:buNone/>
+            </a:pPr>
+            <a:r>
+              <a:rPr lang="en-US" altLang="ko-KR" sz="1800">
+                <a:solidFill>
+                  <a:srgbClr val="795DA3"/>
+                </a:solidFill>
+                <a:effectLst/>
+                <a:latin typeface="Consolas" charset="0"/>
+                <a:ea typeface="Consolas" charset="0"/>
+                <a:cs typeface="Consolas" charset="0"/>
+              </a:rPr>
+              <a:t>sayColor</a:t>
+            </a:r>
+            <a:r>
+              <a:rPr lang="en-US" altLang="ko-KR" sz="1800">
+                <a:latin typeface="Consolas" charset="0"/>
+                <a:ea typeface="Consolas" charset="0"/>
+                <a:cs typeface="Consolas" charset="0"/>
+              </a:rPr>
+              <a:t>();</a:t>
+            </a:r>
+          </a:p>
+          <a:p>
+            <a:pPr marL="0" indent="0" latinLnBrk="0">
+              <a:lnSpc>
+                <a:spcPct val="100000"/>
+              </a:lnSpc>
+              <a:spcBef>
+                <a:spcPts val="0"/>
+              </a:spcBef>
+              <a:buNone/>
+            </a:pPr>
+            <a:r>
+              <a:rPr lang="en-US" altLang="ko-KR" sz="1800">
+                <a:solidFill>
+                  <a:srgbClr val="333333"/>
+                </a:solidFill>
+                <a:effectLst/>
+                <a:latin typeface="Consolas" charset="0"/>
+                <a:ea typeface="Consolas" charset="0"/>
+                <a:cs typeface="Consolas" charset="0"/>
+              </a:rPr>
+              <a:t>sayColor</a:t>
+            </a:r>
+            <a:r>
+              <a:rPr lang="en-US" altLang="ko-KR" sz="1800">
+                <a:latin typeface="Consolas" charset="0"/>
+                <a:ea typeface="Consolas" charset="0"/>
+                <a:cs typeface="Consolas" charset="0"/>
+              </a:rPr>
+              <a:t>.</a:t>
+            </a:r>
+            <a:r>
+              <a:rPr lang="en-US" altLang="ko-KR" sz="1800">
+                <a:solidFill>
+                  <a:srgbClr val="0086B3"/>
+                </a:solidFill>
+                <a:effectLst/>
+                <a:latin typeface="Consolas" charset="0"/>
+                <a:ea typeface="Consolas" charset="0"/>
+                <a:cs typeface="Consolas" charset="0"/>
+              </a:rPr>
+              <a:t>call</a:t>
+            </a:r>
+            <a:r>
+              <a:rPr lang="en-US" altLang="ko-KR" sz="1800">
+                <a:latin typeface="Consolas" charset="0"/>
+                <a:ea typeface="Consolas" charset="0"/>
+                <a:cs typeface="Consolas" charset="0"/>
+              </a:rPr>
+              <a:t>(</a:t>
+            </a:r>
+            <a:r>
+              <a:rPr lang="en-US" altLang="ko-KR" sz="1800">
+                <a:solidFill>
+                  <a:srgbClr val="ED6A43"/>
+                </a:solidFill>
+                <a:effectLst/>
+                <a:latin typeface="Consolas" charset="0"/>
+                <a:ea typeface="Consolas" charset="0"/>
+                <a:cs typeface="Consolas" charset="0"/>
+              </a:rPr>
+              <a:t>this</a:t>
+            </a:r>
+            <a:r>
+              <a:rPr lang="en-US" altLang="ko-KR" sz="1800">
+                <a:latin typeface="Consolas" charset="0"/>
+                <a:ea typeface="Consolas" charset="0"/>
+                <a:cs typeface="Consolas" charset="0"/>
+              </a:rPr>
+              <a:t>);</a:t>
+            </a:r>
+          </a:p>
+          <a:p>
+            <a:pPr marL="0" indent="0" latinLnBrk="0">
+              <a:lnSpc>
+                <a:spcPct val="100000"/>
+              </a:lnSpc>
+              <a:spcBef>
+                <a:spcPts val="0"/>
+              </a:spcBef>
+              <a:buNone/>
+            </a:pPr>
+            <a:r>
+              <a:rPr lang="en-US" altLang="ko-KR" sz="1800">
+                <a:solidFill>
+                  <a:srgbClr val="333333"/>
+                </a:solidFill>
+                <a:effectLst/>
+                <a:latin typeface="Consolas" charset="0"/>
+                <a:ea typeface="Consolas" charset="0"/>
+                <a:cs typeface="Consolas" charset="0"/>
+              </a:rPr>
+              <a:t>sayColor</a:t>
+            </a:r>
+            <a:r>
+              <a:rPr lang="en-US" altLang="ko-KR" sz="1800">
+                <a:latin typeface="Consolas" charset="0"/>
+                <a:ea typeface="Consolas" charset="0"/>
+                <a:cs typeface="Consolas" charset="0"/>
+              </a:rPr>
+              <a:t>.</a:t>
+            </a:r>
+            <a:r>
+              <a:rPr lang="en-US" altLang="ko-KR" sz="1800">
+                <a:solidFill>
+                  <a:srgbClr val="0086B3"/>
+                </a:solidFill>
+                <a:effectLst/>
+                <a:latin typeface="Consolas" charset="0"/>
+                <a:ea typeface="Consolas" charset="0"/>
+                <a:cs typeface="Consolas" charset="0"/>
+              </a:rPr>
+              <a:t>call</a:t>
+            </a:r>
+            <a:r>
+              <a:rPr lang="en-US" altLang="ko-KR" sz="1800">
+                <a:latin typeface="Consolas" charset="0"/>
+                <a:ea typeface="Consolas" charset="0"/>
+                <a:cs typeface="Consolas" charset="0"/>
+              </a:rPr>
+              <a:t>(</a:t>
+            </a:r>
+            <a:r>
+              <a:rPr lang="en-US" altLang="ko-KR" sz="1800">
+                <a:solidFill>
+                  <a:srgbClr val="0086B3"/>
+                </a:solidFill>
+                <a:effectLst/>
+                <a:latin typeface="Consolas" charset="0"/>
+                <a:ea typeface="Consolas" charset="0"/>
+                <a:cs typeface="Consolas" charset="0"/>
+              </a:rPr>
+              <a:t>window</a:t>
+            </a:r>
+            <a:r>
+              <a:rPr lang="en-US" altLang="ko-KR" sz="1800">
+                <a:latin typeface="Consolas" charset="0"/>
+                <a:ea typeface="Consolas" charset="0"/>
+                <a:cs typeface="Consolas" charset="0"/>
+              </a:rPr>
+              <a:t>);</a:t>
+            </a:r>
+          </a:p>
+          <a:p>
+            <a:pPr marL="0" indent="0" latinLnBrk="0">
+              <a:lnSpc>
+                <a:spcPct val="100000"/>
+              </a:lnSpc>
+              <a:spcBef>
+                <a:spcPts val="0"/>
+              </a:spcBef>
+              <a:buNone/>
+            </a:pPr>
+            <a:r>
+              <a:rPr lang="en-US" altLang="ko-KR" sz="1800">
+                <a:solidFill>
+                  <a:srgbClr val="333333"/>
+                </a:solidFill>
+                <a:effectLst/>
+                <a:latin typeface="Consolas" charset="0"/>
+                <a:ea typeface="Consolas" charset="0"/>
+                <a:cs typeface="Consolas" charset="0"/>
+              </a:rPr>
+              <a:t>sayColor</a:t>
+            </a:r>
+            <a:r>
+              <a:rPr lang="en-US" altLang="ko-KR" sz="1800">
+                <a:latin typeface="Consolas" charset="0"/>
+                <a:ea typeface="Consolas" charset="0"/>
+                <a:cs typeface="Consolas" charset="0"/>
+              </a:rPr>
+              <a:t>.</a:t>
+            </a:r>
+            <a:r>
+              <a:rPr lang="en-US" altLang="ko-KR" sz="1800">
+                <a:solidFill>
+                  <a:srgbClr val="0086B3"/>
+                </a:solidFill>
+                <a:effectLst/>
+                <a:latin typeface="Consolas" charset="0"/>
+                <a:ea typeface="Consolas" charset="0"/>
+                <a:cs typeface="Consolas" charset="0"/>
+              </a:rPr>
+              <a:t>call</a:t>
+            </a:r>
+            <a:r>
+              <a:rPr lang="en-US" altLang="ko-KR" sz="1800">
+                <a:latin typeface="Consolas" charset="0"/>
+                <a:ea typeface="Consolas" charset="0"/>
+                <a:cs typeface="Consolas" charset="0"/>
+              </a:rPr>
+              <a:t>(o);</a:t>
+            </a:r>
+            <a:endParaRPr lang="en-US" altLang="ko-KR" sz="1800">
+              <a:solidFill>
+                <a:prstClr val="black"/>
+              </a:solidFill>
+              <a:latin typeface="Consolas" charset="0"/>
+              <a:ea typeface="Consolas" charset="0"/>
+              <a:cs typeface="Consolas" charset="0"/>
+            </a:endParaRPr>
+          </a:p>
+        </p:txBody>
+      </p:sp>
+      <p:sp>
+        <p:nvSpPr>
+          <p:cNvPr id="2" name="직사각형 1"/>
+          <p:cNvSpPr/>
+          <p:nvPr/>
+        </p:nvSpPr>
+        <p:spPr>
+          <a:xfrm>
+            <a:off x="3048000" y="2690336"/>
+            <a:ext cx="6096000" cy="369332"/>
+          </a:xfrm>
+          <a:prstGeom prst="rect">
+            <a:avLst/>
+          </a:prstGeom>
+        </p:spPr>
+        <p:txBody>
+          <a:bodyPr>
+            <a:spAutoFit/>
+          </a:bodyPr>
+          <a:lstStyle/>
+          <a:p>
+            <a:endParaRPr lang="ko-KR" altLang="en-US">
+              <a:solidFill>
+                <a:prstClr val="black"/>
+              </a:solidFill>
+            </a:endParaRPr>
+          </a:p>
+        </p:txBody>
+      </p:sp>
+    </p:spTree>
+    <p:extLst>
+      <p:ext uri="{BB962C8B-B14F-4D97-AF65-F5344CB8AC3E}">
+        <p14:creationId xmlns:p14="http://schemas.microsoft.com/office/powerpoint/2010/main" val="918604680"/>
+      </p:ext>
+    </p:extLst>
+  </p:cSld>
+  <p:clrMapOvr>
+    <a:masterClrMapping/>
+  </p:clrMapOvr>
+  <p:timing>
+    <p:tnLst>
+      <p:par>
+        <p:cTn id="1" dur="indefinite" restart="never" nodeType="tmRoot"/>
+      </p:par>
+    </p:tnLst>
+  </p:timing>
+</p:sld>
+</file>
+
+<file path=ppt/slides/slide8.xml><?xml version="1.0" encoding="utf-8"?>
+<p:sld xmlns:a="http://schemas.openxmlformats.org/drawingml/2006/main" xmlns:r="http://schemas.openxmlformats.org/officeDocument/2006/relationships" xmlns:p="http://schemas.openxmlformats.org/presentationml/2006/main">
+  <p:cSld>
+    <p:bg>
+      <p:bgPr>
+        <a:solidFill>
+          <a:schemeClr val="bg1">
+            <a:lumMod val="95000"/>
+          </a:schemeClr>
+        </a:solidFill>
+        <a:effectLst/>
+      </p:bgPr>
+    </p:bg>
+    <p:spTree>
+      <p:nvGrpSpPr>
+        <p:cNvPr id="1" name=""/>
+        <p:cNvGrpSpPr/>
+        <p:nvPr/>
+      </p:nvGrpSpPr>
+      <p:grpSpPr>
+        <a:xfrm>
+          <a:off x="0" y="0"/>
+          <a:ext cx="0" cy="0"/>
+          <a:chOff x="0" y="0"/>
+          <a:chExt cx="0" cy="0"/>
+        </a:xfrm>
+      </p:grpSpPr>
+      <p:sp>
+        <p:nvSpPr>
+          <p:cNvPr id="12" name="제목 11"/>
+          <p:cNvSpPr>
+            <a:spLocks noGrp="1"/>
+          </p:cNvSpPr>
+          <p:nvPr>
+            <p:ph type="title"/>
+          </p:nvPr>
+        </p:nvSpPr>
+        <p:spPr>
+          <a:xfrm>
+            <a:off x="838200" y="387116"/>
+            <a:ext cx="10515600" cy="969148"/>
+          </a:xfrm>
+        </p:spPr>
+        <p:txBody>
+          <a:bodyPr>
+            <a:normAutofit/>
+          </a:bodyPr>
+          <a:lstStyle/>
+          <a:p>
+            <a:pPr marL="457200" indent="-457200">
+              <a:buFont typeface="Wingdings" panose="05000000000000000000" pitchFamily="2" charset="2"/>
+              <a:buChar char="ü"/>
+            </a:pPr>
+            <a:r>
+              <a:rPr lang="en-US" altLang="ko-KR" sz="3000">
+                <a:latin typeface="Consolas" pitchFamily="49" charset="0"/>
+                <a:ea typeface="+mn-ea"/>
+                <a:cs typeface="Consolas" charset="0"/>
+              </a:rPr>
+              <a:t>bind(ES5/IE9+)</a:t>
+            </a:r>
+            <a:endParaRPr lang="ko-KR" altLang="en-US" sz="3000">
+              <a:latin typeface="Consolas" pitchFamily="49" charset="0"/>
+              <a:ea typeface="+mn-ea"/>
+              <a:cs typeface="Consolas" charset="0"/>
+            </a:endParaRPr>
+          </a:p>
+        </p:txBody>
+      </p:sp>
+      <p:sp>
+        <p:nvSpPr>
+          <p:cNvPr id="9" name="Rectangle 3"/>
+          <p:cNvSpPr txBox="1">
+            <a:spLocks noChangeArrowheads="1"/>
+          </p:cNvSpPr>
+          <p:nvPr/>
+        </p:nvSpPr>
+        <p:spPr bwMode="auto">
+          <a:xfrm>
+            <a:off x="838199" y="1265779"/>
+            <a:ext cx="10386849" cy="4882015"/>
+          </a:xfrm>
+          <a:prstGeom prst="rect">
+            <a:avLst/>
+          </a:prstGeom>
+          <a:noFill/>
+          <a:ln>
+            <a:noFill/>
+          </a:ln>
+          <a:effectLst>
+            <a:softEdge rad="0"/>
+          </a:effectLst>
+        </p:spPr>
+        <p:txBody>
+          <a:bodyPr vert="horz" wrap="square" lIns="360000" tIns="360000" rIns="360000" bIns="360000" numCol="1" rtlCol="0" anchor="t" anchorCtr="0" compatLnSpc="1">
+            <a:prstTxWarp prst="textNoShape">
+              <a:avLst/>
+            </a:prstTxWarp>
+            <a:spAutoFit/>
+          </a:bodyPr>
+          <a:lstStyle>
+            <a:lvl1pPr marL="228600" indent="-228600" algn="l" defTabSz="914400" rtl="0" eaLnBrk="1" latinLnBrk="1" hangingPunct="1">
+              <a:lnSpc>
+                <a:spcPct val="90000"/>
+              </a:lnSpc>
+              <a:spcBef>
+                <a:spcPts val="1000"/>
+              </a:spcBef>
+              <a:buFont typeface="Arial" panose="020B0604020202020204" pitchFamily="34" charset="0"/>
+              <a:buChar char="•"/>
+              <a:defRPr sz="2800" kern="1200">
+                <a:solidFill>
+                  <a:schemeClr val="tx1"/>
+                </a:solidFill>
+                <a:latin typeface="+mn-lt"/>
+                <a:ea typeface="+mn-ea"/>
+                <a:cs typeface="+mn-cs"/>
+              </a:defRPr>
+            </a:lvl1pPr>
+            <a:lvl2pPr marL="685800" indent="-228600" algn="l" defTabSz="914400" rtl="0" eaLnBrk="1" latinLnBrk="1" hangingPunct="1">
+              <a:lnSpc>
+                <a:spcPct val="90000"/>
+              </a:lnSpc>
+              <a:spcBef>
+                <a:spcPts val="500"/>
+              </a:spcBef>
+              <a:buFont typeface="Arial" panose="020B0604020202020204" pitchFamily="34" charset="0"/>
+              <a:buChar char="•"/>
+              <a:defRPr sz="2400" kern="1200">
+                <a:solidFill>
+                  <a:schemeClr val="tx1"/>
+                </a:solidFill>
+                <a:latin typeface="+mn-lt"/>
+                <a:ea typeface="+mn-ea"/>
+                <a:cs typeface="+mn-cs"/>
+              </a:defRPr>
+            </a:lvl2pPr>
+            <a:lvl3pPr marL="1143000" indent="-228600" algn="l" defTabSz="914400" rtl="0" eaLnBrk="1" latinLnBrk="1" hangingPunct="1">
+              <a:lnSpc>
+                <a:spcPct val="90000"/>
+              </a:lnSpc>
+              <a:spcBef>
+                <a:spcPts val="500"/>
+              </a:spcBef>
+              <a:buFont typeface="Arial" panose="020B0604020202020204" pitchFamily="34" charset="0"/>
+              <a:buChar char="•"/>
+              <a:defRPr sz="2000" kern="1200">
+                <a:solidFill>
+                  <a:schemeClr val="tx1"/>
+                </a:solidFill>
+                <a:latin typeface="+mn-lt"/>
+                <a:ea typeface="+mn-ea"/>
+                <a:cs typeface="+mn-cs"/>
+              </a:defRPr>
+            </a:lvl3pPr>
+            <a:lvl4pPr marL="1600200" indent="-228600" algn="l" defTabSz="914400" rtl="0" eaLnBrk="1" latinLnBrk="1" hangingPunct="1">
+              <a:lnSpc>
+                <a:spcPct val="90000"/>
+              </a:lnSpc>
+              <a:spcBef>
+                <a:spcPts val="500"/>
+              </a:spcBef>
+              <a:buFont typeface="Arial" panose="020B0604020202020204" pitchFamily="34" charset="0"/>
+              <a:buChar char="•"/>
+              <a:defRPr sz="1800" kern="1200">
+                <a:solidFill>
+                  <a:schemeClr val="tx1"/>
+                </a:solidFill>
+                <a:latin typeface="+mn-lt"/>
+                <a:ea typeface="+mn-ea"/>
+                <a:cs typeface="+mn-cs"/>
+              </a:defRPr>
+            </a:lvl4pPr>
+            <a:lvl5pPr marL="2057400" indent="-228600" algn="l" defTabSz="914400" rtl="0" eaLnBrk="1" latinLnBrk="1" hangingPunct="1">
+              <a:lnSpc>
+                <a:spcPct val="90000"/>
+              </a:lnSpc>
+              <a:spcBef>
+                <a:spcPts val="500"/>
+              </a:spcBef>
+              <a:buFont typeface="Arial" panose="020B0604020202020204" pitchFamily="34" charset="0"/>
+              <a:buChar char="•"/>
+              <a:defRPr sz="1800" kern="1200">
+                <a:solidFill>
+                  <a:schemeClr val="tx1"/>
+                </a:solidFill>
+                <a:latin typeface="+mn-lt"/>
+                <a:ea typeface="+mn-ea"/>
+                <a:cs typeface="+mn-cs"/>
+              </a:defRPr>
+            </a:lvl5pPr>
+            <a:lvl6pPr marL="2514600" indent="-228600" algn="l" defTabSz="914400" rtl="0" eaLnBrk="1" latinLnBrk="1" hangingPunct="1">
+              <a:lnSpc>
+                <a:spcPct val="90000"/>
+              </a:lnSpc>
+              <a:spcBef>
+                <a:spcPts val="500"/>
+              </a:spcBef>
+              <a:buFont typeface="Arial" panose="020B0604020202020204" pitchFamily="34" charset="0"/>
+              <a:buChar char="•"/>
+              <a:defRPr sz="1800" kern="1200">
+                <a:solidFill>
+                  <a:schemeClr val="tx1"/>
+                </a:solidFill>
+                <a:latin typeface="+mn-lt"/>
+                <a:ea typeface="+mn-ea"/>
+                <a:cs typeface="+mn-cs"/>
+              </a:defRPr>
+            </a:lvl6pPr>
+            <a:lvl7pPr marL="2971800" indent="-228600" algn="l" defTabSz="914400" rtl="0" eaLnBrk="1" latinLnBrk="1" hangingPunct="1">
+              <a:lnSpc>
+                <a:spcPct val="90000"/>
+              </a:lnSpc>
+              <a:spcBef>
+                <a:spcPts val="500"/>
+              </a:spcBef>
+              <a:buFont typeface="Arial" panose="020B0604020202020204" pitchFamily="34" charset="0"/>
+              <a:buChar char="•"/>
+              <a:defRPr sz="1800" kern="1200">
+                <a:solidFill>
+                  <a:schemeClr val="tx1"/>
+                </a:solidFill>
+                <a:latin typeface="+mn-lt"/>
+                <a:ea typeface="+mn-ea"/>
+                <a:cs typeface="+mn-cs"/>
+              </a:defRPr>
+            </a:lvl7pPr>
+            <a:lvl8pPr marL="3429000" indent="-228600" algn="l" defTabSz="914400" rtl="0" eaLnBrk="1" latinLnBrk="1" hangingPunct="1">
+              <a:lnSpc>
+                <a:spcPct val="90000"/>
+              </a:lnSpc>
+              <a:spcBef>
+                <a:spcPts val="500"/>
+              </a:spcBef>
+              <a:buFont typeface="Arial" panose="020B0604020202020204" pitchFamily="34" charset="0"/>
+              <a:buChar char="•"/>
+              <a:defRPr sz="1800" kern="1200">
+                <a:solidFill>
+                  <a:schemeClr val="tx1"/>
+                </a:solidFill>
+                <a:latin typeface="+mn-lt"/>
+                <a:ea typeface="+mn-ea"/>
+                <a:cs typeface="+mn-cs"/>
+              </a:defRPr>
+            </a:lvl8pPr>
+            <a:lvl9pPr marL="3886200" indent="-228600" algn="l" defTabSz="914400" rtl="0" eaLnBrk="1" latinLnBrk="1" hangingPunct="1">
+              <a:lnSpc>
+                <a:spcPct val="90000"/>
+              </a:lnSpc>
+              <a:spcBef>
+                <a:spcPts val="500"/>
+              </a:spcBef>
+              <a:buFont typeface="Arial" panose="020B0604020202020204" pitchFamily="34" charset="0"/>
+              <a:buChar char="•"/>
+              <a:defRPr sz="1800" kern="1200">
+                <a:solidFill>
+                  <a:schemeClr val="tx1"/>
+                </a:solidFill>
+                <a:latin typeface="+mn-lt"/>
+                <a:ea typeface="+mn-ea"/>
+                <a:cs typeface="+mn-cs"/>
+              </a:defRPr>
+            </a:lvl9pPr>
+          </a:lstStyle>
+          <a:p>
+            <a:pPr marL="0" indent="0" latinLnBrk="0">
+              <a:lnSpc>
+                <a:spcPct val="100000"/>
+              </a:lnSpc>
+              <a:spcBef>
+                <a:spcPts val="0"/>
+              </a:spcBef>
+              <a:buFont typeface="Arial" panose="020B0604020202020204" pitchFamily="34" charset="0"/>
+              <a:buNone/>
+            </a:pPr>
+            <a:r>
+              <a:rPr lang="ko-KR" altLang="en-US" sz="1800">
+                <a:solidFill>
+                  <a:prstClr val="black"/>
+                </a:solidFill>
+                <a:latin typeface="Consolas" charset="0"/>
+                <a:ea typeface="Consolas" charset="0"/>
+                <a:cs typeface="Consolas" charset="0"/>
+              </a:rPr>
+              <a:t>새 함수 인스턴스를 생성하며</a:t>
+            </a:r>
+            <a:r>
+              <a:rPr lang="en-US" altLang="ko-KR" sz="1800">
+                <a:solidFill>
+                  <a:prstClr val="black"/>
+                </a:solidFill>
+                <a:latin typeface="Consolas" charset="0"/>
+                <a:ea typeface="Consolas" charset="0"/>
+                <a:cs typeface="Consolas" charset="0"/>
+              </a:rPr>
+              <a:t>,</a:t>
+            </a:r>
+            <a:r>
+              <a:rPr lang="ko-KR" altLang="en-US" sz="1800">
+                <a:solidFill>
+                  <a:prstClr val="black"/>
+                </a:solidFill>
+                <a:latin typeface="Consolas" charset="0"/>
+                <a:ea typeface="Consolas" charset="0"/>
+                <a:cs typeface="Consolas" charset="0"/>
+              </a:rPr>
+              <a:t> 그 함수의 </a:t>
+            </a:r>
+            <a:r>
+              <a:rPr lang="en-US" altLang="ko-KR" sz="1800">
+                <a:solidFill>
+                  <a:prstClr val="black"/>
+                </a:solidFill>
+                <a:latin typeface="Consolas" charset="0"/>
+                <a:ea typeface="Consolas" charset="0"/>
+                <a:cs typeface="Consolas" charset="0"/>
+              </a:rPr>
+              <a:t>this</a:t>
+            </a:r>
+            <a:r>
+              <a:rPr lang="ko-KR" altLang="en-US" sz="1800">
+                <a:solidFill>
+                  <a:prstClr val="black"/>
+                </a:solidFill>
+                <a:latin typeface="Consolas" charset="0"/>
+                <a:ea typeface="Consolas" charset="0"/>
+                <a:cs typeface="Consolas" charset="0"/>
+              </a:rPr>
+              <a:t>를 인자로 넘길수 있다</a:t>
+            </a:r>
+            <a:r>
+              <a:rPr lang="en-US" altLang="ko-KR" sz="1800">
+                <a:solidFill>
+                  <a:prstClr val="black"/>
+                </a:solidFill>
+                <a:latin typeface="Consolas" charset="0"/>
+                <a:ea typeface="Consolas" charset="0"/>
+                <a:cs typeface="Consolas" charset="0"/>
+              </a:rPr>
+              <a:t>.</a:t>
+            </a:r>
+          </a:p>
+          <a:p>
+            <a:pPr marL="0" indent="0" latinLnBrk="0">
+              <a:lnSpc>
+                <a:spcPct val="100000"/>
+              </a:lnSpc>
+              <a:spcBef>
+                <a:spcPts val="0"/>
+              </a:spcBef>
+              <a:buFont typeface="Arial" panose="020B0604020202020204" pitchFamily="34" charset="0"/>
+              <a:buNone/>
+            </a:pPr>
+            <a:endParaRPr lang="en-US" altLang="ko-KR" sz="1800">
+              <a:solidFill>
+                <a:prstClr val="black"/>
+              </a:solidFill>
+              <a:latin typeface="Consolas" charset="0"/>
+              <a:ea typeface="Consolas" charset="0"/>
+              <a:cs typeface="Consolas" charset="0"/>
+            </a:endParaRPr>
+          </a:p>
+          <a:p>
+            <a:pPr marL="0" indent="0" latinLnBrk="0">
+              <a:lnSpc>
+                <a:spcPct val="100000"/>
+              </a:lnSpc>
+              <a:spcBef>
+                <a:spcPts val="0"/>
+              </a:spcBef>
+              <a:buNone/>
+            </a:pPr>
+            <a:r>
+              <a:rPr lang="en-US" altLang="ko-KR" sz="1800">
+                <a:solidFill>
+                  <a:srgbClr val="A71D5D"/>
+                </a:solidFill>
+                <a:latin typeface="Consolas" charset="0"/>
+                <a:ea typeface="Consolas" charset="0"/>
+                <a:cs typeface="Consolas" charset="0"/>
+              </a:rPr>
+              <a:t>var</a:t>
+            </a:r>
+            <a:r>
+              <a:rPr lang="en-US" altLang="ko-KR" sz="1800">
+                <a:latin typeface="Consolas" charset="0"/>
+                <a:ea typeface="Consolas" charset="0"/>
+                <a:cs typeface="Consolas" charset="0"/>
+              </a:rPr>
+              <a:t> color </a:t>
+            </a:r>
+            <a:r>
+              <a:rPr lang="en-US" altLang="ko-KR" sz="1800">
+                <a:solidFill>
+                  <a:srgbClr val="A71D5D"/>
+                </a:solidFill>
+                <a:latin typeface="Consolas" charset="0"/>
+                <a:ea typeface="Consolas" charset="0"/>
+                <a:cs typeface="Consolas" charset="0"/>
+              </a:rPr>
+              <a:t>=</a:t>
+            </a:r>
+            <a:r>
+              <a:rPr lang="en-US" altLang="ko-KR" sz="1800">
+                <a:latin typeface="Consolas" charset="0"/>
+                <a:ea typeface="Consolas" charset="0"/>
+                <a:cs typeface="Consolas" charset="0"/>
+              </a:rPr>
+              <a:t> </a:t>
+            </a:r>
+            <a:r>
+              <a:rPr lang="en-US" altLang="ko-KR" sz="1800">
+                <a:solidFill>
+                  <a:srgbClr val="183691"/>
+                </a:solidFill>
+                <a:latin typeface="Consolas" charset="0"/>
+                <a:ea typeface="Consolas" charset="0"/>
+                <a:cs typeface="Consolas" charset="0"/>
+              </a:rPr>
+              <a:t>'red'</a:t>
+            </a:r>
+            <a:r>
+              <a:rPr lang="en-US" altLang="ko-KR" sz="1800">
+                <a:latin typeface="Consolas" charset="0"/>
+                <a:ea typeface="Consolas" charset="0"/>
+                <a:cs typeface="Consolas" charset="0"/>
+              </a:rPr>
+              <a:t>,</a:t>
+            </a:r>
+          </a:p>
+          <a:p>
+            <a:pPr marL="0" indent="0" latinLnBrk="0">
+              <a:lnSpc>
+                <a:spcPct val="100000"/>
+              </a:lnSpc>
+              <a:spcBef>
+                <a:spcPts val="0"/>
+              </a:spcBef>
+              <a:buNone/>
+            </a:pPr>
+            <a:r>
+              <a:rPr lang="en-US" altLang="ko-KR" sz="1800">
+                <a:latin typeface="Consolas" charset="0"/>
+                <a:ea typeface="Consolas" charset="0"/>
+                <a:cs typeface="Consolas" charset="0"/>
+              </a:rPr>
+              <a:t>    o </a:t>
+            </a:r>
+            <a:r>
+              <a:rPr lang="en-US" altLang="ko-KR" sz="1800">
+                <a:solidFill>
+                  <a:srgbClr val="A71D5D"/>
+                </a:solidFill>
+                <a:latin typeface="Consolas" charset="0"/>
+                <a:ea typeface="Consolas" charset="0"/>
+                <a:cs typeface="Consolas" charset="0"/>
+              </a:rPr>
+              <a:t>=</a:t>
+            </a:r>
+            <a:r>
+              <a:rPr lang="en-US" altLang="ko-KR" sz="1800">
+                <a:latin typeface="Consolas" charset="0"/>
+                <a:ea typeface="Consolas" charset="0"/>
+                <a:cs typeface="Consolas" charset="0"/>
+              </a:rPr>
+              <a:t> {</a:t>
+            </a:r>
+          </a:p>
+          <a:p>
+            <a:pPr marL="0" indent="0" latinLnBrk="0">
+              <a:lnSpc>
+                <a:spcPct val="100000"/>
+              </a:lnSpc>
+              <a:spcBef>
+                <a:spcPts val="0"/>
+              </a:spcBef>
+              <a:buNone/>
+            </a:pPr>
+            <a:r>
+              <a:rPr lang="en-US" altLang="ko-KR" sz="1800">
+                <a:latin typeface="Consolas" charset="0"/>
+                <a:ea typeface="Consolas" charset="0"/>
+                <a:cs typeface="Consolas" charset="0"/>
+              </a:rPr>
+              <a:t>	   color</a:t>
+            </a:r>
+            <a:r>
+              <a:rPr lang="en-US" altLang="ko-KR" sz="1800">
+                <a:solidFill>
+                  <a:srgbClr val="A71D5D"/>
+                </a:solidFill>
+                <a:latin typeface="Consolas" charset="0"/>
+                <a:ea typeface="Consolas" charset="0"/>
+                <a:cs typeface="Consolas" charset="0"/>
+              </a:rPr>
+              <a:t>:</a:t>
+            </a:r>
+            <a:r>
+              <a:rPr lang="en-US" altLang="ko-KR" sz="1800">
+                <a:latin typeface="Consolas" charset="0"/>
+                <a:ea typeface="Consolas" charset="0"/>
+                <a:cs typeface="Consolas" charset="0"/>
+              </a:rPr>
+              <a:t> </a:t>
+            </a:r>
+            <a:r>
+              <a:rPr lang="en-US" altLang="ko-KR" sz="1800">
+                <a:solidFill>
+                  <a:srgbClr val="183691"/>
+                </a:solidFill>
+                <a:latin typeface="Consolas" charset="0"/>
+                <a:ea typeface="Consolas" charset="0"/>
+                <a:cs typeface="Consolas" charset="0"/>
+              </a:rPr>
+              <a:t>'blue’</a:t>
+            </a:r>
+            <a:endParaRPr lang="en-US" altLang="ko-KR" sz="1800">
+              <a:latin typeface="Consolas" charset="0"/>
+              <a:ea typeface="Consolas" charset="0"/>
+              <a:cs typeface="Consolas" charset="0"/>
+            </a:endParaRPr>
+          </a:p>
+          <a:p>
+            <a:pPr marL="0" indent="0" latinLnBrk="0">
+              <a:lnSpc>
+                <a:spcPct val="100000"/>
+              </a:lnSpc>
+              <a:spcBef>
+                <a:spcPts val="0"/>
+              </a:spcBef>
+              <a:buNone/>
+            </a:pPr>
+            <a:r>
+              <a:rPr lang="en-US" altLang="ko-KR" sz="1800">
+                <a:latin typeface="Consolas" charset="0"/>
+                <a:ea typeface="Consolas" charset="0"/>
+                <a:cs typeface="Consolas" charset="0"/>
+              </a:rPr>
+              <a:t>	 };</a:t>
+            </a:r>
+          </a:p>
+          <a:p>
+            <a:pPr marL="0" indent="0" latinLnBrk="0">
+              <a:lnSpc>
+                <a:spcPct val="100000"/>
+              </a:lnSpc>
+              <a:spcBef>
+                <a:spcPts val="0"/>
+              </a:spcBef>
+              <a:buNone/>
+            </a:pPr>
+            <a:endParaRPr lang="en-US" altLang="ko-KR" sz="1800">
+              <a:solidFill>
+                <a:srgbClr val="A71D5D"/>
+              </a:solidFill>
+              <a:latin typeface="Consolas" charset="0"/>
+              <a:ea typeface="Consolas" charset="0"/>
+              <a:cs typeface="Consolas" charset="0"/>
+            </a:endParaRPr>
+          </a:p>
+          <a:p>
+            <a:pPr marL="0" indent="0" latinLnBrk="0">
+              <a:lnSpc>
+                <a:spcPct val="100000"/>
+              </a:lnSpc>
+              <a:spcBef>
+                <a:spcPts val="0"/>
+              </a:spcBef>
+              <a:buNone/>
+            </a:pPr>
+            <a:r>
+              <a:rPr lang="en-US" altLang="ko-KR" sz="1800">
+                <a:solidFill>
+                  <a:srgbClr val="A71D5D"/>
+                </a:solidFill>
+                <a:latin typeface="Consolas" charset="0"/>
+                <a:ea typeface="Consolas" charset="0"/>
+                <a:cs typeface="Consolas" charset="0"/>
+              </a:rPr>
+              <a:t>function</a:t>
+            </a:r>
+            <a:r>
+              <a:rPr lang="en-US" altLang="ko-KR" sz="1800">
+                <a:latin typeface="Consolas" charset="0"/>
+                <a:ea typeface="Consolas" charset="0"/>
+                <a:cs typeface="Consolas" charset="0"/>
+              </a:rPr>
+              <a:t> </a:t>
+            </a:r>
+            <a:r>
+              <a:rPr lang="en-US" altLang="ko-KR" sz="1800">
+                <a:solidFill>
+                  <a:srgbClr val="795DA3"/>
+                </a:solidFill>
+                <a:latin typeface="Consolas" charset="0"/>
+                <a:ea typeface="Consolas" charset="0"/>
+                <a:cs typeface="Consolas" charset="0"/>
+              </a:rPr>
+              <a:t>sayColor</a:t>
+            </a:r>
+            <a:r>
+              <a:rPr lang="en-US" altLang="ko-KR" sz="1800">
+                <a:latin typeface="Consolas" charset="0"/>
+                <a:ea typeface="Consolas" charset="0"/>
+                <a:cs typeface="Consolas" charset="0"/>
+              </a:rPr>
+              <a:t>(){</a:t>
+            </a:r>
+          </a:p>
+          <a:p>
+            <a:pPr marL="0" indent="0" latinLnBrk="0">
+              <a:lnSpc>
+                <a:spcPct val="100000"/>
+              </a:lnSpc>
+              <a:spcBef>
+                <a:spcPts val="0"/>
+              </a:spcBef>
+              <a:buNone/>
+            </a:pPr>
+            <a:r>
+              <a:rPr lang="en-US" altLang="ko-KR" sz="1800">
+                <a:solidFill>
+                  <a:srgbClr val="795DA3"/>
+                </a:solidFill>
+                <a:latin typeface="Consolas" charset="0"/>
+                <a:ea typeface="Consolas" charset="0"/>
+                <a:cs typeface="Consolas" charset="0"/>
+              </a:rPr>
+              <a:t>	console</a:t>
+            </a:r>
+            <a:r>
+              <a:rPr lang="en-US" altLang="ko-KR" sz="1800">
+                <a:latin typeface="Consolas" charset="0"/>
+                <a:ea typeface="Consolas" charset="0"/>
+                <a:cs typeface="Consolas" charset="0"/>
+              </a:rPr>
+              <a:t>.</a:t>
+            </a:r>
+            <a:r>
+              <a:rPr lang="en-US" altLang="ko-KR" sz="1800">
+                <a:solidFill>
+                  <a:srgbClr val="0086B3"/>
+                </a:solidFill>
+                <a:latin typeface="Consolas" charset="0"/>
+                <a:ea typeface="Consolas" charset="0"/>
+                <a:cs typeface="Consolas" charset="0"/>
+              </a:rPr>
+              <a:t>log</a:t>
+            </a:r>
+            <a:r>
+              <a:rPr lang="en-US" altLang="ko-KR" sz="1800">
+                <a:latin typeface="Consolas" charset="0"/>
+                <a:ea typeface="Consolas" charset="0"/>
+                <a:cs typeface="Consolas" charset="0"/>
+              </a:rPr>
+              <a:t>(</a:t>
+            </a:r>
+            <a:r>
+              <a:rPr lang="en-US" altLang="ko-KR" sz="1800">
+                <a:solidFill>
+                  <a:srgbClr val="ED6A43"/>
+                </a:solidFill>
+                <a:latin typeface="Consolas" charset="0"/>
+                <a:ea typeface="Consolas" charset="0"/>
+                <a:cs typeface="Consolas" charset="0"/>
+              </a:rPr>
+              <a:t>this</a:t>
+            </a:r>
+            <a:r>
+              <a:rPr lang="en-US" altLang="ko-KR" sz="1800">
+                <a:latin typeface="Consolas" charset="0"/>
+                <a:ea typeface="Consolas" charset="0"/>
+                <a:cs typeface="Consolas" charset="0"/>
+              </a:rPr>
+              <a:t>.</a:t>
+            </a:r>
+            <a:r>
+              <a:rPr lang="en-US" altLang="ko-KR" sz="1800">
+                <a:solidFill>
+                  <a:srgbClr val="0086B3"/>
+                </a:solidFill>
+                <a:latin typeface="Consolas" charset="0"/>
+                <a:ea typeface="Consolas" charset="0"/>
+                <a:cs typeface="Consolas" charset="0"/>
+              </a:rPr>
+              <a:t>color</a:t>
+            </a:r>
+            <a:r>
+              <a:rPr lang="en-US" altLang="ko-KR" sz="1800">
+                <a:latin typeface="Consolas" charset="0"/>
+                <a:ea typeface="Consolas" charset="0"/>
+                <a:cs typeface="Consolas" charset="0"/>
+              </a:rPr>
+              <a:t>);</a:t>
+            </a:r>
+          </a:p>
+          <a:p>
+            <a:pPr marL="0" indent="0" latinLnBrk="0">
+              <a:lnSpc>
+                <a:spcPct val="100000"/>
+              </a:lnSpc>
+              <a:spcBef>
+                <a:spcPts val="0"/>
+              </a:spcBef>
+              <a:buNone/>
+            </a:pPr>
+            <a:r>
+              <a:rPr lang="en-US" altLang="ko-KR" sz="1800">
+                <a:latin typeface="Consolas" charset="0"/>
+                <a:ea typeface="Consolas" charset="0"/>
+                <a:cs typeface="Consolas" charset="0"/>
+              </a:rPr>
+              <a:t>}</a:t>
+            </a:r>
+          </a:p>
+          <a:p>
+            <a:pPr marL="0" indent="0" latinLnBrk="0">
+              <a:lnSpc>
+                <a:spcPct val="100000"/>
+              </a:lnSpc>
+              <a:spcBef>
+                <a:spcPts val="0"/>
+              </a:spcBef>
+              <a:buNone/>
+            </a:pPr>
+            <a:endParaRPr lang="en-US" altLang="ko-KR" sz="1800">
+              <a:latin typeface="Consolas" charset="0"/>
+              <a:ea typeface="Consolas" charset="0"/>
+              <a:cs typeface="Consolas" charset="0"/>
+            </a:endParaRPr>
+          </a:p>
+          <a:p>
+            <a:pPr marL="0" indent="0" latinLnBrk="0">
+              <a:lnSpc>
+                <a:spcPct val="100000"/>
+              </a:lnSpc>
+              <a:spcBef>
+                <a:spcPts val="0"/>
+              </a:spcBef>
+              <a:buNone/>
+            </a:pPr>
+            <a:endParaRPr lang="en-US" altLang="ko-KR" sz="1800">
+              <a:latin typeface="Consolas" charset="0"/>
+              <a:ea typeface="Consolas" charset="0"/>
+              <a:cs typeface="Consolas" charset="0"/>
+            </a:endParaRPr>
+          </a:p>
+          <a:p>
+            <a:pPr marL="0" indent="0" latinLnBrk="0">
+              <a:lnSpc>
+                <a:spcPct val="100000"/>
+              </a:lnSpc>
+              <a:spcBef>
+                <a:spcPts val="0"/>
+              </a:spcBef>
+              <a:buNone/>
+            </a:pPr>
+            <a:r>
+              <a:rPr lang="en-US" altLang="ko-KR" sz="1800">
+                <a:solidFill>
+                  <a:srgbClr val="A71D5D"/>
+                </a:solidFill>
+                <a:effectLst/>
+                <a:latin typeface="Consolas" charset="0"/>
+                <a:ea typeface="Consolas" charset="0"/>
+                <a:cs typeface="Consolas" charset="0"/>
+              </a:rPr>
+              <a:t>var</a:t>
+            </a:r>
+            <a:r>
+              <a:rPr lang="en-US" altLang="ko-KR" sz="1800">
+                <a:latin typeface="Consolas" charset="0"/>
+                <a:ea typeface="Consolas" charset="0"/>
+                <a:cs typeface="Consolas" charset="0"/>
+              </a:rPr>
+              <a:t> bindingSayColor </a:t>
+            </a:r>
+            <a:r>
+              <a:rPr lang="en-US" altLang="ko-KR" sz="1800">
+                <a:solidFill>
+                  <a:srgbClr val="A71D5D"/>
+                </a:solidFill>
+                <a:effectLst/>
+                <a:latin typeface="Consolas" charset="0"/>
+                <a:ea typeface="Consolas" charset="0"/>
+                <a:cs typeface="Consolas" charset="0"/>
+              </a:rPr>
+              <a:t>=</a:t>
+            </a:r>
+            <a:r>
+              <a:rPr lang="en-US" altLang="ko-KR" sz="1800">
+                <a:latin typeface="Consolas" charset="0"/>
+                <a:ea typeface="Consolas" charset="0"/>
+                <a:cs typeface="Consolas" charset="0"/>
+              </a:rPr>
+              <a:t> </a:t>
+            </a:r>
+            <a:r>
+              <a:rPr lang="en-US" altLang="ko-KR" sz="1800">
+                <a:solidFill>
+                  <a:srgbClr val="333333"/>
+                </a:solidFill>
+                <a:effectLst/>
+                <a:latin typeface="Consolas" charset="0"/>
+                <a:ea typeface="Consolas" charset="0"/>
+                <a:cs typeface="Consolas" charset="0"/>
+              </a:rPr>
+              <a:t>sayColor</a:t>
+            </a:r>
+            <a:r>
+              <a:rPr lang="en-US" altLang="ko-KR" sz="1800">
+                <a:latin typeface="Consolas" charset="0"/>
+                <a:ea typeface="Consolas" charset="0"/>
+                <a:cs typeface="Consolas" charset="0"/>
+              </a:rPr>
+              <a:t>.</a:t>
+            </a:r>
+            <a:r>
+              <a:rPr lang="en-US" altLang="ko-KR" sz="1800">
+                <a:solidFill>
+                  <a:srgbClr val="795DA3"/>
+                </a:solidFill>
+                <a:effectLst/>
+                <a:latin typeface="Consolas" charset="0"/>
+                <a:ea typeface="Consolas" charset="0"/>
+                <a:cs typeface="Consolas" charset="0"/>
+              </a:rPr>
+              <a:t>bind</a:t>
+            </a:r>
+            <a:r>
+              <a:rPr lang="en-US" altLang="ko-KR" sz="1800">
+                <a:latin typeface="Consolas" charset="0"/>
+                <a:ea typeface="Consolas" charset="0"/>
+                <a:cs typeface="Consolas" charset="0"/>
+              </a:rPr>
+              <a:t>(o);</a:t>
+            </a:r>
+          </a:p>
+          <a:p>
+            <a:pPr marL="0" indent="0" latinLnBrk="0">
+              <a:lnSpc>
+                <a:spcPct val="100000"/>
+              </a:lnSpc>
+              <a:spcBef>
+                <a:spcPts val="0"/>
+              </a:spcBef>
+              <a:buNone/>
+            </a:pPr>
+            <a:endParaRPr lang="en-US" altLang="ko-KR" sz="1800">
+              <a:solidFill>
+                <a:srgbClr val="795DA3"/>
+              </a:solidFill>
+              <a:effectLst/>
+              <a:latin typeface="Consolas" charset="0"/>
+              <a:ea typeface="Consolas" charset="0"/>
+              <a:cs typeface="Consolas" charset="0"/>
+            </a:endParaRPr>
+          </a:p>
+          <a:p>
+            <a:pPr marL="0" indent="0" latinLnBrk="0">
+              <a:lnSpc>
+                <a:spcPct val="100000"/>
+              </a:lnSpc>
+              <a:spcBef>
+                <a:spcPts val="0"/>
+              </a:spcBef>
+              <a:buNone/>
+            </a:pPr>
+            <a:r>
+              <a:rPr lang="en-US" altLang="ko-KR" sz="1800">
+                <a:solidFill>
+                  <a:srgbClr val="795DA3"/>
+                </a:solidFill>
+                <a:effectLst/>
+                <a:latin typeface="Consolas" charset="0"/>
+                <a:ea typeface="Consolas" charset="0"/>
+                <a:cs typeface="Consolas" charset="0"/>
+              </a:rPr>
+              <a:t>bindingSayColor</a:t>
+            </a:r>
+            <a:r>
+              <a:rPr lang="en-US" altLang="ko-KR" sz="1800">
+                <a:latin typeface="Consolas" charset="0"/>
+                <a:ea typeface="Consolas" charset="0"/>
+                <a:cs typeface="Consolas" charset="0"/>
+              </a:rPr>
+              <a:t>();</a:t>
+            </a:r>
+            <a:endParaRPr lang="en-US" altLang="ko-KR" sz="1800">
+              <a:solidFill>
+                <a:prstClr val="black"/>
+              </a:solidFill>
+              <a:latin typeface="Consolas" charset="0"/>
+              <a:ea typeface="Consolas" charset="0"/>
+              <a:cs typeface="Consolas" charset="0"/>
+            </a:endParaRPr>
+          </a:p>
+        </p:txBody>
+      </p:sp>
+      <p:sp>
+        <p:nvSpPr>
+          <p:cNvPr id="2" name="직사각형 1"/>
+          <p:cNvSpPr/>
+          <p:nvPr/>
+        </p:nvSpPr>
+        <p:spPr>
+          <a:xfrm>
+            <a:off x="3048000" y="2690336"/>
+            <a:ext cx="6096000" cy="369332"/>
+          </a:xfrm>
+          <a:prstGeom prst="rect">
+            <a:avLst/>
+          </a:prstGeom>
+        </p:spPr>
+        <p:txBody>
+          <a:bodyPr>
+            <a:spAutoFit/>
+          </a:bodyPr>
+          <a:lstStyle/>
+          <a:p>
+            <a:endParaRPr lang="ko-KR" altLang="en-US">
+              <a:solidFill>
+                <a:prstClr val="black"/>
+              </a:solidFill>
+            </a:endParaRPr>
+          </a:p>
+        </p:txBody>
+      </p:sp>
+    </p:spTree>
+    <p:extLst>
+      <p:ext uri="{BB962C8B-B14F-4D97-AF65-F5344CB8AC3E}">
+        <p14:creationId xmlns:p14="http://schemas.microsoft.com/office/powerpoint/2010/main" val="1899896290"/>
       </p:ext>
     </p:extLst>
   </p:cSld>
